--- a/Vortrag/Presentation.pptx
+++ b/Vortrag/Presentation.pptx
@@ -5,7 +5,7 @@
     <p:sldMasterId id="2147483648" r:id="rId1"/>
   </p:sldMasterIdLst>
   <p:notesMasterIdLst>
-    <p:notesMasterId r:id="rId10"/>
+    <p:notesMasterId r:id="rId11"/>
   </p:notesMasterIdLst>
   <p:sldIdLst>
     <p:sldId id="256" r:id="rId2"/>
@@ -16,6 +16,7 @@
     <p:sldId id="261" r:id="rId7"/>
     <p:sldId id="262" r:id="rId8"/>
     <p:sldId id="263" r:id="rId9"/>
+    <p:sldId id="264" r:id="rId10"/>
   </p:sldIdLst>
   <p:sldSz cx="12192000" cy="6858000"/>
   <p:notesSz cx="6858000" cy="9144000"/>
@@ -6119,7 +6120,7 @@
         </p:blipFill>
         <p:spPr>
           <a:xfrm>
-            <a:off x="462753" y="2807538"/>
+            <a:off x="462753" y="2902678"/>
             <a:ext cx="5070736" cy="2772289"/>
           </a:xfrm>
           <a:prstGeom prst="rect">
@@ -6157,8 +6158,8 @@
         </p:blipFill>
         <p:spPr>
           <a:xfrm>
-            <a:off x="4434945" y="4857757"/>
-            <a:ext cx="1779773" cy="1715969"/>
+            <a:off x="3953591" y="4395509"/>
+            <a:ext cx="2451407" cy="2363525"/>
           </a:xfrm>
         </p:spPr>
       </p:pic>
@@ -6230,10 +6231,10 @@
       </p:grpSpPr>
       <p:sp>
         <p:nvSpPr>
-          <p:cNvPr id="2" name="Titel 1">
-            <a:extLst>
-              <a:ext uri="{FF2B5EF4-FFF2-40B4-BE49-F238E27FC236}">
-                <a16:creationId xmlns:a16="http://schemas.microsoft.com/office/drawing/2014/main" id="{F582186B-615F-78C4-12D8-1436BD91B4DE}"/>
+          <p:cNvPr id="7" name="Titel 6">
+            <a:extLst>
+              <a:ext uri="{FF2B5EF4-FFF2-40B4-BE49-F238E27FC236}">
+                <a16:creationId xmlns:a16="http://schemas.microsoft.com/office/drawing/2014/main" id="{5DD9D229-1352-FFE0-FB2F-89AADE91D431}"/>
               </a:ext>
             </a:extLst>
           </p:cNvPr>
@@ -6244,44 +6245,905 @@
             <p:ph type="title"/>
           </p:nvPr>
         </p:nvSpPr>
-        <p:spPr/>
-        <p:txBody>
-          <a:bodyPr/>
+        <p:spPr>
+          <a:xfrm>
+            <a:off x="838200" y="840824"/>
+            <a:ext cx="10515600" cy="5581118"/>
+          </a:xfrm>
+        </p:spPr>
+        <p:txBody>
+          <a:bodyPr>
+            <a:normAutofit fontScale="90000"/>
+          </a:bodyPr>
           <a:lstStyle/>
           <a:p>
-            <a:endParaRPr lang="de-DE"/>
-          </a:p>
-        </p:txBody>
-      </p:sp>
-      <p:sp>
-        <p:nvSpPr>
-          <p:cNvPr id="3" name="Inhaltsplatzhalter 2">
-            <a:extLst>
-              <a:ext uri="{FF2B5EF4-FFF2-40B4-BE49-F238E27FC236}">
-                <a16:creationId xmlns:a16="http://schemas.microsoft.com/office/drawing/2014/main" id="{8DBDF835-4016-CD0E-7984-6272FFE87A3F}"/>
-              </a:ext>
-            </a:extLst>
-          </p:cNvPr>
-          <p:cNvSpPr>
-            <a:spLocks noGrp="1"/>
-          </p:cNvSpPr>
-          <p:nvPr>
-            <p:ph idx="1"/>
-          </p:nvPr>
-        </p:nvSpPr>
-        <p:spPr/>
-        <p:txBody>
-          <a:bodyPr/>
-          <a:lstStyle/>
-          <a:p>
-            <a:endParaRPr lang="de-DE"/>
+            <a:pPr algn="ctr"/>
+            <a:r>
+              <a:rPr lang="en-US" dirty="0">
+                <a:solidFill>
+                  <a:schemeClr val="bg1">
+                    <a:lumMod val="50000"/>
+                  </a:schemeClr>
+                </a:solidFill>
+              </a:rPr>
+              <a:t>What is State?</a:t>
+            </a:r>
+            <a:br>
+              <a:rPr lang="en-US" dirty="0">
+                <a:solidFill>
+                  <a:schemeClr val="bg1">
+                    <a:lumMod val="50000"/>
+                  </a:schemeClr>
+                </a:solidFill>
+              </a:rPr>
+            </a:br>
+            <a:r>
+              <a:rPr lang="en-US" b="1" dirty="0"/>
+              <a:t>When do we care about it?</a:t>
+            </a:r>
+            <a:br>
+              <a:rPr lang="en-US" b="1" dirty="0"/>
+            </a:br>
+            <a:r>
+              <a:rPr lang="en-US" dirty="0">
+                <a:solidFill>
+                  <a:schemeClr val="bg1">
+                    <a:lumMod val="50000"/>
+                  </a:schemeClr>
+                </a:solidFill>
+              </a:rPr>
+              <a:t>How to deal with it?</a:t>
+            </a:r>
+            <a:br>
+              <a:rPr lang="en-US" dirty="0">
+                <a:solidFill>
+                  <a:schemeClr val="bg1">
+                    <a:lumMod val="50000"/>
+                  </a:schemeClr>
+                </a:solidFill>
+              </a:rPr>
+            </a:br>
+            <a:br>
+              <a:rPr lang="en-US" dirty="0"/>
+            </a:br>
+            <a:br>
+              <a:rPr lang="en-US" dirty="0"/>
+            </a:br>
+            <a:r>
+              <a:rPr lang="en-US" dirty="0"/>
+              <a:t>Answer: </a:t>
+            </a:r>
+            <a:r>
+              <a:rPr lang="en-US" b="1" dirty="0"/>
+              <a:t>Not always!</a:t>
+            </a:r>
+            <a:br>
+              <a:rPr lang="en-US" b="1" dirty="0"/>
+            </a:br>
+            <a:r>
+              <a:rPr lang="en-US" sz="2800" dirty="0"/>
+              <a:t>…or: </a:t>
+            </a:r>
+            <a:r>
+              <a:rPr lang="en-US" sz="2800" u="sng" dirty="0"/>
+              <a:t>not</a:t>
+            </a:r>
+            <a:r>
+              <a:rPr lang="en-US" sz="2800" dirty="0"/>
+              <a:t> as soon as there's state, we have to care about!</a:t>
+            </a:r>
+            <a:br>
+              <a:rPr lang="en-US" sz="2800" dirty="0"/>
+            </a:br>
+            <a:br>
+              <a:rPr lang="en-US" sz="2800" dirty="0"/>
+            </a:br>
+            <a:r>
+              <a:rPr lang="en-US" sz="2800" dirty="0"/>
+              <a:t>Sometimes we can leave state considerations aside</a:t>
+            </a:r>
+            <a:br>
+              <a:rPr lang="en-US" sz="2800" dirty="0"/>
+            </a:br>
+            <a:r>
+              <a:rPr lang="en-US" sz="2800" dirty="0"/>
+              <a:t>and focus on other aspects.</a:t>
+            </a:r>
+            <a:br>
+              <a:rPr lang="en-US" sz="2800" dirty="0"/>
+            </a:br>
+            <a:endParaRPr lang="de-DE" sz="2800" dirty="0">
+              <a:solidFill>
+                <a:schemeClr val="bg1">
+                  <a:lumMod val="50000"/>
+                </a:schemeClr>
+              </a:solidFill>
+              <a:latin typeface="+mn-lt"/>
+            </a:endParaRPr>
           </a:p>
         </p:txBody>
       </p:sp>
     </p:spTree>
     <p:extLst>
       <p:ext uri="{BB962C8B-B14F-4D97-AF65-F5344CB8AC3E}">
-        <p14:creationId xmlns:p14="http://schemas.microsoft.com/office/powerpoint/2010/main" val="3983925584"/>
+        <p14:creationId xmlns:p14="http://schemas.microsoft.com/office/powerpoint/2010/main" val="1928597190"/>
+      </p:ext>
+    </p:extLst>
+  </p:cSld>
+  <p:clrMapOvr>
+    <a:masterClrMapping/>
+  </p:clrMapOvr>
+</p:sld>
+</file>
+
+<file path=ppt/slides/slide9.xml><?xml version="1.0" encoding="utf-8"?>
+<p:sld xmlns:a="http://schemas.openxmlformats.org/drawingml/2006/main" xmlns:r="http://schemas.openxmlformats.org/officeDocument/2006/relationships" xmlns:p="http://schemas.openxmlformats.org/presentationml/2006/main">
+  <p:cSld>
+    <p:spTree>
+      <p:nvGrpSpPr>
+        <p:cNvPr id="1" name=""/>
+        <p:cNvGrpSpPr/>
+        <p:nvPr/>
+      </p:nvGrpSpPr>
+      <p:grpSpPr>
+        <a:xfrm>
+          <a:off x="0" y="0"/>
+          <a:ext cx="0" cy="0"/>
+          <a:chOff x="0" y="0"/>
+          <a:chExt cx="0" cy="0"/>
+        </a:xfrm>
+      </p:grpSpPr>
+      <p:sp>
+        <p:nvSpPr>
+          <p:cNvPr id="2" name="Titel 1">
+            <a:extLst>
+              <a:ext uri="{FF2B5EF4-FFF2-40B4-BE49-F238E27FC236}">
+                <a16:creationId xmlns:a16="http://schemas.microsoft.com/office/drawing/2014/main" id="{D1EB097B-78C9-9468-544B-2144580E3780}"/>
+              </a:ext>
+            </a:extLst>
+          </p:cNvPr>
+          <p:cNvSpPr>
+            <a:spLocks noGrp="1"/>
+          </p:cNvSpPr>
+          <p:nvPr>
+            <p:ph type="title"/>
+          </p:nvPr>
+        </p:nvSpPr>
+        <p:spPr/>
+        <p:txBody>
+          <a:bodyPr/>
+          <a:lstStyle/>
+          <a:p>
+            <a:r>
+              <a:rPr lang="en-US" dirty="0"/>
+              <a:t>When to (not) care about State?</a:t>
+            </a:r>
+            <a:endParaRPr lang="de-DE" dirty="0"/>
+          </a:p>
+        </p:txBody>
+      </p:sp>
+      <p:sp>
+        <p:nvSpPr>
+          <p:cNvPr id="6" name="Textfeld 5">
+            <a:extLst>
+              <a:ext uri="{FF2B5EF4-FFF2-40B4-BE49-F238E27FC236}">
+                <a16:creationId xmlns:a16="http://schemas.microsoft.com/office/drawing/2014/main" id="{17B87CF4-2B7E-509A-1620-6E717A3312D8}"/>
+              </a:ext>
+            </a:extLst>
+          </p:cNvPr>
+          <p:cNvSpPr txBox="1"/>
+          <p:nvPr/>
+        </p:nvSpPr>
+        <p:spPr>
+          <a:xfrm>
+            <a:off x="557473" y="4229877"/>
+            <a:ext cx="5385364" cy="878089"/>
+          </a:xfrm>
+          <a:prstGeom prst="rect">
+            <a:avLst/>
+          </a:prstGeom>
+        </p:spPr>
+        <p:txBody>
+          <a:bodyPr vert="horz" lIns="91440" tIns="45720" rIns="91440" bIns="45720" rtlCol="0">
+            <a:noAutofit/>
+          </a:bodyPr>
+          <a:lstStyle>
+            <a:lvl1pPr marL="228600" indent="-228600">
+              <a:lnSpc>
+                <a:spcPct val="90000"/>
+              </a:lnSpc>
+              <a:spcBef>
+                <a:spcPts val="1000"/>
+              </a:spcBef>
+              <a:buFont typeface="Arial" panose="020B0604020202020204" pitchFamily="34" charset="0"/>
+              <a:buChar char="•"/>
+              <a:defRPr sz="2800"/>
+            </a:lvl1pPr>
+            <a:lvl2pPr marL="685800" indent="-228600">
+              <a:lnSpc>
+                <a:spcPct val="90000"/>
+              </a:lnSpc>
+              <a:spcBef>
+                <a:spcPts val="500"/>
+              </a:spcBef>
+              <a:buFont typeface="Arial" panose="020B0604020202020204" pitchFamily="34" charset="0"/>
+              <a:buChar char="•"/>
+              <a:defRPr sz="2400"/>
+            </a:lvl2pPr>
+            <a:lvl3pPr marL="1143000" indent="-228600">
+              <a:lnSpc>
+                <a:spcPct val="90000"/>
+              </a:lnSpc>
+              <a:spcBef>
+                <a:spcPts val="500"/>
+              </a:spcBef>
+              <a:buFont typeface="Arial" panose="020B0604020202020204" pitchFamily="34" charset="0"/>
+              <a:buChar char="•"/>
+              <a:defRPr sz="2000"/>
+            </a:lvl3pPr>
+            <a:lvl4pPr marL="1600200" indent="-228600">
+              <a:lnSpc>
+                <a:spcPct val="90000"/>
+              </a:lnSpc>
+              <a:spcBef>
+                <a:spcPts val="500"/>
+              </a:spcBef>
+              <a:buFont typeface="Arial" panose="020B0604020202020204" pitchFamily="34" charset="0"/>
+              <a:buChar char="•"/>
+            </a:lvl4pPr>
+            <a:lvl5pPr marL="2057400" indent="-228600">
+              <a:lnSpc>
+                <a:spcPct val="90000"/>
+              </a:lnSpc>
+              <a:spcBef>
+                <a:spcPts val="500"/>
+              </a:spcBef>
+              <a:buFont typeface="Arial" panose="020B0604020202020204" pitchFamily="34" charset="0"/>
+              <a:buChar char="•"/>
+            </a:lvl5pPr>
+            <a:lvl6pPr marL="2514600" indent="-228600">
+              <a:lnSpc>
+                <a:spcPct val="90000"/>
+              </a:lnSpc>
+              <a:spcBef>
+                <a:spcPts val="500"/>
+              </a:spcBef>
+              <a:buFont typeface="Arial" panose="020B0604020202020204" pitchFamily="34" charset="0"/>
+              <a:buChar char="•"/>
+            </a:lvl6pPr>
+            <a:lvl7pPr marL="2971800" indent="-228600">
+              <a:lnSpc>
+                <a:spcPct val="90000"/>
+              </a:lnSpc>
+              <a:spcBef>
+                <a:spcPts val="500"/>
+              </a:spcBef>
+              <a:buFont typeface="Arial" panose="020B0604020202020204" pitchFamily="34" charset="0"/>
+              <a:buChar char="•"/>
+            </a:lvl7pPr>
+            <a:lvl8pPr marL="3429000" indent="-228600">
+              <a:lnSpc>
+                <a:spcPct val="90000"/>
+              </a:lnSpc>
+              <a:spcBef>
+                <a:spcPts val="500"/>
+              </a:spcBef>
+              <a:buFont typeface="Arial" panose="020B0604020202020204" pitchFamily="34" charset="0"/>
+              <a:buChar char="•"/>
+            </a:lvl8pPr>
+            <a:lvl9pPr marL="3886200" indent="-228600">
+              <a:lnSpc>
+                <a:spcPct val="90000"/>
+              </a:lnSpc>
+              <a:spcBef>
+                <a:spcPts val="500"/>
+              </a:spcBef>
+              <a:buFont typeface="Arial" panose="020B0604020202020204" pitchFamily="34" charset="0"/>
+              <a:buChar char="•"/>
+            </a:lvl9pPr>
+          </a:lstStyle>
+          <a:p>
+            <a:r>
+              <a:rPr lang="en-US" sz="2000" dirty="0"/>
+              <a:t>Counters and Transistors are </a:t>
+            </a:r>
+            <a:r>
+              <a:rPr lang="en-US" sz="2000" b="1" dirty="0"/>
+              <a:t>composable</a:t>
+            </a:r>
+            <a:r>
+              <a:rPr lang="en-US" sz="2000" dirty="0"/>
+              <a:t>!</a:t>
+            </a:r>
+          </a:p>
+          <a:p>
+            <a:r>
+              <a:rPr lang="en-US" sz="2000" dirty="0"/>
+              <a:t>Composition result is </a:t>
+            </a:r>
+            <a:r>
+              <a:rPr lang="en-US" sz="2000" b="1" dirty="0"/>
+              <a:t>composable</a:t>
+            </a:r>
+            <a:r>
+              <a:rPr lang="en-US" sz="2000" dirty="0"/>
+              <a:t>, too (rec)!</a:t>
+            </a:r>
+          </a:p>
+          <a:p>
+            <a:r>
+              <a:rPr lang="en-US" sz="2000" dirty="0"/>
+              <a:t>Do we care about state? </a:t>
+            </a:r>
+            <a:r>
+              <a:rPr lang="en-US" sz="2000" b="1" dirty="0"/>
+              <a:t>NO</a:t>
+            </a:r>
+            <a:r>
+              <a:rPr lang="en-US" sz="2000" dirty="0"/>
+              <a:t>! Why not?</a:t>
+            </a:r>
+          </a:p>
+          <a:p>
+            <a:pPr lvl="1"/>
+            <a:r>
+              <a:rPr lang="en-US" sz="1800" dirty="0"/>
+              <a:t>Because we </a:t>
+            </a:r>
+            <a:r>
+              <a:rPr lang="en-US" sz="1800" b="1" dirty="0"/>
+              <a:t>compose</a:t>
+            </a:r>
+            <a:r>
+              <a:rPr lang="en-US" sz="1800" dirty="0"/>
+              <a:t> things by simply pulling them on the surface and connect them!</a:t>
+            </a:r>
+          </a:p>
+          <a:p>
+            <a:pPr lvl="1"/>
+            <a:r>
+              <a:rPr lang="en-US" sz="1800" dirty="0"/>
+              <a:t>That’s it! Not more… </a:t>
+            </a:r>
+          </a:p>
+          <a:p>
+            <a:pPr lvl="1"/>
+            <a:r>
+              <a:rPr lang="en-US" sz="1800" dirty="0"/>
+              <a:t>(what should be more?)</a:t>
+            </a:r>
+          </a:p>
+        </p:txBody>
+      </p:sp>
+      <p:pic>
+        <p:nvPicPr>
+          <p:cNvPr id="8" name="Grafik 7" descr="Ein Bild, das Screenshot, Diagramm, Karte, Reihe enthält.">
+            <a:extLst>
+              <a:ext uri="{FF2B5EF4-FFF2-40B4-BE49-F238E27FC236}">
+                <a16:creationId xmlns:a16="http://schemas.microsoft.com/office/drawing/2014/main" id="{F34A0E8A-0111-83C8-B6EE-B841E32C7C8F}"/>
+              </a:ext>
+            </a:extLst>
+          </p:cNvPr>
+          <p:cNvPicPr>
+            <a:picLocks noChangeAspect="1"/>
+          </p:cNvPicPr>
+          <p:nvPr/>
+        </p:nvPicPr>
+        <p:blipFill>
+          <a:blip r:embed="rId2">
+            <a:extLst>
+              <a:ext uri="{28A0092B-C50C-407E-A947-70E740481C1C}">
+                <a14:useLocalDpi xmlns:a14="http://schemas.microsoft.com/office/drawing/2010/main" val="0"/>
+              </a:ext>
+            </a:extLst>
+          </a:blip>
+          <a:stretch>
+            <a:fillRect/>
+          </a:stretch>
+        </p:blipFill>
+        <p:spPr>
+          <a:xfrm>
+            <a:off x="739978" y="1635142"/>
+            <a:ext cx="5300880" cy="2378634"/>
+          </a:xfrm>
+          <a:prstGeom prst="rect">
+            <a:avLst/>
+          </a:prstGeom>
+        </p:spPr>
+      </p:pic>
+      <p:pic>
+        <p:nvPicPr>
+          <p:cNvPr id="10" name="Grafik 9" descr="Ein Bild, das Text, Diagramm, Reihe, Schrift enthält.">
+            <a:extLst>
+              <a:ext uri="{FF2B5EF4-FFF2-40B4-BE49-F238E27FC236}">
+                <a16:creationId xmlns:a16="http://schemas.microsoft.com/office/drawing/2014/main" id="{CD8C1F3A-F59B-19E4-A691-4823D49A17D3}"/>
+              </a:ext>
+            </a:extLst>
+          </p:cNvPr>
+          <p:cNvPicPr>
+            <a:picLocks noChangeAspect="1"/>
+          </p:cNvPicPr>
+          <p:nvPr/>
+        </p:nvPicPr>
+        <p:blipFill>
+          <a:blip r:embed="rId3">
+            <a:extLst>
+              <a:ext uri="{28A0092B-C50C-407E-A947-70E740481C1C}">
+                <a14:useLocalDpi xmlns:a14="http://schemas.microsoft.com/office/drawing/2010/main" val="0"/>
+              </a:ext>
+            </a:extLst>
+          </a:blip>
+          <a:stretch>
+            <a:fillRect/>
+          </a:stretch>
+        </p:blipFill>
+        <p:spPr>
+          <a:xfrm>
+            <a:off x="7160709" y="1584537"/>
+            <a:ext cx="4345932" cy="3184519"/>
+          </a:xfrm>
+          <a:prstGeom prst="rect">
+            <a:avLst/>
+          </a:prstGeom>
+        </p:spPr>
+      </p:pic>
+      <p:cxnSp>
+        <p:nvCxnSpPr>
+          <p:cNvPr id="12" name="Gerade Verbindung mit Pfeil 11">
+            <a:extLst>
+              <a:ext uri="{FF2B5EF4-FFF2-40B4-BE49-F238E27FC236}">
+                <a16:creationId xmlns:a16="http://schemas.microsoft.com/office/drawing/2014/main" id="{26208739-D875-EDC1-5BF8-854780561AFF}"/>
+              </a:ext>
+            </a:extLst>
+          </p:cNvPr>
+          <p:cNvCxnSpPr>
+            <a:cxnSpLocks/>
+            <a:stCxn id="25" idx="0"/>
+          </p:cNvCxnSpPr>
+          <p:nvPr/>
+        </p:nvCxnSpPr>
+        <p:spPr>
+          <a:xfrm flipH="1" flipV="1">
+            <a:off x="5348976" y="3197757"/>
+            <a:ext cx="1702176" cy="2126311"/>
+          </a:xfrm>
+          <a:prstGeom prst="straightConnector1">
+            <a:avLst/>
+          </a:prstGeom>
+          <a:ln w="66675">
+            <a:solidFill>
+              <a:srgbClr val="FF0000"/>
+            </a:solidFill>
+            <a:tailEnd type="triangle"/>
+          </a:ln>
+        </p:spPr>
+        <p:style>
+          <a:lnRef idx="1">
+            <a:schemeClr val="accent1"/>
+          </a:lnRef>
+          <a:fillRef idx="0">
+            <a:schemeClr val="accent1"/>
+          </a:fillRef>
+          <a:effectRef idx="0">
+            <a:schemeClr val="accent1"/>
+          </a:effectRef>
+          <a:fontRef idx="minor">
+            <a:schemeClr val="tx1"/>
+          </a:fontRef>
+        </p:style>
+      </p:cxnSp>
+      <p:cxnSp>
+        <p:nvCxnSpPr>
+          <p:cNvPr id="14" name="Gerade Verbindung mit Pfeil 13">
+            <a:extLst>
+              <a:ext uri="{FF2B5EF4-FFF2-40B4-BE49-F238E27FC236}">
+                <a16:creationId xmlns:a16="http://schemas.microsoft.com/office/drawing/2014/main" id="{7E6A556A-7AC0-CF36-C695-366A068E9057}"/>
+              </a:ext>
+            </a:extLst>
+          </p:cNvPr>
+          <p:cNvCxnSpPr>
+            <a:cxnSpLocks/>
+          </p:cNvCxnSpPr>
+          <p:nvPr/>
+        </p:nvCxnSpPr>
+        <p:spPr>
+          <a:xfrm flipH="1" flipV="1">
+            <a:off x="5598976" y="1860513"/>
+            <a:ext cx="1571038" cy="3463555"/>
+          </a:xfrm>
+          <a:prstGeom prst="straightConnector1">
+            <a:avLst/>
+          </a:prstGeom>
+          <a:ln w="66675">
+            <a:solidFill>
+              <a:srgbClr val="FF0000"/>
+            </a:solidFill>
+            <a:tailEnd type="triangle"/>
+          </a:ln>
+        </p:spPr>
+        <p:style>
+          <a:lnRef idx="1">
+            <a:schemeClr val="accent1"/>
+          </a:lnRef>
+          <a:fillRef idx="0">
+            <a:schemeClr val="accent1"/>
+          </a:fillRef>
+          <a:effectRef idx="0">
+            <a:schemeClr val="accent1"/>
+          </a:effectRef>
+          <a:fontRef idx="minor">
+            <a:schemeClr val="tx1"/>
+          </a:fontRef>
+        </p:style>
+      </p:cxnSp>
+      <p:cxnSp>
+        <p:nvCxnSpPr>
+          <p:cNvPr id="16" name="Gerade Verbindung mit Pfeil 15">
+            <a:extLst>
+              <a:ext uri="{FF2B5EF4-FFF2-40B4-BE49-F238E27FC236}">
+                <a16:creationId xmlns:a16="http://schemas.microsoft.com/office/drawing/2014/main" id="{2FECC561-0C20-0C13-CEB6-402789AC220F}"/>
+              </a:ext>
+            </a:extLst>
+          </p:cNvPr>
+          <p:cNvCxnSpPr>
+            <a:cxnSpLocks/>
+          </p:cNvCxnSpPr>
+          <p:nvPr/>
+        </p:nvCxnSpPr>
+        <p:spPr>
+          <a:xfrm flipV="1">
+            <a:off x="8811010" y="3520176"/>
+            <a:ext cx="346810" cy="1627949"/>
+          </a:xfrm>
+          <a:prstGeom prst="straightConnector1">
+            <a:avLst/>
+          </a:prstGeom>
+          <a:ln w="66675">
+            <a:solidFill>
+              <a:srgbClr val="FF0000"/>
+            </a:solidFill>
+            <a:tailEnd type="triangle"/>
+          </a:ln>
+        </p:spPr>
+        <p:style>
+          <a:lnRef idx="1">
+            <a:schemeClr val="accent1"/>
+          </a:lnRef>
+          <a:fillRef idx="0">
+            <a:schemeClr val="accent1"/>
+          </a:fillRef>
+          <a:effectRef idx="0">
+            <a:schemeClr val="accent1"/>
+          </a:effectRef>
+          <a:fontRef idx="minor">
+            <a:schemeClr val="tx1"/>
+          </a:fontRef>
+        </p:style>
+      </p:cxnSp>
+      <p:cxnSp>
+        <p:nvCxnSpPr>
+          <p:cNvPr id="17" name="Gerade Verbindung mit Pfeil 16">
+            <a:extLst>
+              <a:ext uri="{FF2B5EF4-FFF2-40B4-BE49-F238E27FC236}">
+                <a16:creationId xmlns:a16="http://schemas.microsoft.com/office/drawing/2014/main" id="{123E7B35-3B36-8C2C-F288-93FD942B7A08}"/>
+              </a:ext>
+            </a:extLst>
+          </p:cNvPr>
+          <p:cNvCxnSpPr>
+            <a:cxnSpLocks/>
+          </p:cNvCxnSpPr>
+          <p:nvPr/>
+        </p:nvCxnSpPr>
+        <p:spPr>
+          <a:xfrm flipV="1">
+            <a:off x="8937864" y="4013776"/>
+            <a:ext cx="977056" cy="1134349"/>
+          </a:xfrm>
+          <a:prstGeom prst="straightConnector1">
+            <a:avLst/>
+          </a:prstGeom>
+          <a:ln w="66675">
+            <a:solidFill>
+              <a:srgbClr val="FF0000"/>
+            </a:solidFill>
+            <a:tailEnd type="triangle"/>
+          </a:ln>
+        </p:spPr>
+        <p:style>
+          <a:lnRef idx="1">
+            <a:schemeClr val="accent1"/>
+          </a:lnRef>
+          <a:fillRef idx="0">
+            <a:schemeClr val="accent1"/>
+          </a:fillRef>
+          <a:effectRef idx="0">
+            <a:schemeClr val="accent1"/>
+          </a:effectRef>
+          <a:fontRef idx="minor">
+            <a:schemeClr val="tx1"/>
+          </a:fontRef>
+        </p:style>
+      </p:cxnSp>
+      <p:sp>
+        <p:nvSpPr>
+          <p:cNvPr id="24" name="Textfeld 23">
+            <a:extLst>
+              <a:ext uri="{FF2B5EF4-FFF2-40B4-BE49-F238E27FC236}">
+                <a16:creationId xmlns:a16="http://schemas.microsoft.com/office/drawing/2014/main" id="{EE9AF234-5672-A580-74CB-AEB0C077A7C6}"/>
+              </a:ext>
+            </a:extLst>
+          </p:cNvPr>
+          <p:cNvSpPr txBox="1"/>
+          <p:nvPr/>
+        </p:nvSpPr>
+        <p:spPr>
+          <a:xfrm>
+            <a:off x="8065125" y="5273463"/>
+            <a:ext cx="2170542" cy="715005"/>
+          </a:xfrm>
+          <a:prstGeom prst="rect">
+            <a:avLst/>
+          </a:prstGeom>
+        </p:spPr>
+        <p:txBody>
+          <a:bodyPr vert="horz" lIns="91440" tIns="45720" rIns="91440" bIns="45720" rtlCol="0">
+            <a:noAutofit/>
+          </a:bodyPr>
+          <a:lstStyle>
+            <a:lvl1pPr marL="228600" indent="-228600">
+              <a:lnSpc>
+                <a:spcPct val="90000"/>
+              </a:lnSpc>
+              <a:spcBef>
+                <a:spcPts val="1000"/>
+              </a:spcBef>
+              <a:buFont typeface="Arial" panose="020B0604020202020204" pitchFamily="34" charset="0"/>
+              <a:buChar char="•"/>
+              <a:defRPr sz="2800"/>
+            </a:lvl1pPr>
+            <a:lvl2pPr marL="685800" indent="-228600">
+              <a:lnSpc>
+                <a:spcPct val="90000"/>
+              </a:lnSpc>
+              <a:spcBef>
+                <a:spcPts val="500"/>
+              </a:spcBef>
+              <a:buFont typeface="Arial" panose="020B0604020202020204" pitchFamily="34" charset="0"/>
+              <a:buChar char="•"/>
+              <a:defRPr sz="2400"/>
+            </a:lvl2pPr>
+            <a:lvl3pPr marL="1143000" indent="-228600">
+              <a:lnSpc>
+                <a:spcPct val="90000"/>
+              </a:lnSpc>
+              <a:spcBef>
+                <a:spcPts val="500"/>
+              </a:spcBef>
+              <a:buFont typeface="Arial" panose="020B0604020202020204" pitchFamily="34" charset="0"/>
+              <a:buChar char="•"/>
+              <a:defRPr sz="2000"/>
+            </a:lvl3pPr>
+            <a:lvl4pPr marL="1600200" indent="-228600">
+              <a:lnSpc>
+                <a:spcPct val="90000"/>
+              </a:lnSpc>
+              <a:spcBef>
+                <a:spcPts val="500"/>
+              </a:spcBef>
+              <a:buFont typeface="Arial" panose="020B0604020202020204" pitchFamily="34" charset="0"/>
+              <a:buChar char="•"/>
+            </a:lvl4pPr>
+            <a:lvl5pPr marL="2057400" indent="-228600">
+              <a:lnSpc>
+                <a:spcPct val="90000"/>
+              </a:lnSpc>
+              <a:spcBef>
+                <a:spcPts val="500"/>
+              </a:spcBef>
+              <a:buFont typeface="Arial" panose="020B0604020202020204" pitchFamily="34" charset="0"/>
+              <a:buChar char="•"/>
+            </a:lvl5pPr>
+            <a:lvl6pPr marL="2514600" indent="-228600">
+              <a:lnSpc>
+                <a:spcPct val="90000"/>
+              </a:lnSpc>
+              <a:spcBef>
+                <a:spcPts val="500"/>
+              </a:spcBef>
+              <a:buFont typeface="Arial" panose="020B0604020202020204" pitchFamily="34" charset="0"/>
+              <a:buChar char="•"/>
+            </a:lvl6pPr>
+            <a:lvl7pPr marL="2971800" indent="-228600">
+              <a:lnSpc>
+                <a:spcPct val="90000"/>
+              </a:lnSpc>
+              <a:spcBef>
+                <a:spcPts val="500"/>
+              </a:spcBef>
+              <a:buFont typeface="Arial" panose="020B0604020202020204" pitchFamily="34" charset="0"/>
+              <a:buChar char="•"/>
+            </a:lvl7pPr>
+            <a:lvl8pPr marL="3429000" indent="-228600">
+              <a:lnSpc>
+                <a:spcPct val="90000"/>
+              </a:lnSpc>
+              <a:spcBef>
+                <a:spcPts val="500"/>
+              </a:spcBef>
+              <a:buFont typeface="Arial" panose="020B0604020202020204" pitchFamily="34" charset="0"/>
+              <a:buChar char="•"/>
+            </a:lvl8pPr>
+            <a:lvl9pPr marL="3886200" indent="-228600">
+              <a:lnSpc>
+                <a:spcPct val="90000"/>
+              </a:lnSpc>
+              <a:spcBef>
+                <a:spcPts val="500"/>
+              </a:spcBef>
+              <a:buFont typeface="Arial" panose="020B0604020202020204" pitchFamily="34" charset="0"/>
+              <a:buChar char="•"/>
+            </a:lvl9pPr>
+          </a:lstStyle>
+          <a:p>
+            <a:pPr marL="0" indent="0" algn="ctr">
+              <a:buNone/>
+            </a:pPr>
+            <a:r>
+              <a:rPr lang="en-US" sz="1400" b="1" dirty="0"/>
+              <a:t>Transistors</a:t>
+            </a:r>
+            <a:br>
+              <a:rPr lang="en-US" sz="1400" dirty="0"/>
+            </a:br>
+            <a:r>
+              <a:rPr lang="en-US" sz="1400" dirty="0"/>
+              <a:t>(have internal changing values over time)</a:t>
+            </a:r>
+          </a:p>
+        </p:txBody>
+      </p:sp>
+      <p:sp>
+        <p:nvSpPr>
+          <p:cNvPr id="25" name="Textfeld 24">
+            <a:extLst>
+              <a:ext uri="{FF2B5EF4-FFF2-40B4-BE49-F238E27FC236}">
+                <a16:creationId xmlns:a16="http://schemas.microsoft.com/office/drawing/2014/main" id="{07DB7E2B-D0C0-7763-B39F-8A1E138FA486}"/>
+              </a:ext>
+            </a:extLst>
+          </p:cNvPr>
+          <p:cNvSpPr txBox="1"/>
+          <p:nvPr/>
+        </p:nvSpPr>
+        <p:spPr>
+          <a:xfrm>
+            <a:off x="5965881" y="5324068"/>
+            <a:ext cx="2170542" cy="715005"/>
+          </a:xfrm>
+          <a:prstGeom prst="rect">
+            <a:avLst/>
+          </a:prstGeom>
+        </p:spPr>
+        <p:txBody>
+          <a:bodyPr vert="horz" lIns="91440" tIns="45720" rIns="91440" bIns="45720" rtlCol="0">
+            <a:noAutofit/>
+          </a:bodyPr>
+          <a:lstStyle>
+            <a:lvl1pPr marL="228600" indent="-228600">
+              <a:lnSpc>
+                <a:spcPct val="90000"/>
+              </a:lnSpc>
+              <a:spcBef>
+                <a:spcPts val="1000"/>
+              </a:spcBef>
+              <a:buFont typeface="Arial" panose="020B0604020202020204" pitchFamily="34" charset="0"/>
+              <a:buChar char="•"/>
+              <a:defRPr sz="2800"/>
+            </a:lvl1pPr>
+            <a:lvl2pPr marL="685800" indent="-228600">
+              <a:lnSpc>
+                <a:spcPct val="90000"/>
+              </a:lnSpc>
+              <a:spcBef>
+                <a:spcPts val="500"/>
+              </a:spcBef>
+              <a:buFont typeface="Arial" panose="020B0604020202020204" pitchFamily="34" charset="0"/>
+              <a:buChar char="•"/>
+              <a:defRPr sz="2400"/>
+            </a:lvl2pPr>
+            <a:lvl3pPr marL="1143000" indent="-228600">
+              <a:lnSpc>
+                <a:spcPct val="90000"/>
+              </a:lnSpc>
+              <a:spcBef>
+                <a:spcPts val="500"/>
+              </a:spcBef>
+              <a:buFont typeface="Arial" panose="020B0604020202020204" pitchFamily="34" charset="0"/>
+              <a:buChar char="•"/>
+              <a:defRPr sz="2000"/>
+            </a:lvl3pPr>
+            <a:lvl4pPr marL="1600200" indent="-228600">
+              <a:lnSpc>
+                <a:spcPct val="90000"/>
+              </a:lnSpc>
+              <a:spcBef>
+                <a:spcPts val="500"/>
+              </a:spcBef>
+              <a:buFont typeface="Arial" panose="020B0604020202020204" pitchFamily="34" charset="0"/>
+              <a:buChar char="•"/>
+            </a:lvl4pPr>
+            <a:lvl5pPr marL="2057400" indent="-228600">
+              <a:lnSpc>
+                <a:spcPct val="90000"/>
+              </a:lnSpc>
+              <a:spcBef>
+                <a:spcPts val="500"/>
+              </a:spcBef>
+              <a:buFont typeface="Arial" panose="020B0604020202020204" pitchFamily="34" charset="0"/>
+              <a:buChar char="•"/>
+            </a:lvl5pPr>
+            <a:lvl6pPr marL="2514600" indent="-228600">
+              <a:lnSpc>
+                <a:spcPct val="90000"/>
+              </a:lnSpc>
+              <a:spcBef>
+                <a:spcPts val="500"/>
+              </a:spcBef>
+              <a:buFont typeface="Arial" panose="020B0604020202020204" pitchFamily="34" charset="0"/>
+              <a:buChar char="•"/>
+            </a:lvl6pPr>
+            <a:lvl7pPr marL="2971800" indent="-228600">
+              <a:lnSpc>
+                <a:spcPct val="90000"/>
+              </a:lnSpc>
+              <a:spcBef>
+                <a:spcPts val="500"/>
+              </a:spcBef>
+              <a:buFont typeface="Arial" panose="020B0604020202020204" pitchFamily="34" charset="0"/>
+              <a:buChar char="•"/>
+            </a:lvl7pPr>
+            <a:lvl8pPr marL="3429000" indent="-228600">
+              <a:lnSpc>
+                <a:spcPct val="90000"/>
+              </a:lnSpc>
+              <a:spcBef>
+                <a:spcPts val="500"/>
+              </a:spcBef>
+              <a:buFont typeface="Arial" panose="020B0604020202020204" pitchFamily="34" charset="0"/>
+              <a:buChar char="•"/>
+            </a:lvl8pPr>
+            <a:lvl9pPr marL="3886200" indent="-228600">
+              <a:lnSpc>
+                <a:spcPct val="90000"/>
+              </a:lnSpc>
+              <a:spcBef>
+                <a:spcPts val="500"/>
+              </a:spcBef>
+              <a:buFont typeface="Arial" panose="020B0604020202020204" pitchFamily="34" charset="0"/>
+              <a:buChar char="•"/>
+            </a:lvl9pPr>
+          </a:lstStyle>
+          <a:p>
+            <a:pPr marL="0" indent="0" algn="ctr">
+              <a:buNone/>
+            </a:pPr>
+            <a:r>
+              <a:rPr lang="en-US" sz="1400" b="1" dirty="0"/>
+              <a:t>Counters</a:t>
+            </a:r>
+            <a:br>
+              <a:rPr lang="en-US" sz="1400" dirty="0"/>
+            </a:br>
+            <a:r>
+              <a:rPr lang="en-US" sz="1400" dirty="0"/>
+              <a:t>(have internal changing values over time)</a:t>
+            </a:r>
+          </a:p>
+        </p:txBody>
+      </p:sp>
+    </p:spTree>
+    <p:extLst>
+      <p:ext uri="{BB962C8B-B14F-4D97-AF65-F5344CB8AC3E}">
+        <p14:creationId xmlns:p14="http://schemas.microsoft.com/office/powerpoint/2010/main" val="2952090943"/>
       </p:ext>
     </p:extLst>
   </p:cSld>

--- a/Vortrag/Presentation.pptx
+++ b/Vortrag/Presentation.pptx
@@ -5,18 +5,21 @@
     <p:sldMasterId id="2147483648" r:id="rId1"/>
   </p:sldMasterIdLst>
   <p:notesMasterIdLst>
-    <p:notesMasterId r:id="rId11"/>
+    <p:notesMasterId r:id="rId14"/>
   </p:notesMasterIdLst>
   <p:sldIdLst>
     <p:sldId id="256" r:id="rId2"/>
     <p:sldId id="257" r:id="rId3"/>
-    <p:sldId id="258" r:id="rId4"/>
-    <p:sldId id="259" r:id="rId5"/>
-    <p:sldId id="260" r:id="rId6"/>
-    <p:sldId id="261" r:id="rId7"/>
-    <p:sldId id="262" r:id="rId8"/>
-    <p:sldId id="263" r:id="rId9"/>
-    <p:sldId id="264" r:id="rId10"/>
+    <p:sldId id="266" r:id="rId4"/>
+    <p:sldId id="265" r:id="rId5"/>
+    <p:sldId id="259" r:id="rId6"/>
+    <p:sldId id="260" r:id="rId7"/>
+    <p:sldId id="261" r:id="rId8"/>
+    <p:sldId id="262" r:id="rId9"/>
+    <p:sldId id="263" r:id="rId10"/>
+    <p:sldId id="267" r:id="rId11"/>
+    <p:sldId id="268" r:id="rId12"/>
+    <p:sldId id="264" r:id="rId13"/>
   </p:sldIdLst>
   <p:sldSz cx="12192000" cy="6858000"/>
   <p:notesSz cx="6858000" cy="9144000"/>
@@ -528,34 +531,6 @@
               <a:tabLst/>
               <a:defRPr/>
             </a:pPr>
-            <a:r>
-              <a:rPr lang="de-DE" dirty="0"/>
-              <a:t>Motivation: Making Vide </a:t>
-            </a:r>
-            <a:r>
-              <a:rPr lang="de-DE" dirty="0" err="1"/>
-              <a:t>reasonable</a:t>
-            </a:r>
-            <a:endParaRPr lang="de-DE" dirty="0"/>
-          </a:p>
-          <a:p>
-            <a:pPr marL="0" marR="0" lvl="0" indent="0" algn="l" defTabSz="914400" rtl="0" eaLnBrk="1" fontAlgn="auto" latinLnBrk="0" hangingPunct="1">
-              <a:lnSpc>
-                <a:spcPct val="100000"/>
-              </a:lnSpc>
-              <a:spcBef>
-                <a:spcPts val="0"/>
-              </a:spcBef>
-              <a:spcAft>
-                <a:spcPts val="0"/>
-              </a:spcAft>
-              <a:buClrTx/>
-              <a:buSzTx/>
-              <a:buFontTx/>
-              <a:buNone/>
-              <a:tabLst/>
-              <a:defRPr/>
-            </a:pPr>
             <a:endParaRPr lang="de-DE" dirty="0"/>
           </a:p>
         </p:txBody>
@@ -640,7 +615,46 @@
           <a:bodyPr/>
           <a:lstStyle/>
           <a:p>
-            <a:endParaRPr lang="de-DE" dirty="0"/>
+            <a:r>
+              <a:rPr lang="de-DE" dirty="0" err="1"/>
+              <a:t>Everything</a:t>
+            </a:r>
+            <a:r>
+              <a:rPr lang="de-DE" dirty="0"/>
+              <a:t> on Vide </a:t>
+            </a:r>
+            <a:r>
+              <a:rPr lang="de-DE" dirty="0" err="1"/>
+              <a:t>is</a:t>
+            </a:r>
+            <a:r>
+              <a:rPr lang="de-DE" dirty="0"/>
+              <a:t> </a:t>
+            </a:r>
+            <a:r>
+              <a:rPr lang="de-DE" dirty="0" err="1"/>
+              <a:t>based</a:t>
+            </a:r>
+            <a:r>
+              <a:rPr lang="de-DE" dirty="0"/>
+              <a:t> on </a:t>
+            </a:r>
+            <a:r>
+              <a:rPr lang="de-DE" dirty="0" err="1"/>
+              <a:t>the</a:t>
+            </a:r>
+            <a:r>
+              <a:rPr lang="de-DE" dirty="0"/>
+              <a:t> initial </a:t>
+            </a:r>
+            <a:r>
+              <a:rPr lang="de-DE" dirty="0" err="1"/>
+              <a:t>idea</a:t>
+            </a:r>
+            <a:r>
+              <a:rPr lang="de-DE" dirty="0"/>
+              <a:t>.</a:t>
+            </a:r>
           </a:p>
         </p:txBody>
       </p:sp>
@@ -661,7 +675,7 @@
           <a:p>
             <a:fld id="{C303D5F4-B8F2-47EA-8C9C-F9C70326CF18}" type="slidenum">
               <a:rPr lang="de-DE" smtClean="0"/>
-              <a:t>6</a:t>
+              <a:t>2</a:t>
             </a:fld>
             <a:endParaRPr lang="de-DE"/>
           </a:p>
@@ -670,7 +684,7 @@
     </p:spTree>
     <p:extLst>
       <p:ext uri="{BB962C8B-B14F-4D97-AF65-F5344CB8AC3E}">
-        <p14:creationId xmlns:p14="http://schemas.microsoft.com/office/powerpoint/2010/main" val="1236397370"/>
+        <p14:creationId xmlns:p14="http://schemas.microsoft.com/office/powerpoint/2010/main" val="3231706168"/>
       </p:ext>
     </p:extLst>
   </p:cSld>
@@ -724,160 +738,7 @@
           <a:bodyPr/>
           <a:lstStyle/>
           <a:p>
-            <a:r>
-              <a:rPr lang="de-DE" dirty="0"/>
-              <a:t>All 3 (</a:t>
-            </a:r>
-            <a:r>
-              <a:rPr lang="de-DE" dirty="0" err="1"/>
-              <a:t>or</a:t>
-            </a:r>
-            <a:r>
-              <a:rPr lang="de-DE" dirty="0"/>
-              <a:t> 4) </a:t>
-            </a:r>
-            <a:r>
-              <a:rPr lang="de-DE" dirty="0" err="1"/>
-              <a:t>properties</a:t>
-            </a:r>
-            <a:r>
-              <a:rPr lang="de-DE" dirty="0"/>
-              <a:t> </a:t>
-            </a:r>
-            <a:r>
-              <a:rPr lang="de-DE" dirty="0" err="1"/>
-              <a:t>apply</a:t>
-            </a:r>
-            <a:r>
-              <a:rPr lang="de-DE" dirty="0"/>
-              <a:t>!</a:t>
-            </a:r>
-          </a:p>
-          <a:p>
-            <a:r>
-              <a:rPr lang="de-DE" dirty="0"/>
-              <a:t>mall API (</a:t>
-            </a:r>
-            <a:r>
-              <a:rPr lang="de-DE" dirty="0" err="1"/>
-              <a:t>only</a:t>
-            </a:r>
-            <a:r>
-              <a:rPr lang="de-DE" dirty="0"/>
-              <a:t> 1 </a:t>
-            </a:r>
-            <a:r>
-              <a:rPr lang="de-DE" dirty="0" err="1"/>
-              <a:t>method</a:t>
-            </a:r>
-            <a:r>
-              <a:rPr lang="de-DE" dirty="0"/>
-              <a:t> on </a:t>
-            </a:r>
-            <a:r>
-              <a:rPr lang="de-DE" dirty="0" err="1"/>
-              <a:t>the</a:t>
-            </a:r>
-            <a:r>
-              <a:rPr lang="de-DE" dirty="0"/>
-              <a:t> </a:t>
-            </a:r>
-            <a:r>
-              <a:rPr lang="de-DE" dirty="0" err="1"/>
-              <a:t>surface</a:t>
-            </a:r>
-            <a:r>
-              <a:rPr lang="de-DE" dirty="0"/>
-              <a:t>)</a:t>
-            </a:r>
-          </a:p>
-          <a:p>
-            <a:r>
-              <a:rPr lang="de-DE" dirty="0" err="1"/>
-              <a:t>Predictability</a:t>
-            </a:r>
-            <a:r>
-              <a:rPr lang="de-DE" dirty="0"/>
-              <a:t> (</a:t>
-            </a:r>
-            <a:r>
-              <a:rPr lang="de-DE" dirty="0" err="1"/>
-              <a:t>even</a:t>
-            </a:r>
-            <a:r>
-              <a:rPr lang="de-DE" dirty="0"/>
-              <a:t> </a:t>
-            </a:r>
-            <a:r>
-              <a:rPr lang="de-DE" dirty="0" err="1"/>
-              <a:t>though</a:t>
-            </a:r>
-            <a:r>
-              <a:rPr lang="de-DE" dirty="0"/>
-              <a:t> </a:t>
-            </a:r>
-            <a:r>
-              <a:rPr lang="de-DE" dirty="0" err="1"/>
-              <a:t>state</a:t>
-            </a:r>
-            <a:r>
-              <a:rPr lang="de-DE" dirty="0"/>
-              <a:t> </a:t>
-            </a:r>
-            <a:r>
-              <a:rPr lang="de-DE" dirty="0" err="1"/>
-              <a:t>is</a:t>
-            </a:r>
-            <a:r>
-              <a:rPr lang="de-DE" dirty="0"/>
-              <a:t> </a:t>
-            </a:r>
-            <a:r>
-              <a:rPr lang="de-DE" dirty="0" err="1"/>
-              <a:t>involved</a:t>
-            </a:r>
-            <a:r>
-              <a:rPr lang="de-DE" dirty="0"/>
-              <a:t>)</a:t>
-            </a:r>
-          </a:p>
-          <a:p>
-            <a:r>
-              <a:rPr lang="de-DE" dirty="0"/>
-              <a:t>Nicht-Linearitäten ansprechen – </a:t>
-            </a:r>
-            <a:r>
-              <a:rPr lang="de-DE" dirty="0" err="1"/>
-              <a:t>Inherently</a:t>
-            </a:r>
-            <a:r>
-              <a:rPr lang="de-DE" dirty="0"/>
-              <a:t> </a:t>
-            </a:r>
-            <a:r>
-              <a:rPr lang="de-DE" dirty="0" err="1"/>
-              <a:t>hard</a:t>
-            </a:r>
-            <a:r>
-              <a:rPr lang="de-DE" dirty="0"/>
-              <a:t> </a:t>
-            </a:r>
-            <a:r>
-              <a:rPr lang="de-DE" dirty="0" err="1"/>
-              <a:t>to</a:t>
-            </a:r>
-            <a:r>
-              <a:rPr lang="de-DE" dirty="0"/>
-              <a:t> </a:t>
-            </a:r>
-            <a:r>
-              <a:rPr lang="de-DE" dirty="0" err="1"/>
-              <a:t>predict</a:t>
-            </a:r>
-            <a:r>
-              <a:rPr lang="de-DE" dirty="0"/>
-              <a:t>!</a:t>
-            </a:r>
+            <a:endParaRPr lang="de-DE" dirty="0"/>
           </a:p>
         </p:txBody>
       </p:sp>
@@ -898,7 +759,524 @@
           <a:p>
             <a:fld id="{C303D5F4-B8F2-47EA-8C9C-F9C70326CF18}" type="slidenum">
               <a:rPr lang="de-DE" smtClean="0"/>
+              <a:t>3</a:t>
+            </a:fld>
+            <a:endParaRPr lang="de-DE"/>
+          </a:p>
+        </p:txBody>
+      </p:sp>
+    </p:spTree>
+    <p:extLst>
+      <p:ext uri="{BB962C8B-B14F-4D97-AF65-F5344CB8AC3E}">
+        <p14:creationId xmlns:p14="http://schemas.microsoft.com/office/powerpoint/2010/main" val="649452542"/>
+      </p:ext>
+    </p:extLst>
+  </p:cSld>
+  <p:clrMapOvr>
+    <a:masterClrMapping/>
+  </p:clrMapOvr>
+</p:notes>
+</file>
+
+<file path=ppt/notesSlides/notesSlide4.xml><?xml version="1.0" encoding="utf-8"?>
+<p:notes xmlns:a="http://schemas.openxmlformats.org/drawingml/2006/main" xmlns:r="http://schemas.openxmlformats.org/officeDocument/2006/relationships" xmlns:p="http://schemas.openxmlformats.org/presentationml/2006/main">
+  <p:cSld>
+    <p:spTree>
+      <p:nvGrpSpPr>
+        <p:cNvPr id="1" name=""/>
+        <p:cNvGrpSpPr/>
+        <p:nvPr/>
+      </p:nvGrpSpPr>
+      <p:grpSpPr>
+        <a:xfrm>
+          <a:off x="0" y="0"/>
+          <a:ext cx="0" cy="0"/>
+          <a:chOff x="0" y="0"/>
+          <a:chExt cx="0" cy="0"/>
+        </a:xfrm>
+      </p:grpSpPr>
+      <p:sp>
+        <p:nvSpPr>
+          <p:cNvPr id="2" name="Folienbildplatzhalter 1"/>
+          <p:cNvSpPr>
+            <a:spLocks noGrp="1" noRot="1" noChangeAspect="1"/>
+          </p:cNvSpPr>
+          <p:nvPr>
+            <p:ph type="sldImg"/>
+          </p:nvPr>
+        </p:nvSpPr>
+        <p:spPr/>
+      </p:sp>
+      <p:sp>
+        <p:nvSpPr>
+          <p:cNvPr id="3" name="Notizenplatzhalter 2"/>
+          <p:cNvSpPr>
+            <a:spLocks noGrp="1"/>
+          </p:cNvSpPr>
+          <p:nvPr>
+            <p:ph type="body" idx="1"/>
+          </p:nvPr>
+        </p:nvSpPr>
+        <p:spPr/>
+        <p:txBody>
+          <a:bodyPr/>
+          <a:lstStyle/>
+          <a:p>
+            <a:endParaRPr lang="de-DE" dirty="0"/>
+          </a:p>
+        </p:txBody>
+      </p:sp>
+      <p:sp>
+        <p:nvSpPr>
+          <p:cNvPr id="4" name="Foliennummernplatzhalter 3"/>
+          <p:cNvSpPr>
+            <a:spLocks noGrp="1"/>
+          </p:cNvSpPr>
+          <p:nvPr>
+            <p:ph type="sldNum" sz="quarter" idx="5"/>
+          </p:nvPr>
+        </p:nvSpPr>
+        <p:spPr/>
+        <p:txBody>
+          <a:bodyPr/>
+          <a:lstStyle/>
+          <a:p>
+            <a:fld id="{C303D5F4-B8F2-47EA-8C9C-F9C70326CF18}" type="slidenum">
+              <a:rPr lang="de-DE" smtClean="0"/>
+              <a:t>4</a:t>
+            </a:fld>
+            <a:endParaRPr lang="de-DE"/>
+          </a:p>
+        </p:txBody>
+      </p:sp>
+    </p:spTree>
+    <p:extLst>
+      <p:ext uri="{BB962C8B-B14F-4D97-AF65-F5344CB8AC3E}">
+        <p14:creationId xmlns:p14="http://schemas.microsoft.com/office/powerpoint/2010/main" val="611233"/>
+      </p:ext>
+    </p:extLst>
+  </p:cSld>
+  <p:clrMapOvr>
+    <a:masterClrMapping/>
+  </p:clrMapOvr>
+</p:notes>
+</file>
+
+<file path=ppt/notesSlides/notesSlide5.xml><?xml version="1.0" encoding="utf-8"?>
+<p:notes xmlns:a="http://schemas.openxmlformats.org/drawingml/2006/main" xmlns:r="http://schemas.openxmlformats.org/officeDocument/2006/relationships" xmlns:p="http://schemas.openxmlformats.org/presentationml/2006/main">
+  <p:cSld>
+    <p:spTree>
+      <p:nvGrpSpPr>
+        <p:cNvPr id="1" name=""/>
+        <p:cNvGrpSpPr/>
+        <p:nvPr/>
+      </p:nvGrpSpPr>
+      <p:grpSpPr>
+        <a:xfrm>
+          <a:off x="0" y="0"/>
+          <a:ext cx="0" cy="0"/>
+          <a:chOff x="0" y="0"/>
+          <a:chExt cx="0" cy="0"/>
+        </a:xfrm>
+      </p:grpSpPr>
+      <p:sp>
+        <p:nvSpPr>
+          <p:cNvPr id="2" name="Folienbildplatzhalter 1"/>
+          <p:cNvSpPr>
+            <a:spLocks noGrp="1" noRot="1" noChangeAspect="1"/>
+          </p:cNvSpPr>
+          <p:nvPr>
+            <p:ph type="sldImg"/>
+          </p:nvPr>
+        </p:nvSpPr>
+        <p:spPr/>
+      </p:sp>
+      <p:sp>
+        <p:nvSpPr>
+          <p:cNvPr id="3" name="Notizenplatzhalter 2"/>
+          <p:cNvSpPr>
+            <a:spLocks noGrp="1"/>
+          </p:cNvSpPr>
+          <p:nvPr>
+            <p:ph type="body" idx="1"/>
+          </p:nvPr>
+        </p:nvSpPr>
+        <p:spPr/>
+        <p:txBody>
+          <a:bodyPr/>
+          <a:lstStyle/>
+          <a:p>
+            <a:endParaRPr lang="de-DE" dirty="0"/>
+          </a:p>
+        </p:txBody>
+      </p:sp>
+      <p:sp>
+        <p:nvSpPr>
+          <p:cNvPr id="4" name="Foliennummernplatzhalter 3"/>
+          <p:cNvSpPr>
+            <a:spLocks noGrp="1"/>
+          </p:cNvSpPr>
+          <p:nvPr>
+            <p:ph type="sldNum" sz="quarter" idx="5"/>
+          </p:nvPr>
+        </p:nvSpPr>
+        <p:spPr/>
+        <p:txBody>
+          <a:bodyPr/>
+          <a:lstStyle/>
+          <a:p>
+            <a:fld id="{C303D5F4-B8F2-47EA-8C9C-F9C70326CF18}" type="slidenum">
+              <a:rPr lang="de-DE" smtClean="0"/>
               <a:t>7</a:t>
+            </a:fld>
+            <a:endParaRPr lang="de-DE"/>
+          </a:p>
+        </p:txBody>
+      </p:sp>
+    </p:spTree>
+    <p:extLst>
+      <p:ext uri="{BB962C8B-B14F-4D97-AF65-F5344CB8AC3E}">
+        <p14:creationId xmlns:p14="http://schemas.microsoft.com/office/powerpoint/2010/main" val="1236397370"/>
+      </p:ext>
+    </p:extLst>
+  </p:cSld>
+  <p:clrMapOvr>
+    <a:masterClrMapping/>
+  </p:clrMapOvr>
+</p:notes>
+</file>
+
+<file path=ppt/notesSlides/notesSlide6.xml><?xml version="1.0" encoding="utf-8"?>
+<p:notes xmlns:a="http://schemas.openxmlformats.org/drawingml/2006/main" xmlns:r="http://schemas.openxmlformats.org/officeDocument/2006/relationships" xmlns:p="http://schemas.openxmlformats.org/presentationml/2006/main">
+  <p:cSld>
+    <p:spTree>
+      <p:nvGrpSpPr>
+        <p:cNvPr id="1" name=""/>
+        <p:cNvGrpSpPr/>
+        <p:nvPr/>
+      </p:nvGrpSpPr>
+      <p:grpSpPr>
+        <a:xfrm>
+          <a:off x="0" y="0"/>
+          <a:ext cx="0" cy="0"/>
+          <a:chOff x="0" y="0"/>
+          <a:chExt cx="0" cy="0"/>
+        </a:xfrm>
+      </p:grpSpPr>
+      <p:sp>
+        <p:nvSpPr>
+          <p:cNvPr id="2" name="Folienbildplatzhalter 1"/>
+          <p:cNvSpPr>
+            <a:spLocks noGrp="1" noRot="1" noChangeAspect="1"/>
+          </p:cNvSpPr>
+          <p:nvPr>
+            <p:ph type="sldImg"/>
+          </p:nvPr>
+        </p:nvSpPr>
+        <p:spPr/>
+      </p:sp>
+      <p:sp>
+        <p:nvSpPr>
+          <p:cNvPr id="3" name="Notizenplatzhalter 2"/>
+          <p:cNvSpPr>
+            <a:spLocks noGrp="1"/>
+          </p:cNvSpPr>
+          <p:nvPr>
+            <p:ph type="body" idx="1"/>
+          </p:nvPr>
+        </p:nvSpPr>
+        <p:spPr/>
+        <p:txBody>
+          <a:bodyPr/>
+          <a:lstStyle/>
+          <a:p>
+            <a:r>
+              <a:rPr lang="de-DE" dirty="0"/>
+              <a:t>All 3 (</a:t>
+            </a:r>
+            <a:r>
+              <a:rPr lang="de-DE" dirty="0" err="1"/>
+              <a:t>or</a:t>
+            </a:r>
+            <a:r>
+              <a:rPr lang="de-DE" dirty="0"/>
+              <a:t> 4) </a:t>
+            </a:r>
+            <a:r>
+              <a:rPr lang="de-DE" dirty="0" err="1"/>
+              <a:t>properties</a:t>
+            </a:r>
+            <a:r>
+              <a:rPr lang="de-DE" dirty="0"/>
+              <a:t> </a:t>
+            </a:r>
+            <a:r>
+              <a:rPr lang="de-DE" dirty="0" err="1"/>
+              <a:t>apply</a:t>
+            </a:r>
+            <a:r>
+              <a:rPr lang="de-DE" dirty="0"/>
+              <a:t>!</a:t>
+            </a:r>
+          </a:p>
+          <a:p>
+            <a:r>
+              <a:rPr lang="de-DE" dirty="0"/>
+              <a:t>mall API (</a:t>
+            </a:r>
+            <a:r>
+              <a:rPr lang="de-DE" dirty="0" err="1"/>
+              <a:t>only</a:t>
+            </a:r>
+            <a:r>
+              <a:rPr lang="de-DE" dirty="0"/>
+              <a:t> 1 </a:t>
+            </a:r>
+            <a:r>
+              <a:rPr lang="de-DE" dirty="0" err="1"/>
+              <a:t>method</a:t>
+            </a:r>
+            <a:r>
+              <a:rPr lang="de-DE" dirty="0"/>
+              <a:t> on </a:t>
+            </a:r>
+            <a:r>
+              <a:rPr lang="de-DE" dirty="0" err="1"/>
+              <a:t>the</a:t>
+            </a:r>
+            <a:r>
+              <a:rPr lang="de-DE" dirty="0"/>
+              <a:t> </a:t>
+            </a:r>
+            <a:r>
+              <a:rPr lang="de-DE" dirty="0" err="1"/>
+              <a:t>surface</a:t>
+            </a:r>
+            <a:r>
+              <a:rPr lang="de-DE" dirty="0"/>
+              <a:t>)</a:t>
+            </a:r>
+          </a:p>
+          <a:p>
+            <a:pPr marL="0" marR="0" lvl="0" indent="0" algn="l" defTabSz="914400" rtl="0" eaLnBrk="1" fontAlgn="auto" latinLnBrk="0" hangingPunct="1">
+              <a:lnSpc>
+                <a:spcPct val="100000"/>
+              </a:lnSpc>
+              <a:spcBef>
+                <a:spcPts val="0"/>
+              </a:spcBef>
+              <a:spcAft>
+                <a:spcPts val="0"/>
+              </a:spcAft>
+              <a:buClrTx/>
+              <a:buSzTx/>
+              <a:buFontTx/>
+              <a:buNone/>
+              <a:tabLst/>
+              <a:defRPr/>
+            </a:pPr>
+            <a:r>
+              <a:rPr lang="de-DE" dirty="0" err="1"/>
+              <a:t>Predictability</a:t>
+            </a:r>
+            <a:r>
+              <a:rPr lang="de-DE" dirty="0"/>
+              <a:t> </a:t>
+            </a:r>
+          </a:p>
+          <a:p>
+            <a:pPr marL="0" marR="0" lvl="0" indent="0" algn="l" defTabSz="914400" rtl="0" eaLnBrk="1" fontAlgn="auto" latinLnBrk="0" hangingPunct="1">
+              <a:lnSpc>
+                <a:spcPct val="100000"/>
+              </a:lnSpc>
+              <a:spcBef>
+                <a:spcPts val="0"/>
+              </a:spcBef>
+              <a:spcAft>
+                <a:spcPts val="0"/>
+              </a:spcAft>
+              <a:buClrTx/>
+              <a:buSzTx/>
+              <a:buFontTx/>
+              <a:buNone/>
+              <a:tabLst/>
+              <a:defRPr/>
+            </a:pPr>
+            <a:r>
+              <a:rPr lang="de-DE" dirty="0"/>
+              <a:t>    (</a:t>
+            </a:r>
+            <a:r>
+              <a:rPr lang="de-DE" dirty="0" err="1"/>
+              <a:t>even</a:t>
+            </a:r>
+            <a:r>
+              <a:rPr lang="de-DE" dirty="0"/>
+              <a:t> </a:t>
+            </a:r>
+            <a:r>
+              <a:rPr lang="de-DE" dirty="0" err="1"/>
+              <a:t>though</a:t>
+            </a:r>
+            <a:r>
+              <a:rPr lang="de-DE" dirty="0"/>
+              <a:t> </a:t>
+            </a:r>
+            <a:r>
+              <a:rPr lang="de-DE" dirty="0" err="1"/>
+              <a:t>state</a:t>
+            </a:r>
+            <a:r>
+              <a:rPr lang="de-DE" dirty="0"/>
+              <a:t> </a:t>
+            </a:r>
+            <a:r>
+              <a:rPr lang="de-DE" dirty="0" err="1"/>
+              <a:t>is</a:t>
+            </a:r>
+            <a:r>
+              <a:rPr lang="de-DE" dirty="0"/>
+              <a:t> </a:t>
+            </a:r>
+            <a:r>
+              <a:rPr lang="de-DE" dirty="0" err="1"/>
+              <a:t>involved</a:t>
+            </a:r>
+            <a:r>
+              <a:rPr lang="de-DE" dirty="0"/>
+              <a:t>)</a:t>
+            </a:r>
+            <a:r>
+              <a:rPr lang="en-US" b="0" dirty="0">
+                <a:solidFill>
+                  <a:srgbClr val="6796E6"/>
+                </a:solidFill>
+                <a:effectLst/>
+                <a:latin typeface="Cascadia Code" panose="020B0609020000020004" pitchFamily="49" charset="0"/>
+              </a:rPr>
+              <a:t> </a:t>
+            </a:r>
+          </a:p>
+          <a:p>
+            <a:pPr marL="0" marR="0" lvl="0" indent="0" algn="l" defTabSz="914400" rtl="0" eaLnBrk="1" fontAlgn="auto" latinLnBrk="0" hangingPunct="1">
+              <a:lnSpc>
+                <a:spcPct val="100000"/>
+              </a:lnSpc>
+              <a:spcBef>
+                <a:spcPts val="0"/>
+              </a:spcBef>
+              <a:spcAft>
+                <a:spcPts val="0"/>
+              </a:spcAft>
+              <a:buClrTx/>
+              <a:buSzTx/>
+              <a:buFontTx/>
+              <a:buNone/>
+              <a:tabLst/>
+              <a:defRPr/>
+            </a:pPr>
+            <a:r>
+              <a:rPr lang="en-US" b="0" dirty="0">
+                <a:solidFill>
+                  <a:srgbClr val="6796E6"/>
+                </a:solidFill>
+                <a:effectLst/>
+                <a:latin typeface="Cascadia Code" panose="020B0609020000020004" pitchFamily="49" charset="0"/>
+              </a:rPr>
+              <a:t>    (</a:t>
+            </a:r>
+            <a:r>
+              <a:rPr lang="en-US" b="0" dirty="0">
+                <a:solidFill>
+                  <a:srgbClr val="D4D4D4"/>
+                </a:solidFill>
+                <a:effectLst/>
+                <a:latin typeface="Cascadia Code" panose="020B0609020000020004" pitchFamily="49" charset="0"/>
+              </a:rPr>
+              <a:t>Reliable contract for </a:t>
+            </a:r>
+            <a:r>
+              <a:rPr lang="en-US" b="0" dirty="0" err="1">
+                <a:solidFill>
+                  <a:srgbClr val="D4D4D4"/>
+                </a:solidFill>
+                <a:effectLst/>
+                <a:latin typeface="Cascadia Code" panose="020B0609020000020004" pitchFamily="49" charset="0"/>
+              </a:rPr>
+              <a:t>behaviour</a:t>
+            </a:r>
+            <a:r>
+              <a:rPr lang="en-US" b="0" dirty="0">
+                <a:solidFill>
+                  <a:srgbClr val="D4D4D4"/>
+                </a:solidFill>
+                <a:effectLst/>
+                <a:latin typeface="Cascadia Code" panose="020B0609020000020004" pitchFamily="49" charset="0"/>
+              </a:rPr>
+              <a:t>)</a:t>
+            </a:r>
+          </a:p>
+          <a:p>
+            <a:r>
+              <a:rPr lang="de-DE" dirty="0"/>
+              <a:t>Nicht-Linearitäten ansprechen – </a:t>
+            </a:r>
+            <a:r>
+              <a:rPr lang="de-DE" dirty="0" err="1"/>
+              <a:t>Inherently</a:t>
+            </a:r>
+            <a:r>
+              <a:rPr lang="de-DE" dirty="0"/>
+              <a:t> </a:t>
+            </a:r>
+            <a:r>
+              <a:rPr lang="de-DE" dirty="0" err="1"/>
+              <a:t>hard</a:t>
+            </a:r>
+            <a:r>
+              <a:rPr lang="de-DE" dirty="0"/>
+              <a:t> </a:t>
+            </a:r>
+            <a:r>
+              <a:rPr lang="de-DE" dirty="0" err="1"/>
+              <a:t>to</a:t>
+            </a:r>
+            <a:r>
+              <a:rPr lang="de-DE" dirty="0"/>
+              <a:t> </a:t>
+            </a:r>
+            <a:r>
+              <a:rPr lang="de-DE" dirty="0" err="1"/>
+              <a:t>predict</a:t>
+            </a:r>
+            <a:r>
+              <a:rPr lang="de-DE" dirty="0"/>
+              <a:t>!</a:t>
+            </a:r>
+          </a:p>
+          <a:p>
+            <a:endParaRPr lang="de-DE" dirty="0"/>
+          </a:p>
+        </p:txBody>
+      </p:sp>
+      <p:sp>
+        <p:nvSpPr>
+          <p:cNvPr id="4" name="Foliennummernplatzhalter 3"/>
+          <p:cNvSpPr>
+            <a:spLocks noGrp="1"/>
+          </p:cNvSpPr>
+          <p:nvPr>
+            <p:ph type="sldNum" sz="quarter" idx="5"/>
+          </p:nvPr>
+        </p:nvSpPr>
+        <p:spPr/>
+        <p:txBody>
+          <a:bodyPr/>
+          <a:lstStyle/>
+          <a:p>
+            <a:fld id="{C303D5F4-B8F2-47EA-8C9C-F9C70326CF18}" type="slidenum">
+              <a:rPr lang="de-DE" smtClean="0"/>
+              <a:t>8</a:t>
             </a:fld>
             <a:endParaRPr lang="de-DE"/>
           </a:p>
@@ -908,6 +1286,90 @@
     <p:extLst>
       <p:ext uri="{BB962C8B-B14F-4D97-AF65-F5344CB8AC3E}">
         <p14:creationId xmlns:p14="http://schemas.microsoft.com/office/powerpoint/2010/main" val="819109423"/>
+      </p:ext>
+    </p:extLst>
+  </p:cSld>
+  <p:clrMapOvr>
+    <a:masterClrMapping/>
+  </p:clrMapOvr>
+</p:notes>
+</file>
+
+<file path=ppt/notesSlides/notesSlide7.xml><?xml version="1.0" encoding="utf-8"?>
+<p:notes xmlns:a="http://schemas.openxmlformats.org/drawingml/2006/main" xmlns:r="http://schemas.openxmlformats.org/officeDocument/2006/relationships" xmlns:p="http://schemas.openxmlformats.org/presentationml/2006/main">
+  <p:cSld>
+    <p:spTree>
+      <p:nvGrpSpPr>
+        <p:cNvPr id="1" name=""/>
+        <p:cNvGrpSpPr/>
+        <p:nvPr/>
+      </p:nvGrpSpPr>
+      <p:grpSpPr>
+        <a:xfrm>
+          <a:off x="0" y="0"/>
+          <a:ext cx="0" cy="0"/>
+          <a:chOff x="0" y="0"/>
+          <a:chExt cx="0" cy="0"/>
+        </a:xfrm>
+      </p:grpSpPr>
+      <p:sp>
+        <p:nvSpPr>
+          <p:cNvPr id="2" name="Folienbildplatzhalter 1"/>
+          <p:cNvSpPr>
+            <a:spLocks noGrp="1" noRot="1" noChangeAspect="1"/>
+          </p:cNvSpPr>
+          <p:nvPr>
+            <p:ph type="sldImg"/>
+          </p:nvPr>
+        </p:nvSpPr>
+        <p:spPr/>
+      </p:sp>
+      <p:sp>
+        <p:nvSpPr>
+          <p:cNvPr id="3" name="Notizenplatzhalter 2"/>
+          <p:cNvSpPr>
+            <a:spLocks noGrp="1"/>
+          </p:cNvSpPr>
+          <p:nvPr>
+            <p:ph type="body" idx="1"/>
+          </p:nvPr>
+        </p:nvSpPr>
+        <p:spPr/>
+        <p:txBody>
+          <a:bodyPr/>
+          <a:lstStyle/>
+          <a:p>
+            <a:endParaRPr lang="de-DE" dirty="0"/>
+          </a:p>
+        </p:txBody>
+      </p:sp>
+      <p:sp>
+        <p:nvSpPr>
+          <p:cNvPr id="4" name="Foliennummernplatzhalter 3"/>
+          <p:cNvSpPr>
+            <a:spLocks noGrp="1"/>
+          </p:cNvSpPr>
+          <p:nvPr>
+            <p:ph type="sldNum" sz="quarter" idx="5"/>
+          </p:nvPr>
+        </p:nvSpPr>
+        <p:spPr/>
+        <p:txBody>
+          <a:bodyPr/>
+          <a:lstStyle/>
+          <a:p>
+            <a:fld id="{C303D5F4-B8F2-47EA-8C9C-F9C70326CF18}" type="slidenum">
+              <a:rPr lang="de-DE" smtClean="0"/>
+              <a:t>11</a:t>
+            </a:fld>
+            <a:endParaRPr lang="de-DE"/>
+          </a:p>
+        </p:txBody>
+      </p:sp>
+    </p:spTree>
+    <p:extLst>
+      <p:ext uri="{BB962C8B-B14F-4D97-AF65-F5344CB8AC3E}">
+        <p14:creationId xmlns:p14="http://schemas.microsoft.com/office/powerpoint/2010/main" val="4268992901"/>
       </p:ext>
     </p:extLst>
   </p:cSld>
@@ -4168,31 +4630,6 @@
           </a:p>
         </p:txBody>
       </p:sp>
-      <p:sp>
-        <p:nvSpPr>
-          <p:cNvPr id="3" name="Untertitel 2">
-            <a:extLst>
-              <a:ext uri="{FF2B5EF4-FFF2-40B4-BE49-F238E27FC236}">
-                <a16:creationId xmlns:a16="http://schemas.microsoft.com/office/drawing/2014/main" id="{DC2D2586-9AA5-253C-E44D-E94F869F9CF3}"/>
-              </a:ext>
-            </a:extLst>
-          </p:cNvPr>
-          <p:cNvSpPr>
-            <a:spLocks noGrp="1"/>
-          </p:cNvSpPr>
-          <p:nvPr>
-            <p:ph type="subTitle" idx="1"/>
-          </p:nvPr>
-        </p:nvSpPr>
-        <p:spPr/>
-        <p:txBody>
-          <a:bodyPr/>
-          <a:lstStyle/>
-          <a:p>
-            <a:endParaRPr lang="de-DE" dirty="0"/>
-          </a:p>
-        </p:txBody>
-      </p:sp>
     </p:spTree>
     <p:extLst>
       <p:ext uri="{BB962C8B-B14F-4D97-AF65-F5344CB8AC3E}">
@@ -4206,298 +4643,7 @@
 </p:sld>
 </file>
 
-<file path=ppt/slides/slide2.xml><?xml version="1.0" encoding="utf-8"?>
-<p:sld xmlns:a="http://schemas.openxmlformats.org/drawingml/2006/main" xmlns:r="http://schemas.openxmlformats.org/officeDocument/2006/relationships" xmlns:p="http://schemas.openxmlformats.org/presentationml/2006/main">
-  <p:cSld>
-    <p:spTree>
-      <p:nvGrpSpPr>
-        <p:cNvPr id="1" name=""/>
-        <p:cNvGrpSpPr/>
-        <p:nvPr/>
-      </p:nvGrpSpPr>
-      <p:grpSpPr>
-        <a:xfrm>
-          <a:off x="0" y="0"/>
-          <a:ext cx="0" cy="0"/>
-          <a:chOff x="0" y="0"/>
-          <a:chExt cx="0" cy="0"/>
-        </a:xfrm>
-      </p:grpSpPr>
-      <p:sp>
-        <p:nvSpPr>
-          <p:cNvPr id="2" name="Titel 1">
-            <a:extLst>
-              <a:ext uri="{FF2B5EF4-FFF2-40B4-BE49-F238E27FC236}">
-                <a16:creationId xmlns:a16="http://schemas.microsoft.com/office/drawing/2014/main" id="{C33A1EE3-A2FD-2D62-3081-E565C9FE2DC7}"/>
-              </a:ext>
-            </a:extLst>
-          </p:cNvPr>
-          <p:cNvSpPr>
-            <a:spLocks noGrp="1"/>
-          </p:cNvSpPr>
-          <p:nvPr>
-            <p:ph type="title"/>
-          </p:nvPr>
-        </p:nvSpPr>
-        <p:spPr/>
-        <p:txBody>
-          <a:bodyPr/>
-          <a:lstStyle/>
-          <a:p>
-            <a:r>
-              <a:rPr lang="de-DE" dirty="0"/>
-              <a:t>Motivation</a:t>
-            </a:r>
-          </a:p>
-        </p:txBody>
-      </p:sp>
-      <p:sp>
-        <p:nvSpPr>
-          <p:cNvPr id="3" name="Inhaltsplatzhalter 2">
-            <a:extLst>
-              <a:ext uri="{FF2B5EF4-FFF2-40B4-BE49-F238E27FC236}">
-                <a16:creationId xmlns:a16="http://schemas.microsoft.com/office/drawing/2014/main" id="{0145AF0E-A674-8D29-88CA-A3CEF52A39D7}"/>
-              </a:ext>
-            </a:extLst>
-          </p:cNvPr>
-          <p:cNvSpPr>
-            <a:spLocks noGrp="1"/>
-          </p:cNvSpPr>
-          <p:nvPr>
-            <p:ph sz="half" idx="1"/>
-          </p:nvPr>
-        </p:nvSpPr>
-        <p:spPr>
-          <a:xfrm>
-            <a:off x="287622" y="1485721"/>
-            <a:ext cx="5181600" cy="4351338"/>
-          </a:xfrm>
-        </p:spPr>
-        <p:txBody>
-          <a:bodyPr>
-            <a:normAutofit/>
-          </a:bodyPr>
-          <a:lstStyle/>
-          <a:p>
-            <a:r>
-              <a:rPr lang="de-DE" dirty="0"/>
-              <a:t>Vide API </a:t>
-            </a:r>
-            <a:r>
-              <a:rPr lang="de-DE" dirty="0" err="1"/>
-              <a:t>Reasoning</a:t>
-            </a:r>
-            <a:endParaRPr lang="de-DE" dirty="0"/>
-          </a:p>
-        </p:txBody>
-      </p:sp>
-      <p:sp>
-        <p:nvSpPr>
-          <p:cNvPr id="6" name="Inhaltsplatzhalter 5">
-            <a:extLst>
-              <a:ext uri="{FF2B5EF4-FFF2-40B4-BE49-F238E27FC236}">
-                <a16:creationId xmlns:a16="http://schemas.microsoft.com/office/drawing/2014/main" id="{92688F39-AEF9-EAA6-8F39-FD83D8B59F05}"/>
-              </a:ext>
-            </a:extLst>
-          </p:cNvPr>
-          <p:cNvSpPr>
-            <a:spLocks noGrp="1"/>
-          </p:cNvSpPr>
-          <p:nvPr>
-            <p:ph sz="half" idx="2"/>
-          </p:nvPr>
-        </p:nvSpPr>
-        <p:spPr>
-          <a:xfrm>
-            <a:off x="5694758" y="1485721"/>
-            <a:ext cx="5891164" cy="4351338"/>
-          </a:xfrm>
-        </p:spPr>
-        <p:txBody>
-          <a:bodyPr/>
-          <a:lstStyle/>
-          <a:p>
-            <a:r>
-              <a:rPr lang="de-DE" dirty="0"/>
-              <a:t>Digital Signal Processing</a:t>
-            </a:r>
-          </a:p>
-          <a:p>
-            <a:pPr lvl="1"/>
-            <a:r>
-              <a:rPr lang="de-DE" dirty="0" err="1"/>
-              <a:t>Textual</a:t>
-            </a:r>
-            <a:r>
-              <a:rPr lang="de-DE" dirty="0"/>
-              <a:t> </a:t>
-            </a:r>
-            <a:r>
-              <a:rPr lang="de-DE" dirty="0" err="1"/>
-              <a:t>or</a:t>
-            </a:r>
-            <a:r>
-              <a:rPr lang="de-DE" dirty="0"/>
-              <a:t> </a:t>
-            </a:r>
-            <a:r>
-              <a:rPr lang="de-DE" dirty="0" err="1"/>
-              <a:t>Graphical</a:t>
-            </a:r>
-            <a:r>
-              <a:rPr lang="de-DE" dirty="0"/>
-              <a:t> </a:t>
-            </a:r>
-            <a:r>
-              <a:rPr lang="de-DE" dirty="0" err="1"/>
-              <a:t>Programming</a:t>
-            </a:r>
-            <a:endParaRPr lang="de-DE" dirty="0"/>
-          </a:p>
-          <a:p>
-            <a:pPr lvl="1"/>
-            <a:r>
-              <a:rPr lang="de-DE" dirty="0" err="1"/>
-              <a:t>Convenient</a:t>
-            </a:r>
-            <a:r>
-              <a:rPr lang="de-DE" dirty="0"/>
-              <a:t> </a:t>
-            </a:r>
-            <a:r>
-              <a:rPr lang="de-DE" dirty="0" err="1"/>
-              <a:t>way</a:t>
-            </a:r>
-            <a:r>
-              <a:rPr lang="de-DE" dirty="0"/>
-              <a:t> </a:t>
-            </a:r>
-            <a:r>
-              <a:rPr lang="de-DE" dirty="0" err="1"/>
-              <a:t>of</a:t>
-            </a:r>
-            <a:r>
-              <a:rPr lang="de-DE" dirty="0"/>
-              <a:t> </a:t>
-            </a:r>
-            <a:r>
-              <a:rPr lang="de-DE" dirty="0" err="1"/>
-              <a:t>Composing</a:t>
-            </a:r>
-            <a:r>
-              <a:rPr lang="de-DE" dirty="0"/>
-              <a:t> „</a:t>
-            </a:r>
-            <a:r>
-              <a:rPr lang="de-DE" dirty="0" err="1"/>
-              <a:t>stateful</a:t>
-            </a:r>
-            <a:r>
-              <a:rPr lang="de-DE" dirty="0"/>
-              <a:t>“ </a:t>
-            </a:r>
-            <a:r>
-              <a:rPr lang="de-DE" dirty="0" err="1"/>
-              <a:t>building</a:t>
-            </a:r>
-            <a:r>
-              <a:rPr lang="de-DE" dirty="0"/>
-              <a:t> </a:t>
-            </a:r>
-            <a:r>
-              <a:rPr lang="de-DE" dirty="0" err="1"/>
-              <a:t>blocks</a:t>
-            </a:r>
-            <a:endParaRPr lang="de-DE" dirty="0"/>
-          </a:p>
-          <a:p>
-            <a:pPr marL="0" indent="0">
-              <a:buNone/>
-            </a:pPr>
-            <a:endParaRPr lang="de-DE" dirty="0"/>
-          </a:p>
-        </p:txBody>
-      </p:sp>
-      <p:pic>
-        <p:nvPicPr>
-          <p:cNvPr id="5" name="Grafik 4">
-            <a:extLst>
-              <a:ext uri="{FF2B5EF4-FFF2-40B4-BE49-F238E27FC236}">
-                <a16:creationId xmlns:a16="http://schemas.microsoft.com/office/drawing/2014/main" id="{D2642E29-3F9A-3653-00B3-EF19014EF8C1}"/>
-              </a:ext>
-            </a:extLst>
-          </p:cNvPr>
-          <p:cNvPicPr>
-            <a:picLocks noChangeAspect="1"/>
-          </p:cNvPicPr>
-          <p:nvPr/>
-        </p:nvPicPr>
-        <p:blipFill>
-          <a:blip r:embed="rId2"/>
-          <a:stretch>
-            <a:fillRect/>
-          </a:stretch>
-        </p:blipFill>
-        <p:spPr>
-          <a:xfrm>
-            <a:off x="352589" y="2313148"/>
-            <a:ext cx="4988239" cy="3998752"/>
-          </a:xfrm>
-          <a:prstGeom prst="rect">
-            <a:avLst/>
-          </a:prstGeom>
-        </p:spPr>
-      </p:pic>
-      <p:pic>
-        <p:nvPicPr>
-          <p:cNvPr id="8" name="Grafik 7" descr="Ein Bild, das Screenshot, Diagramm, Karte, Reihe enthält.">
-            <a:extLst>
-              <a:ext uri="{FF2B5EF4-FFF2-40B4-BE49-F238E27FC236}">
-                <a16:creationId xmlns:a16="http://schemas.microsoft.com/office/drawing/2014/main" id="{E0EAE3A0-9738-FB74-B87F-23B126D4314E}"/>
-              </a:ext>
-            </a:extLst>
-          </p:cNvPr>
-          <p:cNvPicPr>
-            <a:picLocks noChangeAspect="1"/>
-          </p:cNvPicPr>
-          <p:nvPr/>
-        </p:nvPicPr>
-        <p:blipFill>
-          <a:blip r:embed="rId3">
-            <a:extLst>
-              <a:ext uri="{28A0092B-C50C-407E-A947-70E740481C1C}">
-                <a14:useLocalDpi xmlns:a14="http://schemas.microsoft.com/office/drawing/2010/main" val="0"/>
-              </a:ext>
-            </a:extLst>
-          </a:blip>
-          <a:stretch>
-            <a:fillRect/>
-          </a:stretch>
-        </p:blipFill>
-        <p:spPr>
-          <a:xfrm>
-            <a:off x="5779327" y="3258629"/>
-            <a:ext cx="6125051" cy="3053272"/>
-          </a:xfrm>
-          <a:prstGeom prst="rect">
-            <a:avLst/>
-          </a:prstGeom>
-        </p:spPr>
-      </p:pic>
-    </p:spTree>
-    <p:extLst>
-      <p:ext uri="{BB962C8B-B14F-4D97-AF65-F5344CB8AC3E}">
-        <p14:creationId xmlns:p14="http://schemas.microsoft.com/office/powerpoint/2010/main" val="2436317245"/>
-      </p:ext>
-    </p:extLst>
-  </p:cSld>
-  <p:clrMapOvr>
-    <a:masterClrMapping/>
-  </p:clrMapOvr>
-</p:sld>
-</file>
-
-<file path=ppt/slides/slide3.xml><?xml version="1.0" encoding="utf-8"?>
+<file path=ppt/slides/slide10.xml><?xml version="1.0" encoding="utf-8"?>
 <p:sld xmlns:a="http://schemas.openxmlformats.org/drawingml/2006/main" xmlns:r="http://schemas.openxmlformats.org/officeDocument/2006/relationships" xmlns:p="http://schemas.openxmlformats.org/presentationml/2006/main">
   <p:cSld>
     <p:spTree>
@@ -4544,55 +4690,72 @@
           <a:p>
             <a:pPr algn="ctr"/>
             <a:r>
-              <a:rPr lang="en-US" dirty="0"/>
-              <a:t>What is State?</a:t>
+              <a:rPr lang="en-US" sz="3600" u="sng" dirty="0">
+                <a:latin typeface="+mn-lt"/>
+              </a:rPr>
+              <a:t>Exercise</a:t>
             </a:r>
             <a:br>
-              <a:rPr lang="en-US" dirty="0"/>
-            </a:br>
-            <a:r>
-              <a:rPr lang="en-US" dirty="0"/>
-              <a:t>When do we care about it?</a:t>
-            </a:r>
-            <a:br>
-              <a:rPr lang="en-US" dirty="0"/>
-            </a:br>
-            <a:r>
-              <a:rPr lang="en-US" dirty="0"/>
-              <a:t>How to deal with it?</a:t>
-            </a:r>
-            <a:br>
-              <a:rPr lang="en-US" dirty="0"/>
+              <a:rPr lang="en-US" sz="2800" dirty="0">
+                <a:latin typeface="+mn-lt"/>
+              </a:rPr>
             </a:br>
             <a:br>
-              <a:rPr lang="en-US" dirty="0"/>
+              <a:rPr lang="en-US" sz="2800" dirty="0">
+                <a:latin typeface="+mn-lt"/>
+              </a:rPr>
+            </a:br>
+            <a:r>
+              <a:rPr lang="en-US" sz="2800" dirty="0">
+                <a:latin typeface="+mn-lt"/>
+              </a:rPr>
+              <a:t>Count from 0 by 1,</a:t>
+            </a:r>
+            <a:br>
+              <a:rPr lang="en-US" sz="2800" dirty="0">
+                <a:latin typeface="+mn-lt"/>
+              </a:rPr>
+            </a:br>
+            <a:r>
+              <a:rPr lang="en-US" sz="2800" dirty="0">
+                <a:latin typeface="+mn-lt"/>
+              </a:rPr>
+              <a:t>Count from 100 by 10,</a:t>
+            </a:r>
+            <a:br>
+              <a:rPr lang="en-US" sz="2800" dirty="0">
+                <a:latin typeface="+mn-lt"/>
+              </a:rPr>
+            </a:br>
+            <a:r>
+              <a:rPr lang="en-US" sz="2800" dirty="0">
+                <a:latin typeface="+mn-lt"/>
+              </a:rPr>
+              <a:t>Add corresponding values,</a:t>
+            </a:r>
+            <a:br>
+              <a:rPr lang="en-US" sz="2800" dirty="0">
+                <a:latin typeface="+mn-lt"/>
+              </a:rPr>
+            </a:br>
+            <a:r>
+              <a:rPr lang="en-US" sz="2800" dirty="0">
+                <a:latin typeface="+mn-lt"/>
+              </a:rPr>
+              <a:t>That’s the resulting series!</a:t>
+            </a:r>
+            <a:br>
+              <a:rPr lang="en-US" sz="2800" dirty="0">
+                <a:latin typeface="+mn-lt"/>
+              </a:rPr>
             </a:br>
             <a:br>
-              <a:rPr lang="en-US" dirty="0"/>
+              <a:rPr lang="en-US" sz="2800" dirty="0">
+                <a:latin typeface="+mn-lt"/>
+              </a:rPr>
             </a:br>
-            <a:br>
-              <a:rPr lang="en-US" dirty="0"/>
-            </a:br>
-            <a:r>
-              <a:rPr lang="de-DE" sz="2000" dirty="0">
-                <a:solidFill>
-                  <a:schemeClr val="bg1">
-                    <a:lumMod val="50000"/>
-                  </a:schemeClr>
-                </a:solidFill>
-                <a:latin typeface="+mn-lt"/>
-                <a:hlinkClick r:id="rId2">
-                  <a:extLst>
-                    <a:ext uri="{A12FA001-AC4F-418D-AE19-62706E023703}">
-                      <ahyp:hlinkClr xmlns:ahyp="http://schemas.microsoft.com/office/drawing/2018/hyperlinkcolor" val="tx"/>
-                    </a:ext>
-                  </a:extLst>
-                </a:hlinkClick>
-              </a:rPr>
-              <a:t>⚠️</a:t>
-            </a:r>
-            <a:r>
-              <a:rPr lang="de-DE" sz="2000" dirty="0">
+            <a:r>
+              <a:rPr lang="en-US" sz="2800" dirty="0">
                 <a:solidFill>
                   <a:schemeClr val="bg1">
                     <a:lumMod val="50000"/>
@@ -4600,190 +4763,51 @@
                 </a:solidFill>
                 <a:latin typeface="+mn-lt"/>
               </a:rPr>
-              <a:t> </a:t>
-            </a:r>
-            <a:r>
-              <a:rPr lang="de-DE" sz="2000" dirty="0" err="1">
-                <a:solidFill>
-                  <a:schemeClr val="bg1">
-                    <a:lumMod val="50000"/>
-                  </a:schemeClr>
-                </a:solidFill>
+              <a:t>[ 100; 111; 122; 133; ... ]</a:t>
+            </a:r>
+            <a:br>
+              <a:rPr lang="en-US" sz="2800" dirty="0">
                 <a:latin typeface="+mn-lt"/>
               </a:rPr>
-              <a:t>Definitions</a:t>
-            </a:r>
-            <a:r>
-              <a:rPr lang="de-DE" sz="2000" dirty="0">
-                <a:solidFill>
-                  <a:schemeClr val="bg1">
-                    <a:lumMod val="50000"/>
-                  </a:schemeClr>
-                </a:solidFill>
+            </a:br>
+            <a:br>
+              <a:rPr lang="en-US" sz="2800" dirty="0">
                 <a:latin typeface="+mn-lt"/>
               </a:rPr>
-              <a:t> </a:t>
-            </a:r>
-            <a:r>
-              <a:rPr lang="de-DE" sz="2000" dirty="0" err="1">
-                <a:solidFill>
-                  <a:schemeClr val="bg1">
-                    <a:lumMod val="50000"/>
-                  </a:schemeClr>
-                </a:solidFill>
+            </a:br>
+            <a:br>
+              <a:rPr lang="en-US" sz="2800" dirty="0">
                 <a:latin typeface="+mn-lt"/>
               </a:rPr>
-              <a:t>are</a:t>
-            </a:r>
-            <a:r>
-              <a:rPr lang="de-DE" sz="2000" dirty="0">
-                <a:solidFill>
-                  <a:schemeClr val="bg1">
-                    <a:lumMod val="50000"/>
-                  </a:schemeClr>
-                </a:solidFill>
+            </a:br>
+            <a:r>
+              <a:rPr lang="en-US" sz="2800" dirty="0">
                 <a:latin typeface="+mn-lt"/>
               </a:rPr>
-              <a:t> </a:t>
-            </a:r>
-            <a:r>
-              <a:rPr lang="de-DE" sz="2000" dirty="0" err="1">
-                <a:solidFill>
-                  <a:schemeClr val="bg1">
-                    <a:lumMod val="50000"/>
-                  </a:schemeClr>
-                </a:solidFill>
+              <a:t>a) Using Seq Functions</a:t>
+            </a:r>
+            <a:br>
+              <a:rPr lang="en-US" sz="2800" dirty="0">
                 <a:latin typeface="+mn-lt"/>
               </a:rPr>
-              <a:t>what</a:t>
-            </a:r>
-            <a:r>
-              <a:rPr lang="de-DE" sz="2000" dirty="0">
-                <a:solidFill>
-                  <a:schemeClr val="bg1">
-                    <a:lumMod val="50000"/>
-                  </a:schemeClr>
-                </a:solidFill>
+            </a:br>
+            <a:r>
+              <a:rPr lang="en-US" sz="2800" dirty="0">
                 <a:latin typeface="+mn-lt"/>
               </a:rPr>
-              <a:t> I </a:t>
-            </a:r>
-            <a:r>
-              <a:rPr lang="de-DE" sz="2000" dirty="0" err="1">
-                <a:solidFill>
-                  <a:schemeClr val="bg1">
-                    <a:lumMod val="50000"/>
-                  </a:schemeClr>
-                </a:solidFill>
+              <a:t>b) Using Objects</a:t>
+            </a:r>
+            <a:br>
+              <a:rPr lang="en-US" sz="2800" dirty="0">
                 <a:latin typeface="+mn-lt"/>
               </a:rPr>
-              <a:t>came</a:t>
-            </a:r>
-            <a:r>
-              <a:rPr lang="de-DE" sz="2000" dirty="0">
-                <a:solidFill>
-                  <a:schemeClr val="bg1">
-                    <a:lumMod val="50000"/>
-                  </a:schemeClr>
-                </a:solidFill>
+            </a:br>
+            <a:br>
+              <a:rPr lang="en-US" sz="2800" dirty="0">
                 <a:latin typeface="+mn-lt"/>
               </a:rPr>
-              <a:t> </a:t>
-            </a:r>
-            <a:r>
-              <a:rPr lang="de-DE" sz="2000" dirty="0" err="1">
-                <a:solidFill>
-                  <a:schemeClr val="bg1">
-                    <a:lumMod val="50000"/>
-                  </a:schemeClr>
-                </a:solidFill>
-                <a:latin typeface="+mn-lt"/>
-              </a:rPr>
-              <a:t>up</a:t>
-            </a:r>
-            <a:r>
-              <a:rPr lang="de-DE" sz="2000" dirty="0">
-                <a:solidFill>
-                  <a:schemeClr val="bg1">
-                    <a:lumMod val="50000"/>
-                  </a:schemeClr>
-                </a:solidFill>
-                <a:latin typeface="+mn-lt"/>
-              </a:rPr>
-              <a:t> </a:t>
-            </a:r>
-            <a:r>
-              <a:rPr lang="de-DE" sz="2000" dirty="0" err="1">
-                <a:solidFill>
-                  <a:schemeClr val="bg1">
-                    <a:lumMod val="50000"/>
-                  </a:schemeClr>
-                </a:solidFill>
-                <a:latin typeface="+mn-lt"/>
-              </a:rPr>
-              <a:t>with</a:t>
-            </a:r>
-            <a:r>
-              <a:rPr lang="de-DE" sz="2000" dirty="0">
-                <a:solidFill>
-                  <a:schemeClr val="bg1">
-                    <a:lumMod val="50000"/>
-                  </a:schemeClr>
-                </a:solidFill>
-                <a:latin typeface="+mn-lt"/>
-              </a:rPr>
-              <a:t> and </a:t>
-            </a:r>
-            <a:r>
-              <a:rPr lang="de-DE" sz="2000" dirty="0" err="1">
-                <a:solidFill>
-                  <a:schemeClr val="bg1">
-                    <a:lumMod val="50000"/>
-                  </a:schemeClr>
-                </a:solidFill>
-                <a:latin typeface="+mn-lt"/>
-              </a:rPr>
-              <a:t>what</a:t>
-            </a:r>
-            <a:r>
-              <a:rPr lang="de-DE" sz="2000" dirty="0">
-                <a:solidFill>
-                  <a:schemeClr val="bg1">
-                    <a:lumMod val="50000"/>
-                  </a:schemeClr>
-                </a:solidFill>
-                <a:latin typeface="+mn-lt"/>
-              </a:rPr>
-              <a:t> </a:t>
-            </a:r>
-            <a:r>
-              <a:rPr lang="de-DE" sz="2000" dirty="0" err="1">
-                <a:solidFill>
-                  <a:schemeClr val="bg1">
-                    <a:lumMod val="50000"/>
-                  </a:schemeClr>
-                </a:solidFill>
-                <a:latin typeface="+mn-lt"/>
-              </a:rPr>
-              <a:t>helped</a:t>
-            </a:r>
-            <a:r>
-              <a:rPr lang="de-DE" sz="2000" dirty="0">
-                <a:solidFill>
-                  <a:schemeClr val="bg1">
-                    <a:lumMod val="50000"/>
-                  </a:schemeClr>
-                </a:solidFill>
-                <a:latin typeface="+mn-lt"/>
-              </a:rPr>
-              <a:t> me.</a:t>
-            </a:r>
+            </a:br>
             <a:endParaRPr lang="de-DE" sz="2800" dirty="0">
-              <a:solidFill>
-                <a:schemeClr val="bg1">
-                  <a:lumMod val="50000"/>
-                </a:schemeClr>
-              </a:solidFill>
               <a:latin typeface="+mn-lt"/>
             </a:endParaRPr>
           </a:p>
@@ -4792,7 +4816,7 @@
     </p:spTree>
     <p:extLst>
       <p:ext uri="{BB962C8B-B14F-4D97-AF65-F5344CB8AC3E}">
-        <p14:creationId xmlns:p14="http://schemas.microsoft.com/office/powerpoint/2010/main" val="1900427475"/>
+        <p14:creationId xmlns:p14="http://schemas.microsoft.com/office/powerpoint/2010/main" val="3049720965"/>
       </p:ext>
     </p:extLst>
   </p:cSld>
@@ -4802,7 +4826,7 @@
 </p:sld>
 </file>
 
-<file path=ppt/slides/slide4.xml><?xml version="1.0" encoding="utf-8"?>
+<file path=ppt/slides/slide11.xml><?xml version="1.0" encoding="utf-8"?>
 <p:sld xmlns:a="http://schemas.openxmlformats.org/drawingml/2006/main" xmlns:r="http://schemas.openxmlformats.org/officeDocument/2006/relationships" xmlns:p="http://schemas.openxmlformats.org/presentationml/2006/main">
   <p:cSld>
     <p:spTree>
@@ -4821,74 +4845,10 @@
       </p:grpSpPr>
       <p:sp>
         <p:nvSpPr>
-          <p:cNvPr id="2" name="Titel 1">
+          <p:cNvPr id="59" name="Textfeld 58">
             <a:extLst>
               <a:ext uri="{FF2B5EF4-FFF2-40B4-BE49-F238E27FC236}">
-                <a16:creationId xmlns:a16="http://schemas.microsoft.com/office/drawing/2014/main" id="{F74D5085-33C9-7A82-A467-E6ADF1D5A1C0}"/>
-              </a:ext>
-            </a:extLst>
-          </p:cNvPr>
-          <p:cNvSpPr>
-            <a:spLocks noGrp="1"/>
-          </p:cNvSpPr>
-          <p:nvPr>
-            <p:ph type="title"/>
-          </p:nvPr>
-        </p:nvSpPr>
-        <p:spPr/>
-        <p:txBody>
-          <a:bodyPr/>
-          <a:lstStyle/>
-          <a:p>
-            <a:r>
-              <a:rPr lang="en-US" dirty="0"/>
-              <a:t>State Definition</a:t>
-            </a:r>
-            <a:endParaRPr lang="de-DE" dirty="0"/>
-          </a:p>
-        </p:txBody>
-      </p:sp>
-      <p:pic>
-        <p:nvPicPr>
-          <p:cNvPr id="5" name="Inhaltsplatzhalter 4" descr="Ein Bild, das Text, Grafiken, Grafikdesign, Screenshot enthält.&#10;&#10;Automatisch generierte Beschreibung">
-            <a:extLst>
-              <a:ext uri="{FF2B5EF4-FFF2-40B4-BE49-F238E27FC236}">
-                <a16:creationId xmlns:a16="http://schemas.microsoft.com/office/drawing/2014/main" id="{56FAF52A-A2BC-0C7E-1E66-4E6E9CDD5056}"/>
-              </a:ext>
-            </a:extLst>
-          </p:cNvPr>
-          <p:cNvPicPr>
-            <a:picLocks noGrp="1" noChangeAspect="1"/>
-          </p:cNvPicPr>
-          <p:nvPr>
-            <p:ph idx="1"/>
-          </p:nvPr>
-        </p:nvPicPr>
-        <p:blipFill>
-          <a:blip r:embed="rId2">
-            <a:extLst>
-              <a:ext uri="{28A0092B-C50C-407E-A947-70E740481C1C}">
-                <a14:useLocalDpi xmlns:a14="http://schemas.microsoft.com/office/drawing/2010/main" val="0"/>
-              </a:ext>
-            </a:extLst>
-          </a:blip>
-          <a:stretch>
-            <a:fillRect/>
-          </a:stretch>
-        </p:blipFill>
-        <p:spPr>
-          <a:xfrm>
-            <a:off x="4552708" y="2010620"/>
-            <a:ext cx="6589143" cy="3708345"/>
-          </a:xfrm>
-        </p:spPr>
-      </p:pic>
-      <p:sp>
-        <p:nvSpPr>
-          <p:cNvPr id="6" name="Textfeld 5">
-            <a:extLst>
-              <a:ext uri="{FF2B5EF4-FFF2-40B4-BE49-F238E27FC236}">
-                <a16:creationId xmlns:a16="http://schemas.microsoft.com/office/drawing/2014/main" id="{9B0C810E-8EF5-8D68-BF26-68051554FA5A}"/>
+                <a16:creationId xmlns:a16="http://schemas.microsoft.com/office/drawing/2014/main" id="{FCEB47EF-EE0B-56FE-45AA-1645A9D4DE47}"/>
               </a:ext>
             </a:extLst>
           </p:cNvPr>
@@ -4897,293 +4857,892 @@
         </p:nvSpPr>
         <p:spPr>
           <a:xfrm>
-            <a:off x="338274" y="2842304"/>
-            <a:ext cx="4214434" cy="3127881"/>
+            <a:off x="722631" y="613187"/>
+            <a:ext cx="4426853" cy="1015663"/>
           </a:xfrm>
           <a:prstGeom prst="rect">
             <a:avLst/>
           </a:prstGeom>
+          <a:noFill/>
         </p:spPr>
         <p:txBody>
-          <a:bodyPr vert="horz" lIns="91440" tIns="45720" rIns="91440" bIns="45720" rtlCol="0">
-            <a:noAutofit/>
+          <a:bodyPr wrap="none" rtlCol="0">
+            <a:spAutoFit/>
           </a:bodyPr>
-          <a:lstStyle>
-            <a:lvl1pPr marL="228600" indent="-228600">
-              <a:lnSpc>
-                <a:spcPct val="90000"/>
-              </a:lnSpc>
-              <a:spcBef>
-                <a:spcPts val="1000"/>
-              </a:spcBef>
+          <a:lstStyle/>
+          <a:p>
+            <a:r>
+              <a:rPr lang="de-DE" sz="2000" b="1" u="sng" dirty="0"/>
+              <a:t>Crazy </a:t>
+            </a:r>
+            <a:r>
+              <a:rPr lang="de-DE" sz="2000" b="1" u="sng" dirty="0" err="1"/>
+              <a:t>Number</a:t>
+            </a:r>
+            <a:r>
+              <a:rPr lang="de-DE" sz="2000" b="1" u="sng" dirty="0"/>
+              <a:t> Generator</a:t>
+            </a:r>
+          </a:p>
+          <a:p>
+            <a:pPr marL="285750" indent="-285750">
               <a:buFont typeface="Arial" panose="020B0604020202020204" pitchFamily="34" charset="0"/>
               <a:buChar char="•"/>
-              <a:defRPr sz="2800"/>
-            </a:lvl1pPr>
-            <a:lvl2pPr marL="685800" indent="-228600">
-              <a:lnSpc>
-                <a:spcPct val="90000"/>
-              </a:lnSpc>
-              <a:spcBef>
-                <a:spcPts val="500"/>
-              </a:spcBef>
+            </a:pPr>
+            <a:r>
+              <a:rPr lang="de-DE" sz="2000" dirty="0"/>
+              <a:t>Multiple </a:t>
+            </a:r>
+            <a:r>
+              <a:rPr lang="de-DE" sz="2000" dirty="0" err="1"/>
+              <a:t>evaluations</a:t>
+            </a:r>
+            <a:endParaRPr lang="de-DE" sz="2000" dirty="0"/>
+          </a:p>
+          <a:p>
+            <a:pPr marL="285750" indent="-285750">
               <a:buFont typeface="Arial" panose="020B0604020202020204" pitchFamily="34" charset="0"/>
               <a:buChar char="•"/>
-              <a:defRPr sz="2400"/>
-            </a:lvl2pPr>
-            <a:lvl3pPr marL="1143000" indent="-228600">
-              <a:lnSpc>
-                <a:spcPct val="90000"/>
-              </a:lnSpc>
-              <a:spcBef>
-                <a:spcPts val="500"/>
-              </a:spcBef>
-              <a:buFont typeface="Arial" panose="020B0604020202020204" pitchFamily="34" charset="0"/>
-              <a:buChar char="•"/>
-              <a:defRPr sz="2000"/>
-            </a:lvl3pPr>
-            <a:lvl4pPr marL="1600200" indent="-228600">
-              <a:lnSpc>
-                <a:spcPct val="90000"/>
-              </a:lnSpc>
-              <a:spcBef>
-                <a:spcPts val="500"/>
-              </a:spcBef>
-              <a:buFont typeface="Arial" panose="020B0604020202020204" pitchFamily="34" charset="0"/>
-              <a:buChar char="•"/>
-            </a:lvl4pPr>
-            <a:lvl5pPr marL="2057400" indent="-228600">
-              <a:lnSpc>
-                <a:spcPct val="90000"/>
-              </a:lnSpc>
-              <a:spcBef>
-                <a:spcPts val="500"/>
-              </a:spcBef>
-              <a:buFont typeface="Arial" panose="020B0604020202020204" pitchFamily="34" charset="0"/>
-              <a:buChar char="•"/>
-            </a:lvl5pPr>
-            <a:lvl6pPr marL="2514600" indent="-228600">
-              <a:lnSpc>
-                <a:spcPct val="90000"/>
-              </a:lnSpc>
-              <a:spcBef>
-                <a:spcPts val="500"/>
-              </a:spcBef>
-              <a:buFont typeface="Arial" panose="020B0604020202020204" pitchFamily="34" charset="0"/>
-              <a:buChar char="•"/>
-            </a:lvl6pPr>
-            <a:lvl7pPr marL="2971800" indent="-228600">
-              <a:lnSpc>
-                <a:spcPct val="90000"/>
-              </a:lnSpc>
-              <a:spcBef>
-                <a:spcPts val="500"/>
-              </a:spcBef>
-              <a:buFont typeface="Arial" panose="020B0604020202020204" pitchFamily="34" charset="0"/>
-              <a:buChar char="•"/>
-            </a:lvl7pPr>
-            <a:lvl8pPr marL="3429000" indent="-228600">
-              <a:lnSpc>
-                <a:spcPct val="90000"/>
-              </a:lnSpc>
-              <a:spcBef>
-                <a:spcPts val="500"/>
-              </a:spcBef>
-              <a:buFont typeface="Arial" panose="020B0604020202020204" pitchFamily="34" charset="0"/>
-              <a:buChar char="•"/>
-            </a:lvl8pPr>
-            <a:lvl9pPr marL="3886200" indent="-228600">
-              <a:lnSpc>
-                <a:spcPct val="90000"/>
-              </a:lnSpc>
-              <a:spcBef>
-                <a:spcPts val="500"/>
-              </a:spcBef>
-              <a:buFont typeface="Arial" panose="020B0604020202020204" pitchFamily="34" charset="0"/>
-              <a:buChar char="•"/>
-            </a:lvl9pPr>
-          </a:lstStyle>
-          <a:p>
-            <a:r>
-              <a:rPr lang="de-DE" dirty="0" err="1"/>
-              <a:t>Def</a:t>
-            </a:r>
-            <a:r>
-              <a:rPr lang="de-DE" dirty="0"/>
-              <a:t>. </a:t>
-            </a:r>
-            <a:r>
-              <a:rPr lang="de-DE" dirty="0" err="1"/>
-              <a:t>by</a:t>
-            </a:r>
-            <a:r>
-              <a:rPr lang="de-DE" dirty="0"/>
-              <a:t> Intuition</a:t>
-            </a:r>
-          </a:p>
-          <a:p>
-            <a:r>
-              <a:rPr lang="de-DE" dirty="0"/>
-              <a:t>Natural Language</a:t>
-            </a:r>
-          </a:p>
-          <a:p>
-            <a:r>
-              <a:rPr lang="de-DE" dirty="0" err="1"/>
-              <a:t>Vocabulary</a:t>
-            </a:r>
-            <a:r>
-              <a:rPr lang="de-DE" dirty="0"/>
+            </a:pPr>
+            <a:r>
+              <a:rPr lang="de-DE" sz="2000" dirty="0" err="1"/>
+              <a:t>Preserves</a:t>
+            </a:r>
+            <a:r>
+              <a:rPr lang="de-DE" sz="2000" dirty="0"/>
               <a:t> </a:t>
             </a:r>
             <a:r>
-              <a:rPr lang="de-DE" dirty="0" err="1"/>
-              <a:t>is</a:t>
-            </a:r>
-            <a:r>
-              <a:rPr lang="de-DE" dirty="0"/>
-              <a:t> Relevant</a:t>
-            </a:r>
-          </a:p>
-          <a:p>
-            <a:r>
-              <a:rPr lang="de-DE" dirty="0" err="1"/>
-              <a:t>It</a:t>
-            </a:r>
-            <a:r>
-              <a:rPr lang="de-DE" dirty="0"/>
+              <a:rPr lang="de-DE" sz="2000" dirty="0" err="1"/>
+              <a:t>it‘s</a:t>
+            </a:r>
+            <a:r>
+              <a:rPr lang="de-DE" sz="2000" dirty="0"/>
+              <a:t> internal </a:t>
+            </a:r>
+            <a:r>
+              <a:rPr lang="de-DE" sz="2000" dirty="0" err="1"/>
+              <a:t>changing</a:t>
+            </a:r>
+            <a:r>
+              <a:rPr lang="de-DE" sz="2000" dirty="0"/>
               <a:t> </a:t>
             </a:r>
             <a:r>
-              <a:rPr lang="de-DE" dirty="0" err="1"/>
-              <a:t>makes</a:t>
-            </a:r>
-            <a:r>
-              <a:rPr lang="de-DE" dirty="0"/>
-              <a:t> (</a:t>
-            </a:r>
-            <a:r>
-              <a:rPr lang="de-DE" dirty="0" err="1"/>
-              <a:t>or</a:t>
-            </a:r>
-            <a:r>
-              <a:rPr lang="de-DE" dirty="0"/>
-              <a:t> </a:t>
-            </a:r>
-            <a:r>
-              <a:rPr lang="de-DE" dirty="0" err="1"/>
-              <a:t>made</a:t>
-            </a:r>
-            <a:r>
-              <a:rPr lang="de-DE" dirty="0"/>
-              <a:t>) Sense</a:t>
-            </a:r>
-          </a:p>
-          <a:p>
-            <a:endParaRPr lang="de-DE" dirty="0"/>
+              <a:rPr lang="de-DE" sz="2000" dirty="0" err="1"/>
+              <a:t>values</a:t>
+            </a:r>
+            <a:endParaRPr lang="de-DE" sz="2000" dirty="0"/>
           </a:p>
         </p:txBody>
       </p:sp>
-    </p:spTree>
-    <p:extLst>
-      <p:ext uri="{BB962C8B-B14F-4D97-AF65-F5344CB8AC3E}">
-        <p14:creationId xmlns:p14="http://schemas.microsoft.com/office/powerpoint/2010/main" val="3933759385"/>
-      </p:ext>
-    </p:extLst>
-  </p:cSld>
-  <p:clrMapOvr>
-    <a:masterClrMapping/>
-  </p:clrMapOvr>
-</p:sld>
-</file>
-
-<file path=ppt/slides/slide5.xml><?xml version="1.0" encoding="utf-8"?>
-<p:sld xmlns:a="http://schemas.openxmlformats.org/drawingml/2006/main" xmlns:r="http://schemas.openxmlformats.org/officeDocument/2006/relationships" xmlns:p="http://schemas.openxmlformats.org/presentationml/2006/main">
-  <p:cSld>
-    <p:spTree>
-      <p:nvGrpSpPr>
-        <p:cNvPr id="1" name=""/>
-        <p:cNvGrpSpPr/>
-        <p:nvPr/>
-      </p:nvGrpSpPr>
-      <p:grpSpPr>
-        <a:xfrm>
-          <a:off x="0" y="0"/>
-          <a:ext cx="0" cy="0"/>
-          <a:chOff x="0" y="0"/>
-          <a:chExt cx="0" cy="0"/>
-        </a:xfrm>
-      </p:grpSpPr>
-      <p:sp>
-        <p:nvSpPr>
-          <p:cNvPr id="2" name="Titel 1">
+      <p:grpSp>
+        <p:nvGrpSpPr>
+          <p:cNvPr id="63" name="Gruppieren 62">
             <a:extLst>
               <a:ext uri="{FF2B5EF4-FFF2-40B4-BE49-F238E27FC236}">
-                <a16:creationId xmlns:a16="http://schemas.microsoft.com/office/drawing/2014/main" id="{D1EB097B-78C9-9468-544B-2144580E3780}"/>
+                <a16:creationId xmlns:a16="http://schemas.microsoft.com/office/drawing/2014/main" id="{65A6AF51-9342-028F-FA31-867290062913}"/>
               </a:ext>
             </a:extLst>
           </p:cNvPr>
-          <p:cNvSpPr>
-            <a:spLocks noGrp="1"/>
-          </p:cNvSpPr>
-          <p:nvPr>
-            <p:ph type="title"/>
-          </p:nvPr>
-        </p:nvSpPr>
-        <p:spPr/>
-        <p:txBody>
-          <a:bodyPr/>
-          <a:lstStyle/>
-          <a:p>
-            <a:r>
-              <a:rPr lang="en-US" dirty="0"/>
-              <a:t>State Definition</a:t>
-            </a:r>
-            <a:endParaRPr lang="de-DE" dirty="0"/>
-          </a:p>
-        </p:txBody>
-      </p:sp>
-      <p:pic>
-        <p:nvPicPr>
-          <p:cNvPr id="5" name="Inhaltsplatzhalter 4" descr="Ein Bild, das draußen, Transport, Landfahrzeug, Ampel enthält.&#10;&#10;Automatisch generierte Beschreibung">
+          <p:cNvGrpSpPr/>
+          <p:nvPr/>
+        </p:nvGrpSpPr>
+        <p:grpSpPr>
+          <a:xfrm>
+            <a:off x="818647" y="2029649"/>
+            <a:ext cx="5838602" cy="3670327"/>
+            <a:chOff x="6096000" y="332989"/>
+            <a:chExt cx="5838602" cy="3670327"/>
+          </a:xfrm>
+        </p:grpSpPr>
+        <p:sp>
+          <p:nvSpPr>
+            <p:cNvPr id="31" name="Rechteck 30">
+              <a:extLst>
+                <a:ext uri="{FF2B5EF4-FFF2-40B4-BE49-F238E27FC236}">
+                  <a16:creationId xmlns:a16="http://schemas.microsoft.com/office/drawing/2014/main" id="{24E4319D-5B56-BF77-05CB-E9F5B0792C7C}"/>
+                </a:ext>
+              </a:extLst>
+            </p:cNvPr>
+            <p:cNvSpPr/>
+            <p:nvPr/>
+          </p:nvSpPr>
+          <p:spPr>
+            <a:xfrm>
+              <a:off x="7377678" y="808687"/>
+              <a:ext cx="1495811" cy="967256"/>
+            </a:xfrm>
+            <a:prstGeom prst="rect">
+              <a:avLst/>
+            </a:prstGeom>
+          </p:spPr>
+          <p:style>
+            <a:lnRef idx="2">
+              <a:schemeClr val="accent1"/>
+            </a:lnRef>
+            <a:fillRef idx="1">
+              <a:schemeClr val="lt1"/>
+            </a:fillRef>
+            <a:effectRef idx="0">
+              <a:schemeClr val="accent1"/>
+            </a:effectRef>
+            <a:fontRef idx="minor">
+              <a:schemeClr val="dk1"/>
+            </a:fontRef>
+          </p:style>
+          <p:txBody>
+            <a:bodyPr rtlCol="0" anchor="ctr"/>
+            <a:lstStyle/>
+            <a:p>
+              <a:pPr algn="ctr"/>
+              <a:r>
+                <a:rPr lang="de-DE" dirty="0" err="1"/>
+                <a:t>counter</a:t>
+              </a:r>
+              <a:endParaRPr lang="de-DE" dirty="0"/>
+            </a:p>
+          </p:txBody>
+        </p:sp>
+        <p:sp>
+          <p:nvSpPr>
+            <p:cNvPr id="32" name="Textfeld 31">
+              <a:extLst>
+                <a:ext uri="{FF2B5EF4-FFF2-40B4-BE49-F238E27FC236}">
+                  <a16:creationId xmlns:a16="http://schemas.microsoft.com/office/drawing/2014/main" id="{AC3AC6B8-5AE0-B381-E02B-1240310CC4D8}"/>
+                </a:ext>
+              </a:extLst>
+            </p:cNvPr>
+            <p:cNvSpPr txBox="1"/>
+            <p:nvPr/>
+          </p:nvSpPr>
+          <p:spPr>
+            <a:xfrm>
+              <a:off x="7377678" y="876053"/>
+              <a:ext cx="463588" cy="261610"/>
+            </a:xfrm>
+            <a:prstGeom prst="rect">
+              <a:avLst/>
+            </a:prstGeom>
+            <a:noFill/>
+          </p:spPr>
+          <p:txBody>
+            <a:bodyPr wrap="none" rtlCol="0">
+              <a:spAutoFit/>
+            </a:bodyPr>
+            <a:lstStyle/>
+            <a:p>
+              <a:r>
+                <a:rPr lang="de-DE" sz="1100" dirty="0" err="1"/>
+                <a:t>from</a:t>
+              </a:r>
+              <a:endParaRPr lang="de-DE" sz="1100" dirty="0"/>
+            </a:p>
+          </p:txBody>
+        </p:sp>
+        <p:sp>
+          <p:nvSpPr>
+            <p:cNvPr id="33" name="Textfeld 32">
+              <a:extLst>
+                <a:ext uri="{FF2B5EF4-FFF2-40B4-BE49-F238E27FC236}">
+                  <a16:creationId xmlns:a16="http://schemas.microsoft.com/office/drawing/2014/main" id="{6DF877E7-0175-CC47-8AD3-2863226D8115}"/>
+                </a:ext>
+              </a:extLst>
+            </p:cNvPr>
+            <p:cNvSpPr txBox="1"/>
+            <p:nvPr/>
+          </p:nvSpPr>
+          <p:spPr>
+            <a:xfrm>
+              <a:off x="7377678" y="1451132"/>
+              <a:ext cx="322524" cy="261610"/>
+            </a:xfrm>
+            <a:prstGeom prst="rect">
+              <a:avLst/>
+            </a:prstGeom>
+            <a:noFill/>
+          </p:spPr>
+          <p:txBody>
+            <a:bodyPr wrap="none" rtlCol="0">
+              <a:spAutoFit/>
+            </a:bodyPr>
+            <a:lstStyle/>
+            <a:p>
+              <a:r>
+                <a:rPr lang="de-DE" sz="1100" dirty="0" err="1"/>
+                <a:t>by</a:t>
+              </a:r>
+              <a:endParaRPr lang="de-DE" sz="1100" dirty="0"/>
+            </a:p>
+          </p:txBody>
+        </p:sp>
+        <p:cxnSp>
+          <p:nvCxnSpPr>
+            <p:cNvPr id="37" name="Gerader Verbinder 36">
+              <a:extLst>
+                <a:ext uri="{FF2B5EF4-FFF2-40B4-BE49-F238E27FC236}">
+                  <a16:creationId xmlns:a16="http://schemas.microsoft.com/office/drawing/2014/main" id="{6F880FFA-7B01-39DE-2100-5233BBE8A625}"/>
+                </a:ext>
+              </a:extLst>
+            </p:cNvPr>
+            <p:cNvCxnSpPr>
+              <a:endCxn id="32" idx="1"/>
+            </p:cNvCxnSpPr>
+            <p:nvPr/>
+          </p:nvCxnSpPr>
+          <p:spPr>
+            <a:xfrm>
+              <a:off x="6975976" y="1006858"/>
+              <a:ext cx="401702" cy="0"/>
+            </a:xfrm>
+            <a:prstGeom prst="line">
+              <a:avLst/>
+            </a:prstGeom>
+            <a:ln w="15875"/>
+          </p:spPr>
+          <p:style>
+            <a:lnRef idx="1">
+              <a:schemeClr val="accent1"/>
+            </a:lnRef>
+            <a:fillRef idx="0">
+              <a:schemeClr val="accent1"/>
+            </a:fillRef>
+            <a:effectRef idx="0">
+              <a:schemeClr val="accent1"/>
+            </a:effectRef>
+            <a:fontRef idx="minor">
+              <a:schemeClr val="tx1"/>
+            </a:fontRef>
+          </p:style>
+        </p:cxnSp>
+        <p:cxnSp>
+          <p:nvCxnSpPr>
+            <p:cNvPr id="38" name="Gerader Verbinder 37">
+              <a:extLst>
+                <a:ext uri="{FF2B5EF4-FFF2-40B4-BE49-F238E27FC236}">
+                  <a16:creationId xmlns:a16="http://schemas.microsoft.com/office/drawing/2014/main" id="{B09E38DF-5F32-52AE-0393-7F37A5F835DD}"/>
+                </a:ext>
+              </a:extLst>
+            </p:cNvPr>
+            <p:cNvCxnSpPr/>
+            <p:nvPr/>
+          </p:nvCxnSpPr>
+          <p:spPr>
+            <a:xfrm>
+              <a:off x="6975976" y="1583662"/>
+              <a:ext cx="401702" cy="0"/>
+            </a:xfrm>
+            <a:prstGeom prst="line">
+              <a:avLst/>
+            </a:prstGeom>
+            <a:ln w="15875"/>
+          </p:spPr>
+          <p:style>
+            <a:lnRef idx="1">
+              <a:schemeClr val="accent1"/>
+            </a:lnRef>
+            <a:fillRef idx="0">
+              <a:schemeClr val="accent1"/>
+            </a:fillRef>
+            <a:effectRef idx="0">
+              <a:schemeClr val="accent1"/>
+            </a:effectRef>
+            <a:fontRef idx="minor">
+              <a:schemeClr val="tx1"/>
+            </a:fontRef>
+          </p:style>
+        </p:cxnSp>
+        <p:sp>
+          <p:nvSpPr>
+            <p:cNvPr id="39" name="Textfeld 38">
+              <a:extLst>
+                <a:ext uri="{FF2B5EF4-FFF2-40B4-BE49-F238E27FC236}">
+                  <a16:creationId xmlns:a16="http://schemas.microsoft.com/office/drawing/2014/main" id="{7D6FB35D-C94E-DD20-317F-090635A05DCC}"/>
+                </a:ext>
+              </a:extLst>
+            </p:cNvPr>
+            <p:cNvSpPr txBox="1"/>
+            <p:nvPr/>
+          </p:nvSpPr>
+          <p:spPr>
+            <a:xfrm>
+              <a:off x="6719174" y="876053"/>
+              <a:ext cx="256802" cy="261610"/>
+            </a:xfrm>
+            <a:prstGeom prst="rect">
+              <a:avLst/>
+            </a:prstGeom>
+            <a:noFill/>
+          </p:spPr>
+          <p:txBody>
+            <a:bodyPr wrap="none" rtlCol="0">
+              <a:spAutoFit/>
+            </a:bodyPr>
+            <a:lstStyle/>
+            <a:p>
+              <a:r>
+                <a:rPr lang="de-DE" sz="1100" dirty="0"/>
+                <a:t>0</a:t>
+              </a:r>
+            </a:p>
+          </p:txBody>
+        </p:sp>
+        <p:sp>
+          <p:nvSpPr>
+            <p:cNvPr id="40" name="Textfeld 39">
+              <a:extLst>
+                <a:ext uri="{FF2B5EF4-FFF2-40B4-BE49-F238E27FC236}">
+                  <a16:creationId xmlns:a16="http://schemas.microsoft.com/office/drawing/2014/main" id="{8BE26C40-5C3D-6FFD-29AF-4EB38F828012}"/>
+                </a:ext>
+              </a:extLst>
+            </p:cNvPr>
+            <p:cNvSpPr txBox="1"/>
+            <p:nvPr/>
+          </p:nvSpPr>
+          <p:spPr>
+            <a:xfrm>
+              <a:off x="6692165" y="1451132"/>
+              <a:ext cx="256802" cy="261610"/>
+            </a:xfrm>
+            <a:prstGeom prst="rect">
+              <a:avLst/>
+            </a:prstGeom>
+            <a:noFill/>
+          </p:spPr>
+          <p:txBody>
+            <a:bodyPr wrap="none" rtlCol="0">
+              <a:spAutoFit/>
+            </a:bodyPr>
+            <a:lstStyle/>
+            <a:p>
+              <a:r>
+                <a:rPr lang="de-DE" sz="1100" dirty="0"/>
+                <a:t>1</a:t>
+              </a:r>
+            </a:p>
+          </p:txBody>
+        </p:sp>
+        <p:sp>
+          <p:nvSpPr>
+            <p:cNvPr id="42" name="Rechteck 41">
+              <a:extLst>
+                <a:ext uri="{FF2B5EF4-FFF2-40B4-BE49-F238E27FC236}">
+                  <a16:creationId xmlns:a16="http://schemas.microsoft.com/office/drawing/2014/main" id="{237979FD-C357-6D43-C80B-EE09762C1BE3}"/>
+                </a:ext>
+              </a:extLst>
+            </p:cNvPr>
+            <p:cNvSpPr/>
+            <p:nvPr/>
+          </p:nvSpPr>
+          <p:spPr>
+            <a:xfrm>
+              <a:off x="7404687" y="2592560"/>
+              <a:ext cx="1495811" cy="967256"/>
+            </a:xfrm>
+            <a:prstGeom prst="rect">
+              <a:avLst/>
+            </a:prstGeom>
+          </p:spPr>
+          <p:style>
+            <a:lnRef idx="2">
+              <a:schemeClr val="accent1"/>
+            </a:lnRef>
+            <a:fillRef idx="1">
+              <a:schemeClr val="lt1"/>
+            </a:fillRef>
+            <a:effectRef idx="0">
+              <a:schemeClr val="accent1"/>
+            </a:effectRef>
+            <a:fontRef idx="minor">
+              <a:schemeClr val="dk1"/>
+            </a:fontRef>
+          </p:style>
+          <p:txBody>
+            <a:bodyPr rtlCol="0" anchor="ctr"/>
+            <a:lstStyle/>
+            <a:p>
+              <a:pPr algn="ctr"/>
+              <a:r>
+                <a:rPr lang="de-DE" dirty="0" err="1"/>
+                <a:t>counter</a:t>
+              </a:r>
+              <a:endParaRPr lang="de-DE" dirty="0"/>
+            </a:p>
+          </p:txBody>
+        </p:sp>
+        <p:sp>
+          <p:nvSpPr>
+            <p:cNvPr id="43" name="Textfeld 42">
+              <a:extLst>
+                <a:ext uri="{FF2B5EF4-FFF2-40B4-BE49-F238E27FC236}">
+                  <a16:creationId xmlns:a16="http://schemas.microsoft.com/office/drawing/2014/main" id="{DE87A295-5658-1668-0260-C0C8B8D9AE4A}"/>
+                </a:ext>
+              </a:extLst>
+            </p:cNvPr>
+            <p:cNvSpPr txBox="1"/>
+            <p:nvPr/>
+          </p:nvSpPr>
+          <p:spPr>
+            <a:xfrm>
+              <a:off x="7404687" y="2659926"/>
+              <a:ext cx="463588" cy="261610"/>
+            </a:xfrm>
+            <a:prstGeom prst="rect">
+              <a:avLst/>
+            </a:prstGeom>
+            <a:noFill/>
+          </p:spPr>
+          <p:txBody>
+            <a:bodyPr wrap="none" rtlCol="0">
+              <a:spAutoFit/>
+            </a:bodyPr>
+            <a:lstStyle/>
+            <a:p>
+              <a:r>
+                <a:rPr lang="de-DE" sz="1100" dirty="0" err="1"/>
+                <a:t>from</a:t>
+              </a:r>
+              <a:endParaRPr lang="de-DE" sz="1100" dirty="0"/>
+            </a:p>
+          </p:txBody>
+        </p:sp>
+        <p:sp>
+          <p:nvSpPr>
+            <p:cNvPr id="44" name="Textfeld 43">
+              <a:extLst>
+                <a:ext uri="{FF2B5EF4-FFF2-40B4-BE49-F238E27FC236}">
+                  <a16:creationId xmlns:a16="http://schemas.microsoft.com/office/drawing/2014/main" id="{DC2E50E2-9FD3-21A1-C858-2984EB670D94}"/>
+                </a:ext>
+              </a:extLst>
+            </p:cNvPr>
+            <p:cNvSpPr txBox="1"/>
+            <p:nvPr/>
+          </p:nvSpPr>
+          <p:spPr>
+            <a:xfrm>
+              <a:off x="7404687" y="3235005"/>
+              <a:ext cx="322524" cy="261610"/>
+            </a:xfrm>
+            <a:prstGeom prst="rect">
+              <a:avLst/>
+            </a:prstGeom>
+            <a:noFill/>
+          </p:spPr>
+          <p:txBody>
+            <a:bodyPr wrap="none" rtlCol="0">
+              <a:spAutoFit/>
+            </a:bodyPr>
+            <a:lstStyle/>
+            <a:p>
+              <a:r>
+                <a:rPr lang="de-DE" sz="1100" dirty="0" err="1"/>
+                <a:t>by</a:t>
+              </a:r>
+              <a:endParaRPr lang="de-DE" sz="1100" dirty="0"/>
+            </a:p>
+          </p:txBody>
+        </p:sp>
+        <p:cxnSp>
+          <p:nvCxnSpPr>
+            <p:cNvPr id="45" name="Gerader Verbinder 44">
+              <a:extLst>
+                <a:ext uri="{FF2B5EF4-FFF2-40B4-BE49-F238E27FC236}">
+                  <a16:creationId xmlns:a16="http://schemas.microsoft.com/office/drawing/2014/main" id="{FDA3DAB2-ED0C-32AA-A41D-6FF51DECB629}"/>
+                </a:ext>
+              </a:extLst>
+            </p:cNvPr>
+            <p:cNvCxnSpPr>
+              <a:endCxn id="43" idx="1"/>
+            </p:cNvCxnSpPr>
+            <p:nvPr/>
+          </p:nvCxnSpPr>
+          <p:spPr>
+            <a:xfrm>
+              <a:off x="7002985" y="2790731"/>
+              <a:ext cx="401702" cy="0"/>
+            </a:xfrm>
+            <a:prstGeom prst="line">
+              <a:avLst/>
+            </a:prstGeom>
+            <a:ln w="15875"/>
+          </p:spPr>
+          <p:style>
+            <a:lnRef idx="1">
+              <a:schemeClr val="accent1"/>
+            </a:lnRef>
+            <a:fillRef idx="0">
+              <a:schemeClr val="accent1"/>
+            </a:fillRef>
+            <a:effectRef idx="0">
+              <a:schemeClr val="accent1"/>
+            </a:effectRef>
+            <a:fontRef idx="minor">
+              <a:schemeClr val="tx1"/>
+            </a:fontRef>
+          </p:style>
+        </p:cxnSp>
+        <p:cxnSp>
+          <p:nvCxnSpPr>
+            <p:cNvPr id="46" name="Gerader Verbinder 45">
+              <a:extLst>
+                <a:ext uri="{FF2B5EF4-FFF2-40B4-BE49-F238E27FC236}">
+                  <a16:creationId xmlns:a16="http://schemas.microsoft.com/office/drawing/2014/main" id="{9F5D4AF9-9491-94E7-8048-9C1D2F9A1A1B}"/>
+                </a:ext>
+              </a:extLst>
+            </p:cNvPr>
+            <p:cNvCxnSpPr/>
+            <p:nvPr/>
+          </p:nvCxnSpPr>
+          <p:spPr>
+            <a:xfrm>
+              <a:off x="7002985" y="3367535"/>
+              <a:ext cx="401702" cy="0"/>
+            </a:xfrm>
+            <a:prstGeom prst="line">
+              <a:avLst/>
+            </a:prstGeom>
+            <a:ln w="15875"/>
+          </p:spPr>
+          <p:style>
+            <a:lnRef idx="1">
+              <a:schemeClr val="accent1"/>
+            </a:lnRef>
+            <a:fillRef idx="0">
+              <a:schemeClr val="accent1"/>
+            </a:fillRef>
+            <a:effectRef idx="0">
+              <a:schemeClr val="accent1"/>
+            </a:effectRef>
+            <a:fontRef idx="minor">
+              <a:schemeClr val="tx1"/>
+            </a:fontRef>
+          </p:style>
+        </p:cxnSp>
+        <p:sp>
+          <p:nvSpPr>
+            <p:cNvPr id="47" name="Textfeld 46">
+              <a:extLst>
+                <a:ext uri="{FF2B5EF4-FFF2-40B4-BE49-F238E27FC236}">
+                  <a16:creationId xmlns:a16="http://schemas.microsoft.com/office/drawing/2014/main" id="{59C5E5E0-621A-FAE8-B40C-FB412D14F328}"/>
+                </a:ext>
+              </a:extLst>
+            </p:cNvPr>
+            <p:cNvSpPr txBox="1"/>
+            <p:nvPr/>
+          </p:nvSpPr>
+          <p:spPr>
+            <a:xfrm>
+              <a:off x="6647038" y="2659926"/>
+              <a:ext cx="401072" cy="261610"/>
+            </a:xfrm>
+            <a:prstGeom prst="rect">
+              <a:avLst/>
+            </a:prstGeom>
+            <a:noFill/>
+          </p:spPr>
+          <p:txBody>
+            <a:bodyPr wrap="none" rtlCol="0">
+              <a:spAutoFit/>
+            </a:bodyPr>
+            <a:lstStyle/>
+            <a:p>
+              <a:r>
+                <a:rPr lang="de-DE" sz="1100" dirty="0"/>
+                <a:t>100</a:t>
+              </a:r>
+            </a:p>
+          </p:txBody>
+        </p:sp>
+        <p:sp>
+          <p:nvSpPr>
+            <p:cNvPr id="48" name="Textfeld 47">
+              <a:extLst>
+                <a:ext uri="{FF2B5EF4-FFF2-40B4-BE49-F238E27FC236}">
+                  <a16:creationId xmlns:a16="http://schemas.microsoft.com/office/drawing/2014/main" id="{5E3BD4F9-6118-3CAD-7613-9F9950C8EC6C}"/>
+                </a:ext>
+              </a:extLst>
+            </p:cNvPr>
+            <p:cNvSpPr txBox="1"/>
+            <p:nvPr/>
+          </p:nvSpPr>
+          <p:spPr>
+            <a:xfrm>
+              <a:off x="6719174" y="3235005"/>
+              <a:ext cx="328936" cy="261610"/>
+            </a:xfrm>
+            <a:prstGeom prst="rect">
+              <a:avLst/>
+            </a:prstGeom>
+            <a:noFill/>
+          </p:spPr>
+          <p:txBody>
+            <a:bodyPr wrap="none" rtlCol="0">
+              <a:spAutoFit/>
+            </a:bodyPr>
+            <a:lstStyle/>
+            <a:p>
+              <a:r>
+                <a:rPr lang="de-DE" sz="1100" dirty="0"/>
+                <a:t>10</a:t>
+              </a:r>
+            </a:p>
+          </p:txBody>
+        </p:sp>
+        <p:sp>
+          <p:nvSpPr>
+            <p:cNvPr id="50" name="Rechteck 49">
+              <a:extLst>
+                <a:ext uri="{FF2B5EF4-FFF2-40B4-BE49-F238E27FC236}">
+                  <a16:creationId xmlns:a16="http://schemas.microsoft.com/office/drawing/2014/main" id="{8505AE20-87B9-E5B4-6DDF-4FD4A32D2F20}"/>
+                </a:ext>
+              </a:extLst>
+            </p:cNvPr>
+            <p:cNvSpPr/>
+            <p:nvPr/>
+          </p:nvSpPr>
+          <p:spPr>
+            <a:xfrm>
+              <a:off x="10157879" y="1840736"/>
+              <a:ext cx="576124" cy="601641"/>
+            </a:xfrm>
+            <a:prstGeom prst="rect">
+              <a:avLst/>
+            </a:prstGeom>
+          </p:spPr>
+          <p:style>
+            <a:lnRef idx="2">
+              <a:schemeClr val="accent1"/>
+            </a:lnRef>
+            <a:fillRef idx="1">
+              <a:schemeClr val="lt1"/>
+            </a:fillRef>
+            <a:effectRef idx="0">
+              <a:schemeClr val="accent1"/>
+            </a:effectRef>
+            <a:fontRef idx="minor">
+              <a:schemeClr val="dk1"/>
+            </a:fontRef>
+          </p:style>
+          <p:txBody>
+            <a:bodyPr rtlCol="0" anchor="ctr"/>
+            <a:lstStyle/>
+            <a:p>
+              <a:pPr algn="ctr"/>
+              <a:r>
+                <a:rPr lang="de-DE" dirty="0"/>
+                <a:t>+</a:t>
+              </a:r>
+            </a:p>
+          </p:txBody>
+        </p:sp>
+        <p:cxnSp>
+          <p:nvCxnSpPr>
+            <p:cNvPr id="52" name="Verbinder: gewinkelt 51">
+              <a:extLst>
+                <a:ext uri="{FF2B5EF4-FFF2-40B4-BE49-F238E27FC236}">
+                  <a16:creationId xmlns:a16="http://schemas.microsoft.com/office/drawing/2014/main" id="{9041B40B-519A-9436-A767-5B64D304A179}"/>
+                </a:ext>
+              </a:extLst>
+            </p:cNvPr>
+            <p:cNvCxnSpPr>
+              <a:stCxn id="31" idx="3"/>
+            </p:cNvCxnSpPr>
+            <p:nvPr/>
+          </p:nvCxnSpPr>
+          <p:spPr>
+            <a:xfrm>
+              <a:off x="8873489" y="1292315"/>
+              <a:ext cx="1284390" cy="689764"/>
+            </a:xfrm>
+            <a:prstGeom prst="bentConnector3">
+              <a:avLst/>
+            </a:prstGeom>
+            <a:ln w="15875"/>
+          </p:spPr>
+          <p:style>
+            <a:lnRef idx="1">
+              <a:schemeClr val="accent1"/>
+            </a:lnRef>
+            <a:fillRef idx="0">
+              <a:schemeClr val="accent1"/>
+            </a:fillRef>
+            <a:effectRef idx="0">
+              <a:schemeClr val="accent1"/>
+            </a:effectRef>
+            <a:fontRef idx="minor">
+              <a:schemeClr val="tx1"/>
+            </a:fontRef>
+          </p:style>
+        </p:cxnSp>
+        <p:cxnSp>
+          <p:nvCxnSpPr>
+            <p:cNvPr id="53" name="Verbinder: gewinkelt 52">
+              <a:extLst>
+                <a:ext uri="{FF2B5EF4-FFF2-40B4-BE49-F238E27FC236}">
+                  <a16:creationId xmlns:a16="http://schemas.microsoft.com/office/drawing/2014/main" id="{7F910D18-E29D-F4C7-D314-1D7C4F76D624}"/>
+                </a:ext>
+              </a:extLst>
+            </p:cNvPr>
+            <p:cNvCxnSpPr>
+              <a:cxnSpLocks/>
+              <a:stCxn id="42" idx="3"/>
+            </p:cNvCxnSpPr>
+            <p:nvPr/>
+          </p:nvCxnSpPr>
+          <p:spPr>
+            <a:xfrm flipV="1">
+              <a:off x="8900498" y="2278070"/>
+              <a:ext cx="1257381" cy="798118"/>
+            </a:xfrm>
+            <a:prstGeom prst="bentConnector3">
+              <a:avLst/>
+            </a:prstGeom>
+            <a:ln w="15875"/>
+          </p:spPr>
+          <p:style>
+            <a:lnRef idx="1">
+              <a:schemeClr val="accent1"/>
+            </a:lnRef>
+            <a:fillRef idx="0">
+              <a:schemeClr val="accent1"/>
+            </a:fillRef>
+            <a:effectRef idx="0">
+              <a:schemeClr val="accent1"/>
+            </a:effectRef>
+            <a:fontRef idx="minor">
+              <a:schemeClr val="tx1"/>
+            </a:fontRef>
+          </p:style>
+        </p:cxnSp>
+        <p:cxnSp>
+          <p:nvCxnSpPr>
+            <p:cNvPr id="56" name="Gerader Verbinder 55">
+              <a:extLst>
+                <a:ext uri="{FF2B5EF4-FFF2-40B4-BE49-F238E27FC236}">
+                  <a16:creationId xmlns:a16="http://schemas.microsoft.com/office/drawing/2014/main" id="{B020478A-D9F8-7296-E2E0-53C7844F7AD6}"/>
+                </a:ext>
+              </a:extLst>
+            </p:cNvPr>
+            <p:cNvCxnSpPr>
+              <a:cxnSpLocks/>
+            </p:cNvCxnSpPr>
+            <p:nvPr/>
+          </p:nvCxnSpPr>
+          <p:spPr>
+            <a:xfrm>
+              <a:off x="10734003" y="2129836"/>
+              <a:ext cx="821969" cy="0"/>
+            </a:xfrm>
+            <a:prstGeom prst="line">
+              <a:avLst/>
+            </a:prstGeom>
+            <a:ln w="15875"/>
+          </p:spPr>
+          <p:style>
+            <a:lnRef idx="1">
+              <a:schemeClr val="accent1"/>
+            </a:lnRef>
+            <a:fillRef idx="0">
+              <a:schemeClr val="accent1"/>
+            </a:fillRef>
+            <a:effectRef idx="0">
+              <a:schemeClr val="accent1"/>
+            </a:effectRef>
+            <a:fontRef idx="minor">
+              <a:schemeClr val="tx1"/>
+            </a:fontRef>
+          </p:style>
+        </p:cxnSp>
+        <p:sp>
+          <p:nvSpPr>
+            <p:cNvPr id="57" name="Rechteck 56">
+              <a:extLst>
+                <a:ext uri="{FF2B5EF4-FFF2-40B4-BE49-F238E27FC236}">
+                  <a16:creationId xmlns:a16="http://schemas.microsoft.com/office/drawing/2014/main" id="{CC6D1C5C-4D35-F285-2967-7EB80FF6E585}"/>
+                </a:ext>
+              </a:extLst>
+            </p:cNvPr>
+            <p:cNvSpPr/>
+            <p:nvPr/>
+          </p:nvSpPr>
+          <p:spPr>
+            <a:xfrm>
+              <a:off x="6096000" y="332989"/>
+              <a:ext cx="5132268" cy="3670327"/>
+            </a:xfrm>
+            <a:prstGeom prst="rect">
+              <a:avLst/>
+            </a:prstGeom>
+            <a:noFill/>
+            <a:ln w="25400"/>
+          </p:spPr>
+          <p:style>
+            <a:lnRef idx="2">
+              <a:schemeClr val="accent1">
+                <a:shade val="50000"/>
+              </a:schemeClr>
+            </a:lnRef>
+            <a:fillRef idx="1">
+              <a:schemeClr val="accent1"/>
+            </a:fillRef>
+            <a:effectRef idx="0">
+              <a:schemeClr val="accent1"/>
+            </a:effectRef>
+            <a:fontRef idx="minor">
+              <a:schemeClr val="lt1"/>
+            </a:fontRef>
+          </p:style>
+          <p:txBody>
+            <a:bodyPr rtlCol="0" anchor="ctr"/>
+            <a:lstStyle/>
+            <a:p>
+              <a:pPr algn="ctr"/>
+              <a:endParaRPr lang="de-DE"/>
+            </a:p>
+          </p:txBody>
+        </p:sp>
+        <p:sp>
+          <p:nvSpPr>
+            <p:cNvPr id="60" name="Textfeld 59">
+              <a:extLst>
+                <a:ext uri="{FF2B5EF4-FFF2-40B4-BE49-F238E27FC236}">
+                  <a16:creationId xmlns:a16="http://schemas.microsoft.com/office/drawing/2014/main" id="{456CC708-5416-AD84-1A1E-0F0AAF60487C}"/>
+                </a:ext>
+              </a:extLst>
+            </p:cNvPr>
+            <p:cNvSpPr txBox="1"/>
+            <p:nvPr/>
+          </p:nvSpPr>
+          <p:spPr>
+            <a:xfrm>
+              <a:off x="11555972" y="1982079"/>
+              <a:ext cx="378630" cy="261610"/>
+            </a:xfrm>
+            <a:prstGeom prst="rect">
+              <a:avLst/>
+            </a:prstGeom>
+            <a:noFill/>
+          </p:spPr>
+          <p:txBody>
+            <a:bodyPr wrap="none" rtlCol="0">
+              <a:spAutoFit/>
+            </a:bodyPr>
+            <a:lstStyle/>
+            <a:p>
+              <a:r>
+                <a:rPr lang="de-DE" sz="1100" dirty="0"/>
+                <a:t>out</a:t>
+              </a:r>
+            </a:p>
+          </p:txBody>
+        </p:sp>
+      </p:grpSp>
+      <p:sp>
+        <p:nvSpPr>
+          <p:cNvPr id="2" name="Textfeld 1">
             <a:extLst>
               <a:ext uri="{FF2B5EF4-FFF2-40B4-BE49-F238E27FC236}">
-                <a16:creationId xmlns:a16="http://schemas.microsoft.com/office/drawing/2014/main" id="{0CD93179-9684-FE97-489B-27B61CA93C29}"/>
-              </a:ext>
-            </a:extLst>
-          </p:cNvPr>
-          <p:cNvPicPr>
-            <a:picLocks noGrp="1" noChangeAspect="1"/>
-          </p:cNvPicPr>
-          <p:nvPr>
-            <p:ph idx="1"/>
-          </p:nvPr>
-        </p:nvPicPr>
-        <p:blipFill>
-          <a:blip r:embed="rId2">
-            <a:extLst>
-              <a:ext uri="{28A0092B-C50C-407E-A947-70E740481C1C}">
-                <a14:useLocalDpi xmlns:a14="http://schemas.microsoft.com/office/drawing/2010/main" val="0"/>
-              </a:ext>
-            </a:extLst>
-          </a:blip>
-          <a:stretch>
-            <a:fillRect/>
-          </a:stretch>
-        </p:blipFill>
-        <p:spPr>
-          <a:xfrm>
-            <a:off x="904076" y="1802565"/>
-            <a:ext cx="5362575" cy="3781425"/>
-          </a:xfrm>
-        </p:spPr>
-      </p:pic>
-      <p:sp>
-        <p:nvSpPr>
-          <p:cNvPr id="6" name="Textfeld 5">
-            <a:extLst>
-              <a:ext uri="{FF2B5EF4-FFF2-40B4-BE49-F238E27FC236}">
-                <a16:creationId xmlns:a16="http://schemas.microsoft.com/office/drawing/2014/main" id="{17B87CF4-2B7E-509A-1620-6E717A3312D8}"/>
+                <a16:creationId xmlns:a16="http://schemas.microsoft.com/office/drawing/2014/main" id="{10A3CBBF-FA7C-47BC-E400-20F0DB1B4EDA}"/>
               </a:ext>
             </a:extLst>
           </p:cNvPr>
@@ -5192,888 +5751,235 @@
         </p:nvSpPr>
         <p:spPr>
           <a:xfrm>
-            <a:off x="7024493" y="2084153"/>
-            <a:ext cx="4214434" cy="3372983"/>
+            <a:off x="6854743" y="975894"/>
+            <a:ext cx="4686860" cy="2862322"/>
           </a:xfrm>
           <a:prstGeom prst="rect">
             <a:avLst/>
           </a:prstGeom>
+          <a:noFill/>
         </p:spPr>
         <p:txBody>
-          <a:bodyPr vert="horz" lIns="91440" tIns="45720" rIns="91440" bIns="45720" rtlCol="0">
-            <a:noAutofit/>
+          <a:bodyPr wrap="none" rtlCol="0">
+            <a:spAutoFit/>
           </a:bodyPr>
-          <a:lstStyle>
-            <a:lvl1pPr marL="228600" indent="-228600">
-              <a:lnSpc>
-                <a:spcPct val="90000"/>
-              </a:lnSpc>
-              <a:spcBef>
-                <a:spcPts val="1000"/>
-              </a:spcBef>
+          <a:lstStyle/>
+          <a:p>
+            <a:r>
+              <a:rPr lang="de-DE" sz="2000" b="1" u="sng" dirty="0" err="1"/>
+              <a:t>Characteristics</a:t>
+            </a:r>
+            <a:endParaRPr lang="de-DE" sz="2000" b="1" u="sng" dirty="0"/>
+          </a:p>
+          <a:p>
+            <a:pPr marL="285750" indent="-285750">
               <a:buFont typeface="Arial" panose="020B0604020202020204" pitchFamily="34" charset="0"/>
               <a:buChar char="•"/>
-              <a:defRPr sz="2800"/>
-            </a:lvl1pPr>
-            <a:lvl2pPr marL="685800" indent="-228600">
-              <a:lnSpc>
-                <a:spcPct val="90000"/>
-              </a:lnSpc>
-              <a:spcBef>
-                <a:spcPts val="500"/>
-              </a:spcBef>
+            </a:pPr>
+            <a:r>
+              <a:rPr lang="de-DE" sz="2000" dirty="0"/>
+              <a:t>Auto </a:t>
+            </a:r>
+            <a:r>
+              <a:rPr lang="de-DE" sz="2000" dirty="0" err="1"/>
+              <a:t>evaluated</a:t>
+            </a:r>
+            <a:endParaRPr lang="de-DE" sz="2000" dirty="0"/>
+          </a:p>
+          <a:p>
+            <a:pPr marL="285750" indent="-285750">
               <a:buFont typeface="Arial" panose="020B0604020202020204" pitchFamily="34" charset="0"/>
               <a:buChar char="•"/>
-              <a:defRPr sz="2400"/>
-            </a:lvl2pPr>
-            <a:lvl3pPr marL="1143000" indent="-228600">
-              <a:lnSpc>
-                <a:spcPct val="90000"/>
-              </a:lnSpc>
-              <a:spcBef>
-                <a:spcPts val="500"/>
-              </a:spcBef>
+            </a:pPr>
+            <a:r>
+              <a:rPr lang="de-DE" sz="2000" dirty="0"/>
+              <a:t>Ad-hoc </a:t>
+            </a:r>
+            <a:r>
+              <a:rPr lang="de-DE" sz="2000" dirty="0" err="1"/>
+              <a:t>usage</a:t>
+            </a:r>
+            <a:r>
+              <a:rPr lang="de-DE" sz="2000" dirty="0"/>
+              <a:t> </a:t>
+            </a:r>
+            <a:r>
+              <a:rPr lang="de-DE" sz="2000" dirty="0" err="1"/>
+              <a:t>of</a:t>
+            </a:r>
+            <a:r>
+              <a:rPr lang="de-DE" sz="2000" dirty="0"/>
+              <a:t> „</a:t>
+            </a:r>
+            <a:r>
+              <a:rPr lang="de-DE" sz="2000" dirty="0" err="1"/>
+              <a:t>blocks</a:t>
+            </a:r>
+            <a:r>
+              <a:rPr lang="de-DE" sz="2000" dirty="0"/>
+              <a:t>“</a:t>
+            </a:r>
+            <a:br>
+              <a:rPr lang="de-DE" sz="2000" dirty="0"/>
+            </a:br>
+            <a:r>
+              <a:rPr lang="de-DE" sz="2000" dirty="0"/>
+              <a:t>(</a:t>
+            </a:r>
+            <a:r>
+              <a:rPr lang="de-DE" sz="2000" dirty="0" err="1"/>
+              <a:t>instead</a:t>
+            </a:r>
+            <a:r>
+              <a:rPr lang="de-DE" sz="2000" dirty="0"/>
+              <a:t> </a:t>
+            </a:r>
+            <a:r>
+              <a:rPr lang="de-DE" sz="2000" dirty="0" err="1"/>
+              <a:t>of</a:t>
+            </a:r>
+            <a:r>
+              <a:rPr lang="de-DE" sz="2000" dirty="0"/>
+              <a:t> „</a:t>
+            </a:r>
+            <a:r>
+              <a:rPr lang="de-DE" sz="2000" dirty="0" err="1"/>
+              <a:t>up</a:t>
+            </a:r>
+            <a:r>
+              <a:rPr lang="de-DE" sz="2000" dirty="0"/>
+              <a:t>-front“ </a:t>
+            </a:r>
+            <a:r>
+              <a:rPr lang="de-DE" sz="2000" dirty="0" err="1"/>
+              <a:t>declaration</a:t>
+            </a:r>
+            <a:r>
+              <a:rPr lang="de-DE" sz="2000" dirty="0"/>
+              <a:t>)</a:t>
+            </a:r>
+          </a:p>
+          <a:p>
+            <a:pPr marL="285750" indent="-285750">
               <a:buFont typeface="Arial" panose="020B0604020202020204" pitchFamily="34" charset="0"/>
               <a:buChar char="•"/>
-              <a:defRPr sz="2000"/>
-            </a:lvl3pPr>
-            <a:lvl4pPr marL="1600200" indent="-228600">
-              <a:lnSpc>
-                <a:spcPct val="90000"/>
-              </a:lnSpc>
-              <a:spcBef>
-                <a:spcPts val="500"/>
-              </a:spcBef>
+            </a:pPr>
+            <a:r>
+              <a:rPr lang="de-DE" sz="2000" dirty="0" err="1"/>
+              <a:t>We</a:t>
+            </a:r>
+            <a:r>
+              <a:rPr lang="de-DE" sz="2000" dirty="0"/>
+              <a:t> </a:t>
+            </a:r>
+            <a:r>
+              <a:rPr lang="de-DE" sz="2000" dirty="0" err="1"/>
+              <a:t>can</a:t>
+            </a:r>
+            <a:r>
+              <a:rPr lang="de-DE" sz="2000" dirty="0"/>
+              <a:t> </a:t>
+            </a:r>
+            <a:r>
+              <a:rPr lang="de-DE" sz="2000" dirty="0" err="1"/>
+              <a:t>leave</a:t>
+            </a:r>
+            <a:r>
+              <a:rPr lang="de-DE" sz="2000" dirty="0"/>
+              <a:t> </a:t>
+            </a:r>
+            <a:r>
+              <a:rPr lang="de-DE" sz="2000" dirty="0" err="1"/>
+              <a:t>state</a:t>
+            </a:r>
+            <a:r>
+              <a:rPr lang="de-DE" sz="2000" dirty="0"/>
+              <a:t> </a:t>
+            </a:r>
+            <a:r>
+              <a:rPr lang="de-DE" sz="2000" dirty="0" err="1"/>
+              <a:t>considerations</a:t>
+            </a:r>
+            <a:r>
+              <a:rPr lang="de-DE" sz="2000" dirty="0"/>
+              <a:t> </a:t>
+            </a:r>
+            <a:r>
+              <a:rPr lang="de-DE" sz="2000" dirty="0" err="1"/>
+              <a:t>aside</a:t>
+            </a:r>
+            <a:r>
+              <a:rPr lang="de-DE" sz="2000" dirty="0"/>
+              <a:t>!</a:t>
+            </a:r>
+          </a:p>
+          <a:p>
+            <a:endParaRPr lang="de-DE" sz="2000" dirty="0"/>
+          </a:p>
+          <a:p>
+            <a:pPr marL="285750" indent="-285750">
               <a:buFont typeface="Arial" panose="020B0604020202020204" pitchFamily="34" charset="0"/>
               <a:buChar char="•"/>
-            </a:lvl4pPr>
-            <a:lvl5pPr marL="2057400" indent="-228600">
-              <a:lnSpc>
-                <a:spcPct val="90000"/>
-              </a:lnSpc>
-              <a:spcBef>
-                <a:spcPts val="500"/>
-              </a:spcBef>
+            </a:pPr>
+            <a:endParaRPr lang="de-DE" sz="2000" dirty="0"/>
+          </a:p>
+          <a:p>
+            <a:pPr marL="285750" indent="-285750">
               <a:buFont typeface="Arial" panose="020B0604020202020204" pitchFamily="34" charset="0"/>
               <a:buChar char="•"/>
-            </a:lvl5pPr>
-            <a:lvl6pPr marL="2514600" indent="-228600">
-              <a:lnSpc>
-                <a:spcPct val="90000"/>
-              </a:lnSpc>
-              <a:spcBef>
-                <a:spcPts val="500"/>
-              </a:spcBef>
+            </a:pPr>
+            <a:r>
+              <a:rPr lang="de-DE" sz="2000" b="1" dirty="0" err="1">
+                <a:solidFill>
+                  <a:srgbClr val="00B050"/>
+                </a:solidFill>
+              </a:rPr>
+              <a:t>Encourages</a:t>
+            </a:r>
+            <a:r>
+              <a:rPr lang="de-DE" sz="2000" b="1" dirty="0">
+                <a:solidFill>
+                  <a:srgbClr val="00B050"/>
+                </a:solidFill>
+              </a:rPr>
+              <a:t> Play </a:t>
+            </a:r>
+            <a:r>
+              <a:rPr lang="de-DE" sz="2000" b="1" dirty="0" err="1">
+                <a:solidFill>
+                  <a:srgbClr val="00B050"/>
+                </a:solidFill>
+              </a:rPr>
+              <a:t>instinct</a:t>
+            </a:r>
+            <a:endParaRPr lang="de-DE" sz="2000" b="1" dirty="0">
+              <a:solidFill>
+                <a:srgbClr val="00B050"/>
+              </a:solidFill>
+            </a:endParaRPr>
+          </a:p>
+          <a:p>
+            <a:pPr marL="285750" indent="-285750">
               <a:buFont typeface="Arial" panose="020B0604020202020204" pitchFamily="34" charset="0"/>
               <a:buChar char="•"/>
-            </a:lvl6pPr>
-            <a:lvl7pPr marL="2971800" indent="-228600">
-              <a:lnSpc>
-                <a:spcPct val="90000"/>
-              </a:lnSpc>
-              <a:spcBef>
-                <a:spcPts val="500"/>
-              </a:spcBef>
-              <a:buFont typeface="Arial" panose="020B0604020202020204" pitchFamily="34" charset="0"/>
-              <a:buChar char="•"/>
-            </a:lvl7pPr>
-            <a:lvl8pPr marL="3429000" indent="-228600">
-              <a:lnSpc>
-                <a:spcPct val="90000"/>
-              </a:lnSpc>
-              <a:spcBef>
-                <a:spcPts val="500"/>
-              </a:spcBef>
-              <a:buFont typeface="Arial" panose="020B0604020202020204" pitchFamily="34" charset="0"/>
-              <a:buChar char="•"/>
-            </a:lvl8pPr>
-            <a:lvl9pPr marL="3886200" indent="-228600">
-              <a:lnSpc>
-                <a:spcPct val="90000"/>
-              </a:lnSpc>
-              <a:spcBef>
-                <a:spcPts val="500"/>
-              </a:spcBef>
-              <a:buFont typeface="Arial" panose="020B0604020202020204" pitchFamily="34" charset="0"/>
-              <a:buChar char="•"/>
-            </a:lvl9pPr>
-          </a:lstStyle>
-          <a:p>
-            <a:pPr marL="0" indent="0">
-              <a:buNone/>
             </a:pPr>
             <a:r>
-              <a:rPr lang="en-US" sz="2400" dirty="0"/>
-              <a:t>A: "Can I drive? "</a:t>
-            </a:r>
-          </a:p>
-          <a:p>
-            <a:pPr marL="0" indent="0">
-              <a:buNone/>
-            </a:pPr>
-            <a:r>
-              <a:rPr lang="en-US" sz="2400" dirty="0"/>
-              <a:t>B: "No, traffic light is red."</a:t>
-            </a:r>
-          </a:p>
-          <a:p>
-            <a:pPr marL="0" indent="0">
-              <a:buNone/>
-            </a:pPr>
-            <a:r>
-              <a:rPr lang="en-US" sz="2400" dirty="0">
+              <a:rPr lang="de-DE" sz="2000" b="1" dirty="0">
                 <a:solidFill>
-                  <a:schemeClr val="bg1">
-                    <a:lumMod val="50000"/>
-                  </a:schemeClr>
+                  <a:srgbClr val="00B050"/>
                 </a:solidFill>
               </a:rPr>
-              <a:t>…</a:t>
-            </a:r>
-          </a:p>
-          <a:p>
-            <a:pPr marL="0" indent="0">
-              <a:buNone/>
-            </a:pPr>
-            <a:r>
-              <a:rPr lang="en-US" sz="2400" dirty="0"/>
-              <a:t>A: " Can I drive now? "</a:t>
-            </a:r>
-          </a:p>
-          <a:p>
-            <a:pPr marL="0" indent="0">
-              <a:buNone/>
-            </a:pPr>
-            <a:r>
-              <a:rPr lang="en-US" sz="2400" dirty="0"/>
-              <a:t>B: "Yes, now it's green."</a:t>
-            </a:r>
-            <a:endParaRPr lang="de-DE" sz="2400" dirty="0"/>
-          </a:p>
-        </p:txBody>
-      </p:sp>
-    </p:spTree>
-    <p:extLst>
-      <p:ext uri="{BB962C8B-B14F-4D97-AF65-F5344CB8AC3E}">
-        <p14:creationId xmlns:p14="http://schemas.microsoft.com/office/powerpoint/2010/main" val="273764425"/>
-      </p:ext>
-    </p:extLst>
-  </p:cSld>
-  <p:clrMapOvr>
-    <a:masterClrMapping/>
-  </p:clrMapOvr>
-</p:sld>
-</file>
-
-<file path=ppt/slides/slide6.xml><?xml version="1.0" encoding="utf-8"?>
-<p:sld xmlns:a="http://schemas.openxmlformats.org/drawingml/2006/main" xmlns:r="http://schemas.openxmlformats.org/officeDocument/2006/relationships" xmlns:p="http://schemas.openxmlformats.org/presentationml/2006/main">
-  <p:cSld>
-    <p:spTree>
-      <p:nvGrpSpPr>
-        <p:cNvPr id="1" name=""/>
-        <p:cNvGrpSpPr/>
-        <p:nvPr/>
-      </p:nvGrpSpPr>
-      <p:grpSpPr>
-        <a:xfrm>
-          <a:off x="0" y="0"/>
-          <a:ext cx="0" cy="0"/>
-          <a:chOff x="0" y="0"/>
-          <a:chExt cx="0" cy="0"/>
-        </a:xfrm>
-      </p:grpSpPr>
-      <p:sp>
-        <p:nvSpPr>
-          <p:cNvPr id="2" name="Titel 1">
-            <a:extLst>
-              <a:ext uri="{FF2B5EF4-FFF2-40B4-BE49-F238E27FC236}">
-                <a16:creationId xmlns:a16="http://schemas.microsoft.com/office/drawing/2014/main" id="{D1EB097B-78C9-9468-544B-2144580E3780}"/>
-              </a:ext>
-            </a:extLst>
-          </p:cNvPr>
-          <p:cNvSpPr>
-            <a:spLocks noGrp="1"/>
-          </p:cNvSpPr>
-          <p:nvPr>
-            <p:ph type="title"/>
-          </p:nvPr>
-        </p:nvSpPr>
-        <p:spPr/>
-        <p:txBody>
-          <a:bodyPr/>
-          <a:lstStyle/>
-          <a:p>
-            <a:r>
-              <a:rPr lang="en-US" dirty="0"/>
-              <a:t>State Definition</a:t>
-            </a:r>
-            <a:endParaRPr lang="de-DE" dirty="0"/>
+              <a:t>Error-Proof</a:t>
+            </a:r>
           </a:p>
         </p:txBody>
       </p:sp>
       <p:pic>
         <p:nvPicPr>
-          <p:cNvPr id="5" name="Inhaltsplatzhalter 4" descr="Ein Bild, das draußen, Transport, Landfahrzeug, Ampel enthält.&#10;&#10;Automatisch generierte Beschreibung">
+          <p:cNvPr id="4" name="Grafik 3">
             <a:extLst>
               <a:ext uri="{FF2B5EF4-FFF2-40B4-BE49-F238E27FC236}">
-                <a16:creationId xmlns:a16="http://schemas.microsoft.com/office/drawing/2014/main" id="{0CD93179-9684-FE97-489B-27B61CA93C29}"/>
-              </a:ext>
-            </a:extLst>
-          </p:cNvPr>
-          <p:cNvPicPr>
-            <a:picLocks noGrp="1" noChangeAspect="1"/>
-          </p:cNvPicPr>
-          <p:nvPr>
-            <p:ph idx="1"/>
-          </p:nvPr>
-        </p:nvPicPr>
-        <p:blipFill>
-          <a:blip r:embed="rId3">
-            <a:extLst>
-              <a:ext uri="{28A0092B-C50C-407E-A947-70E740481C1C}">
-                <a14:useLocalDpi xmlns:a14="http://schemas.microsoft.com/office/drawing/2010/main" val="0"/>
-              </a:ext>
-            </a:extLst>
-          </a:blip>
-          <a:stretch>
-            <a:fillRect/>
-          </a:stretch>
-        </p:blipFill>
-        <p:spPr>
-          <a:xfrm>
-            <a:off x="4942236" y="549891"/>
-            <a:ext cx="1194287" cy="842152"/>
-          </a:xfrm>
-        </p:spPr>
-      </p:pic>
-      <p:sp>
-        <p:nvSpPr>
-          <p:cNvPr id="6" name="Textfeld 5">
-            <a:extLst>
-              <a:ext uri="{FF2B5EF4-FFF2-40B4-BE49-F238E27FC236}">
-                <a16:creationId xmlns:a16="http://schemas.microsoft.com/office/drawing/2014/main" id="{17B87CF4-2B7E-509A-1620-6E717A3312D8}"/>
-              </a:ext>
-            </a:extLst>
-          </p:cNvPr>
-          <p:cNvSpPr txBox="1"/>
-          <p:nvPr/>
-        </p:nvSpPr>
-        <p:spPr>
-          <a:xfrm>
-            <a:off x="6196424" y="598717"/>
-            <a:ext cx="5252075" cy="793326"/>
-          </a:xfrm>
-          <a:prstGeom prst="rect">
-            <a:avLst/>
-          </a:prstGeom>
-        </p:spPr>
-        <p:txBody>
-          <a:bodyPr vert="horz" lIns="91440" tIns="45720" rIns="91440" bIns="45720" rtlCol="0">
-            <a:noAutofit/>
-          </a:bodyPr>
-          <a:lstStyle>
-            <a:lvl1pPr marL="228600" indent="-228600">
-              <a:lnSpc>
-                <a:spcPct val="90000"/>
-              </a:lnSpc>
-              <a:spcBef>
-                <a:spcPts val="1000"/>
-              </a:spcBef>
-              <a:buFont typeface="Arial" panose="020B0604020202020204" pitchFamily="34" charset="0"/>
-              <a:buChar char="•"/>
-              <a:defRPr sz="2800"/>
-            </a:lvl1pPr>
-            <a:lvl2pPr marL="685800" indent="-228600">
-              <a:lnSpc>
-                <a:spcPct val="90000"/>
-              </a:lnSpc>
-              <a:spcBef>
-                <a:spcPts val="500"/>
-              </a:spcBef>
-              <a:buFont typeface="Arial" panose="020B0604020202020204" pitchFamily="34" charset="0"/>
-              <a:buChar char="•"/>
-              <a:defRPr sz="2400"/>
-            </a:lvl2pPr>
-            <a:lvl3pPr marL="1143000" indent="-228600">
-              <a:lnSpc>
-                <a:spcPct val="90000"/>
-              </a:lnSpc>
-              <a:spcBef>
-                <a:spcPts val="500"/>
-              </a:spcBef>
-              <a:buFont typeface="Arial" panose="020B0604020202020204" pitchFamily="34" charset="0"/>
-              <a:buChar char="•"/>
-              <a:defRPr sz="2000"/>
-            </a:lvl3pPr>
-            <a:lvl4pPr marL="1600200" indent="-228600">
-              <a:lnSpc>
-                <a:spcPct val="90000"/>
-              </a:lnSpc>
-              <a:spcBef>
-                <a:spcPts val="500"/>
-              </a:spcBef>
-              <a:buFont typeface="Arial" panose="020B0604020202020204" pitchFamily="34" charset="0"/>
-              <a:buChar char="•"/>
-            </a:lvl4pPr>
-            <a:lvl5pPr marL="2057400" indent="-228600">
-              <a:lnSpc>
-                <a:spcPct val="90000"/>
-              </a:lnSpc>
-              <a:spcBef>
-                <a:spcPts val="500"/>
-              </a:spcBef>
-              <a:buFont typeface="Arial" panose="020B0604020202020204" pitchFamily="34" charset="0"/>
-              <a:buChar char="•"/>
-            </a:lvl5pPr>
-            <a:lvl6pPr marL="2514600" indent="-228600">
-              <a:lnSpc>
-                <a:spcPct val="90000"/>
-              </a:lnSpc>
-              <a:spcBef>
-                <a:spcPts val="500"/>
-              </a:spcBef>
-              <a:buFont typeface="Arial" panose="020B0604020202020204" pitchFamily="34" charset="0"/>
-              <a:buChar char="•"/>
-            </a:lvl6pPr>
-            <a:lvl7pPr marL="2971800" indent="-228600">
-              <a:lnSpc>
-                <a:spcPct val="90000"/>
-              </a:lnSpc>
-              <a:spcBef>
-                <a:spcPts val="500"/>
-              </a:spcBef>
-              <a:buFont typeface="Arial" panose="020B0604020202020204" pitchFamily="34" charset="0"/>
-              <a:buChar char="•"/>
-            </a:lvl7pPr>
-            <a:lvl8pPr marL="3429000" indent="-228600">
-              <a:lnSpc>
-                <a:spcPct val="90000"/>
-              </a:lnSpc>
-              <a:spcBef>
-                <a:spcPts val="500"/>
-              </a:spcBef>
-              <a:buFont typeface="Arial" panose="020B0604020202020204" pitchFamily="34" charset="0"/>
-              <a:buChar char="•"/>
-            </a:lvl8pPr>
-            <a:lvl9pPr marL="3886200" indent="-228600">
-              <a:lnSpc>
-                <a:spcPct val="90000"/>
-              </a:lnSpc>
-              <a:spcBef>
-                <a:spcPts val="500"/>
-              </a:spcBef>
-              <a:buFont typeface="Arial" panose="020B0604020202020204" pitchFamily="34" charset="0"/>
-              <a:buChar char="•"/>
-            </a:lvl9pPr>
-          </a:lstStyle>
-          <a:p>
-            <a:pPr marL="0" indent="0">
-              <a:buNone/>
-            </a:pPr>
-            <a:r>
-              <a:rPr lang="en-US" sz="1600" dirty="0"/>
-              <a:t>Can I drive?             | No, traffic light is red.</a:t>
-            </a:r>
-          </a:p>
-          <a:p>
-            <a:pPr marL="0" indent="0">
-              <a:buNone/>
-            </a:pPr>
-            <a:r>
-              <a:rPr lang="en-US" sz="1600" dirty="0"/>
-              <a:t>Can I drive now?    | Yes, now it's green.</a:t>
-            </a:r>
-            <a:endParaRPr lang="de-DE" sz="1600" dirty="0"/>
-          </a:p>
-        </p:txBody>
-      </p:sp>
-      <p:sp>
-        <p:nvSpPr>
-          <p:cNvPr id="3" name="Textfeld 2">
-            <a:extLst>
-              <a:ext uri="{FF2B5EF4-FFF2-40B4-BE49-F238E27FC236}">
-                <a16:creationId xmlns:a16="http://schemas.microsoft.com/office/drawing/2014/main" id="{E22EE448-16D9-7E89-23CE-3EBC19DE93D3}"/>
-              </a:ext>
-            </a:extLst>
-          </p:cNvPr>
-          <p:cNvSpPr txBox="1"/>
-          <p:nvPr/>
-        </p:nvSpPr>
-        <p:spPr>
-          <a:xfrm>
-            <a:off x="601670" y="1625635"/>
-            <a:ext cx="11189508" cy="4995340"/>
-          </a:xfrm>
-          <a:prstGeom prst="rect">
-            <a:avLst/>
-          </a:prstGeom>
-        </p:spPr>
-        <p:txBody>
-          <a:bodyPr vert="horz" lIns="91440" tIns="45720" rIns="91440" bIns="45720" rtlCol="0">
-            <a:noAutofit/>
-          </a:bodyPr>
-          <a:lstStyle>
-            <a:lvl1pPr marL="228600" indent="-228600">
-              <a:lnSpc>
-                <a:spcPct val="90000"/>
-              </a:lnSpc>
-              <a:spcBef>
-                <a:spcPts val="1000"/>
-              </a:spcBef>
-              <a:buFont typeface="Arial" panose="020B0604020202020204" pitchFamily="34" charset="0"/>
-              <a:buChar char="•"/>
-              <a:defRPr sz="2800"/>
-            </a:lvl1pPr>
-            <a:lvl2pPr marL="685800" indent="-228600">
-              <a:lnSpc>
-                <a:spcPct val="90000"/>
-              </a:lnSpc>
-              <a:spcBef>
-                <a:spcPts val="500"/>
-              </a:spcBef>
-              <a:buFont typeface="Arial" panose="020B0604020202020204" pitchFamily="34" charset="0"/>
-              <a:buChar char="•"/>
-              <a:defRPr sz="2400"/>
-            </a:lvl2pPr>
-            <a:lvl3pPr marL="1143000" indent="-228600">
-              <a:lnSpc>
-                <a:spcPct val="90000"/>
-              </a:lnSpc>
-              <a:spcBef>
-                <a:spcPts val="500"/>
-              </a:spcBef>
-              <a:buFont typeface="Arial" panose="020B0604020202020204" pitchFamily="34" charset="0"/>
-              <a:buChar char="•"/>
-              <a:defRPr sz="2000"/>
-            </a:lvl3pPr>
-            <a:lvl4pPr marL="1600200" indent="-228600">
-              <a:lnSpc>
-                <a:spcPct val="90000"/>
-              </a:lnSpc>
-              <a:spcBef>
-                <a:spcPts val="500"/>
-              </a:spcBef>
-              <a:buFont typeface="Arial" panose="020B0604020202020204" pitchFamily="34" charset="0"/>
-              <a:buChar char="•"/>
-            </a:lvl4pPr>
-            <a:lvl5pPr marL="2057400" indent="-228600">
-              <a:lnSpc>
-                <a:spcPct val="90000"/>
-              </a:lnSpc>
-              <a:spcBef>
-                <a:spcPts val="500"/>
-              </a:spcBef>
-              <a:buFont typeface="Arial" panose="020B0604020202020204" pitchFamily="34" charset="0"/>
-              <a:buChar char="•"/>
-            </a:lvl5pPr>
-            <a:lvl6pPr marL="2514600" indent="-228600">
-              <a:lnSpc>
-                <a:spcPct val="90000"/>
-              </a:lnSpc>
-              <a:spcBef>
-                <a:spcPts val="500"/>
-              </a:spcBef>
-              <a:buFont typeface="Arial" panose="020B0604020202020204" pitchFamily="34" charset="0"/>
-              <a:buChar char="•"/>
-            </a:lvl6pPr>
-            <a:lvl7pPr marL="2971800" indent="-228600">
-              <a:lnSpc>
-                <a:spcPct val="90000"/>
-              </a:lnSpc>
-              <a:spcBef>
-                <a:spcPts val="500"/>
-              </a:spcBef>
-              <a:buFont typeface="Arial" panose="020B0604020202020204" pitchFamily="34" charset="0"/>
-              <a:buChar char="•"/>
-            </a:lvl7pPr>
-            <a:lvl8pPr marL="3429000" indent="-228600">
-              <a:lnSpc>
-                <a:spcPct val="90000"/>
-              </a:lnSpc>
-              <a:spcBef>
-                <a:spcPts val="500"/>
-              </a:spcBef>
-              <a:buFont typeface="Arial" panose="020B0604020202020204" pitchFamily="34" charset="0"/>
-              <a:buChar char="•"/>
-            </a:lvl8pPr>
-            <a:lvl9pPr marL="3886200" indent="-228600">
-              <a:lnSpc>
-                <a:spcPct val="90000"/>
-              </a:lnSpc>
-              <a:spcBef>
-                <a:spcPts val="500"/>
-              </a:spcBef>
-              <a:buFont typeface="Arial" panose="020B0604020202020204" pitchFamily="34" charset="0"/>
-              <a:buChar char="•"/>
-            </a:lvl9pPr>
-          </a:lstStyle>
-          <a:p>
-            <a:pPr marL="0" indent="0">
-              <a:buNone/>
-            </a:pPr>
-            <a:r>
-              <a:rPr lang="en-US" sz="2400" dirty="0"/>
-              <a:t>Dissecting the conversation - what to learn?</a:t>
-            </a:r>
-          </a:p>
-          <a:p>
-            <a:pPr marL="514350" indent="-514350">
-              <a:buFont typeface="+mj-lt"/>
-              <a:buAutoNum type="alphaLcPeriod"/>
-            </a:pPr>
-            <a:r>
-              <a:rPr lang="en-US" sz="2400" dirty="0"/>
-              <a:t>Values Changing over Time:</a:t>
-            </a:r>
-          </a:p>
-          <a:p>
-            <a:pPr lvl="1"/>
-            <a:r>
-              <a:rPr lang="en-US" sz="1600" dirty="0"/>
-              <a:t>A traffic light has values, and they can change over time.</a:t>
-            </a:r>
-          </a:p>
-          <a:p>
-            <a:pPr marL="514350" indent="-514350">
-              <a:buFont typeface="+mj-lt"/>
-              <a:buAutoNum type="alphaLcPeriod"/>
-            </a:pPr>
-            <a:r>
-              <a:rPr lang="en-US" sz="2400" dirty="0"/>
-              <a:t>Identifiable “things”:</a:t>
-            </a:r>
-          </a:p>
-          <a:p>
-            <a:pPr lvl="1"/>
-            <a:r>
-              <a:rPr lang="en-US" sz="1600" dirty="0"/>
-              <a:t>Nevertheless (the values can change), we can talk about "that" traffic light - it’s (uniquely) </a:t>
-            </a:r>
-            <a:r>
-              <a:rPr lang="en-US" sz="1600" dirty="0" err="1"/>
-              <a:t>identifyable</a:t>
-            </a:r>
-            <a:r>
-              <a:rPr lang="en-US" sz="1600" dirty="0"/>
-              <a:t> independent of the changing values.</a:t>
-            </a:r>
-          </a:p>
-          <a:p>
-            <a:pPr lvl="1"/>
-            <a:r>
-              <a:rPr lang="en-US" sz="1600" dirty="0"/>
-              <a:t>Usually: A unique, invariant, absolute location in a finite address space as identifier.</a:t>
-            </a:r>
-          </a:p>
-          <a:p>
-            <a:pPr marL="514350" indent="-514350">
-              <a:buFont typeface="+mj-lt"/>
-              <a:buAutoNum type="alphaLcPeriod"/>
-            </a:pPr>
-            <a:r>
-              <a:rPr lang="en-US" sz="2400" dirty="0"/>
-              <a:t>Sharable / </a:t>
-            </a:r>
-            <a:r>
-              <a:rPr lang="en-US" sz="2400" dirty="0" err="1"/>
-              <a:t>Revisitable</a:t>
-            </a:r>
-            <a:r>
-              <a:rPr lang="en-US" sz="2400" dirty="0"/>
-              <a:t>:</a:t>
-            </a:r>
-          </a:p>
-          <a:p>
-            <a:pPr lvl="1"/>
-            <a:r>
-              <a:rPr lang="en-US" sz="1600" dirty="0"/>
-              <a:t>Different people can refer to the same thing</a:t>
-            </a:r>
-          </a:p>
-          <a:p>
-            <a:pPr lvl="1"/>
-            <a:r>
-              <a:rPr lang="en-US" sz="1600" dirty="0"/>
-              <a:t>OR: "that thing" is </a:t>
-            </a:r>
-            <a:r>
-              <a:rPr lang="en-US" sz="1600" dirty="0" err="1"/>
-              <a:t>referencable</a:t>
-            </a:r>
-            <a:r>
-              <a:rPr lang="en-US" sz="1600" dirty="0"/>
-              <a:t> now, and at another point in time (it's still "that thing").</a:t>
-            </a:r>
-          </a:p>
-          <a:p>
-            <a:pPr marL="0" indent="0">
-              <a:buNone/>
-            </a:pPr>
-            <a:br>
-              <a:rPr lang="en-US" sz="1400" dirty="0"/>
-            </a:br>
-            <a:r>
-              <a:rPr lang="en-US" sz="2400" dirty="0"/>
-              <a:t>If all 3 properties occur together, then they become </a:t>
-            </a:r>
-            <a:r>
-              <a:rPr lang="en-US" sz="2400" u="sng" dirty="0"/>
-              <a:t>relevant</a:t>
-            </a:r>
-            <a:r>
-              <a:rPr lang="en-US" sz="2400" dirty="0"/>
-              <a:t> as a whole.</a:t>
-            </a:r>
-          </a:p>
-          <a:p>
-            <a:pPr marL="0" indent="0">
-              <a:buNone/>
-            </a:pPr>
-            <a:r>
-              <a:rPr lang="en-US" sz="2400" dirty="0"/>
-              <a:t>This relevance, we express with the word “</a:t>
-            </a:r>
-            <a:r>
-              <a:rPr lang="en-US" sz="2400" u="sng" dirty="0"/>
-              <a:t>state</a:t>
-            </a:r>
-            <a:r>
-              <a:rPr lang="en-US" sz="2400" dirty="0"/>
-              <a:t>”.</a:t>
-            </a:r>
-          </a:p>
-          <a:p>
-            <a:pPr marL="0" indent="0">
-              <a:buNone/>
-            </a:pPr>
-            <a:r>
-              <a:rPr lang="en-US" sz="2400" dirty="0"/>
-              <a:t>“S</a:t>
-            </a:r>
-            <a:r>
-              <a:rPr lang="en-US" sz="2400" u="sng" dirty="0"/>
-              <a:t>tate</a:t>
-            </a:r>
-            <a:r>
-              <a:rPr lang="en-US" sz="2400" dirty="0"/>
-              <a:t>” is not only the changing values over time – it’s these 3 properties.</a:t>
-            </a:r>
-            <a:endParaRPr lang="de-DE" sz="2400" dirty="0"/>
-          </a:p>
-        </p:txBody>
-      </p:sp>
-    </p:spTree>
-    <p:extLst>
-      <p:ext uri="{BB962C8B-B14F-4D97-AF65-F5344CB8AC3E}">
-        <p14:creationId xmlns:p14="http://schemas.microsoft.com/office/powerpoint/2010/main" val="2073988899"/>
-      </p:ext>
-    </p:extLst>
-  </p:cSld>
-  <p:clrMapOvr>
-    <a:masterClrMapping/>
-  </p:clrMapOvr>
-</p:sld>
-</file>
-
-<file path=ppt/slides/slide7.xml><?xml version="1.0" encoding="utf-8"?>
-<p:sld xmlns:a="http://schemas.openxmlformats.org/drawingml/2006/main" xmlns:r="http://schemas.openxmlformats.org/officeDocument/2006/relationships" xmlns:p="http://schemas.openxmlformats.org/presentationml/2006/main">
-  <p:cSld>
-    <p:spTree>
-      <p:nvGrpSpPr>
-        <p:cNvPr id="1" name=""/>
-        <p:cNvGrpSpPr/>
-        <p:nvPr/>
-      </p:nvGrpSpPr>
-      <p:grpSpPr>
-        <a:xfrm>
-          <a:off x="0" y="0"/>
-          <a:ext cx="0" cy="0"/>
-          <a:chOff x="0" y="0"/>
-          <a:chExt cx="0" cy="0"/>
-        </a:xfrm>
-      </p:grpSpPr>
-      <p:sp>
-        <p:nvSpPr>
-          <p:cNvPr id="6" name="Textfeld 5">
-            <a:extLst>
-              <a:ext uri="{FF2B5EF4-FFF2-40B4-BE49-F238E27FC236}">
-                <a16:creationId xmlns:a16="http://schemas.microsoft.com/office/drawing/2014/main" id="{9B0C810E-8EF5-8D68-BF26-68051554FA5A}"/>
-              </a:ext>
-            </a:extLst>
-          </p:cNvPr>
-          <p:cNvSpPr txBox="1"/>
-          <p:nvPr/>
-        </p:nvSpPr>
-        <p:spPr>
-          <a:xfrm>
-            <a:off x="220511" y="244050"/>
-            <a:ext cx="4214434" cy="3532069"/>
-          </a:xfrm>
-          <a:prstGeom prst="rect">
-            <a:avLst/>
-          </a:prstGeom>
-        </p:spPr>
-        <p:txBody>
-          <a:bodyPr vert="horz" lIns="91440" tIns="45720" rIns="91440" bIns="45720" rtlCol="0">
-            <a:noAutofit/>
-          </a:bodyPr>
-          <a:lstStyle>
-            <a:lvl1pPr marL="228600" indent="-228600">
-              <a:lnSpc>
-                <a:spcPct val="90000"/>
-              </a:lnSpc>
-              <a:spcBef>
-                <a:spcPts val="1000"/>
-              </a:spcBef>
-              <a:buFont typeface="Arial" panose="020B0604020202020204" pitchFamily="34" charset="0"/>
-              <a:buChar char="•"/>
-              <a:defRPr sz="2800"/>
-            </a:lvl1pPr>
-            <a:lvl2pPr marL="685800" indent="-228600">
-              <a:lnSpc>
-                <a:spcPct val="90000"/>
-              </a:lnSpc>
-              <a:spcBef>
-                <a:spcPts val="500"/>
-              </a:spcBef>
-              <a:buFont typeface="Arial" panose="020B0604020202020204" pitchFamily="34" charset="0"/>
-              <a:buChar char="•"/>
-              <a:defRPr sz="2400"/>
-            </a:lvl2pPr>
-            <a:lvl3pPr marL="1143000" indent="-228600">
-              <a:lnSpc>
-                <a:spcPct val="90000"/>
-              </a:lnSpc>
-              <a:spcBef>
-                <a:spcPts val="500"/>
-              </a:spcBef>
-              <a:buFont typeface="Arial" panose="020B0604020202020204" pitchFamily="34" charset="0"/>
-              <a:buChar char="•"/>
-              <a:defRPr sz="2000"/>
-            </a:lvl3pPr>
-            <a:lvl4pPr marL="1600200" indent="-228600">
-              <a:lnSpc>
-                <a:spcPct val="90000"/>
-              </a:lnSpc>
-              <a:spcBef>
-                <a:spcPts val="500"/>
-              </a:spcBef>
-              <a:buFont typeface="Arial" panose="020B0604020202020204" pitchFamily="34" charset="0"/>
-              <a:buChar char="•"/>
-            </a:lvl4pPr>
-            <a:lvl5pPr marL="2057400" indent="-228600">
-              <a:lnSpc>
-                <a:spcPct val="90000"/>
-              </a:lnSpc>
-              <a:spcBef>
-                <a:spcPts val="500"/>
-              </a:spcBef>
-              <a:buFont typeface="Arial" panose="020B0604020202020204" pitchFamily="34" charset="0"/>
-              <a:buChar char="•"/>
-            </a:lvl5pPr>
-            <a:lvl6pPr marL="2514600" indent="-228600">
-              <a:lnSpc>
-                <a:spcPct val="90000"/>
-              </a:lnSpc>
-              <a:spcBef>
-                <a:spcPts val="500"/>
-              </a:spcBef>
-              <a:buFont typeface="Arial" panose="020B0604020202020204" pitchFamily="34" charset="0"/>
-              <a:buChar char="•"/>
-            </a:lvl6pPr>
-            <a:lvl7pPr marL="2971800" indent="-228600">
-              <a:lnSpc>
-                <a:spcPct val="90000"/>
-              </a:lnSpc>
-              <a:spcBef>
-                <a:spcPts val="500"/>
-              </a:spcBef>
-              <a:buFont typeface="Arial" panose="020B0604020202020204" pitchFamily="34" charset="0"/>
-              <a:buChar char="•"/>
-            </a:lvl7pPr>
-            <a:lvl8pPr marL="3429000" indent="-228600">
-              <a:lnSpc>
-                <a:spcPct val="90000"/>
-              </a:lnSpc>
-              <a:spcBef>
-                <a:spcPts val="500"/>
-              </a:spcBef>
-              <a:buFont typeface="Arial" panose="020B0604020202020204" pitchFamily="34" charset="0"/>
-              <a:buChar char="•"/>
-            </a:lvl8pPr>
-            <a:lvl9pPr marL="3886200" indent="-228600">
-              <a:lnSpc>
-                <a:spcPct val="90000"/>
-              </a:lnSpc>
-              <a:spcBef>
-                <a:spcPts val="500"/>
-              </a:spcBef>
-              <a:buFont typeface="Arial" panose="020B0604020202020204" pitchFamily="34" charset="0"/>
-              <a:buChar char="•"/>
-            </a:lvl9pPr>
-          </a:lstStyle>
-          <a:p>
-            <a:pPr marL="0" indent="0">
-              <a:buNone/>
-            </a:pPr>
-            <a:r>
-              <a:rPr lang="en-US" sz="2400" b="1" dirty="0"/>
-              <a:t>Objects:</a:t>
-            </a:r>
-          </a:p>
-          <a:p>
-            <a:r>
-              <a:rPr lang="en-US" sz="2400" dirty="0"/>
-              <a:t>Values Changing over Time</a:t>
-            </a:r>
-          </a:p>
-          <a:p>
-            <a:r>
-              <a:rPr lang="en-US" sz="2400" dirty="0"/>
-              <a:t>Identifiable </a:t>
-            </a:r>
-            <a:r>
-              <a:rPr lang="en-US" sz="1600" dirty="0"/>
-              <a:t>(via unique, invariant, absolute location in a finite address space)</a:t>
-            </a:r>
-          </a:p>
-          <a:p>
-            <a:r>
-              <a:rPr lang="en-US" sz="2400" dirty="0"/>
-              <a:t>Sharable / </a:t>
-            </a:r>
-            <a:r>
-              <a:rPr lang="en-US" sz="2400" dirty="0" err="1"/>
-              <a:t>Revisitable</a:t>
-            </a:r>
-            <a:endParaRPr lang="en-US" sz="2400" dirty="0"/>
-          </a:p>
-          <a:p>
-            <a:r>
-              <a:rPr lang="en-US" sz="1600" dirty="0"/>
-              <a:t>(+ access restriction for the changing values by encapsulation)</a:t>
-            </a:r>
-          </a:p>
-          <a:p>
-            <a:pPr marL="0" indent="0">
-              <a:buNone/>
-            </a:pPr>
-            <a:endParaRPr lang="de-DE" sz="2400" dirty="0"/>
-          </a:p>
-          <a:p>
-            <a:pPr marL="0" indent="0">
-              <a:buNone/>
-            </a:pPr>
-            <a:endParaRPr lang="de-DE" sz="2400" dirty="0"/>
-          </a:p>
-        </p:txBody>
-      </p:sp>
-      <p:pic>
-        <p:nvPicPr>
-          <p:cNvPr id="26" name="Grafik 25">
-            <a:extLst>
-              <a:ext uri="{FF2B5EF4-FFF2-40B4-BE49-F238E27FC236}">
-                <a16:creationId xmlns:a16="http://schemas.microsoft.com/office/drawing/2014/main" id="{455BF6FB-29B8-39F6-E975-287D6100579D}"/>
+                <a16:creationId xmlns:a16="http://schemas.microsoft.com/office/drawing/2014/main" id="{F8D29C61-CF34-CCEA-CB82-9FD3CFCC350E}"/>
               </a:ext>
             </a:extLst>
           </p:cNvPr>
@@ -6090,119 +5996,53 @@
         </p:blipFill>
         <p:spPr>
           <a:xfrm>
-            <a:off x="6658512" y="327703"/>
-            <a:ext cx="4821589" cy="6283875"/>
+            <a:off x="6927952" y="4931665"/>
+            <a:ext cx="4028904" cy="1349363"/>
           </a:xfrm>
           <a:prstGeom prst="rect">
             <a:avLst/>
           </a:prstGeom>
         </p:spPr>
       </p:pic>
-      <p:pic>
-        <p:nvPicPr>
-          <p:cNvPr id="28" name="Grafik 27">
+      <p:sp>
+        <p:nvSpPr>
+          <p:cNvPr id="5" name="Textfeld 4">
             <a:extLst>
               <a:ext uri="{FF2B5EF4-FFF2-40B4-BE49-F238E27FC236}">
-                <a16:creationId xmlns:a16="http://schemas.microsoft.com/office/drawing/2014/main" id="{CFE6D2FF-1C09-CF5A-B089-AE48B00F50D2}"/>
+                <a16:creationId xmlns:a16="http://schemas.microsoft.com/office/drawing/2014/main" id="{92DC081E-3B5D-7FF2-9BC4-B14785AA7596}"/>
               </a:ext>
             </a:extLst>
           </p:cNvPr>
-          <p:cNvPicPr>
-            <a:picLocks noChangeAspect="1"/>
-          </p:cNvPicPr>
+          <p:cNvSpPr txBox="1"/>
           <p:nvPr/>
-        </p:nvPicPr>
-        <p:blipFill>
-          <a:blip r:embed="rId4"/>
-          <a:stretch>
-            <a:fillRect/>
-          </a:stretch>
-        </p:blipFill>
+        </p:nvSpPr>
         <p:spPr>
           <a:xfrm>
-            <a:off x="462753" y="2902678"/>
-            <a:ext cx="5070736" cy="2772289"/>
+            <a:off x="6872767" y="4418141"/>
+            <a:ext cx="1366336" cy="400110"/>
           </a:xfrm>
           <a:prstGeom prst="rect">
             <a:avLst/>
           </a:prstGeom>
+          <a:noFill/>
         </p:spPr>
-      </p:pic>
-      <p:pic>
-        <p:nvPicPr>
-          <p:cNvPr id="12" name="Inhaltsplatzhalter 11" descr="Ein Bild, das Apfel, Kinderkunst, Zeichnung, Clipart enthält.&#10;&#10;Automatisch generierte Beschreibung">
-            <a:extLst>
-              <a:ext uri="{FF2B5EF4-FFF2-40B4-BE49-F238E27FC236}">
-                <a16:creationId xmlns:a16="http://schemas.microsoft.com/office/drawing/2014/main" id="{784B88CA-6624-1DF8-6BBE-3B77D9F2026E}"/>
-              </a:ext>
-            </a:extLst>
-          </p:cNvPr>
-          <p:cNvPicPr>
-            <a:picLocks noGrp="1" noChangeAspect="1"/>
-          </p:cNvPicPr>
-          <p:nvPr>
-            <p:ph idx="1"/>
-          </p:nvPr>
-        </p:nvPicPr>
-        <p:blipFill>
-          <a:blip r:embed="rId5">
-            <a:extLst>
-              <a:ext uri="{28A0092B-C50C-407E-A947-70E740481C1C}">
-                <a14:useLocalDpi xmlns:a14="http://schemas.microsoft.com/office/drawing/2010/main" val="0"/>
-              </a:ext>
-            </a:extLst>
-          </a:blip>
-          <a:stretch>
-            <a:fillRect/>
-          </a:stretch>
-        </p:blipFill>
-        <p:spPr>
-          <a:xfrm>
-            <a:off x="3953591" y="4395509"/>
-            <a:ext cx="2451407" cy="2363525"/>
-          </a:xfrm>
-        </p:spPr>
-      </p:pic>
-      <p:pic>
-        <p:nvPicPr>
-          <p:cNvPr id="14" name="Grafik 13" descr="Ein Bild, das Screenshot, Text, Zahl, Display enthält.&#10;&#10;Automatisch generierte Beschreibung">
-            <a:extLst>
-              <a:ext uri="{FF2B5EF4-FFF2-40B4-BE49-F238E27FC236}">
-                <a16:creationId xmlns:a16="http://schemas.microsoft.com/office/drawing/2014/main" id="{107EEC5B-0F90-EA10-83F1-5F2DB10DCA62}"/>
-              </a:ext>
-            </a:extLst>
-          </p:cNvPr>
-          <p:cNvPicPr>
-            <a:picLocks noChangeAspect="1"/>
-          </p:cNvPicPr>
-          <p:nvPr/>
-        </p:nvPicPr>
-        <p:blipFill>
-          <a:blip r:embed="rId6">
-            <a:extLst>
-              <a:ext uri="{28A0092B-C50C-407E-A947-70E740481C1C}">
-                <a14:useLocalDpi xmlns:a14="http://schemas.microsoft.com/office/drawing/2010/main" val="0"/>
-              </a:ext>
-            </a:extLst>
-          </a:blip>
-          <a:stretch>
-            <a:fillRect/>
-          </a:stretch>
-        </p:blipFill>
-        <p:spPr>
-          <a:xfrm>
-            <a:off x="182596" y="4479016"/>
-            <a:ext cx="1905196" cy="2280018"/>
-          </a:xfrm>
-          <a:prstGeom prst="rect">
-            <a:avLst/>
-          </a:prstGeom>
-        </p:spPr>
-      </p:pic>
+        <p:txBody>
+          <a:bodyPr wrap="none" rtlCol="0">
+            <a:spAutoFit/>
+          </a:bodyPr>
+          <a:lstStyle/>
+          <a:p>
+            <a:r>
+              <a:rPr lang="de-DE" sz="2000" b="1" u="sng" dirty="0"/>
+              <a:t>Motivation</a:t>
+            </a:r>
+          </a:p>
+        </p:txBody>
+      </p:sp>
     </p:spTree>
     <p:extLst>
       <p:ext uri="{BB962C8B-B14F-4D97-AF65-F5344CB8AC3E}">
-        <p14:creationId xmlns:p14="http://schemas.microsoft.com/office/powerpoint/2010/main" val="4165525084"/>
+        <p14:creationId xmlns:p14="http://schemas.microsoft.com/office/powerpoint/2010/main" val="3468543436"/>
       </p:ext>
     </p:extLst>
   </p:cSld>
@@ -6212,171 +6052,7 @@
 </p:sld>
 </file>
 
-<file path=ppt/slides/slide8.xml><?xml version="1.0" encoding="utf-8"?>
-<p:sld xmlns:a="http://schemas.openxmlformats.org/drawingml/2006/main" xmlns:r="http://schemas.openxmlformats.org/officeDocument/2006/relationships" xmlns:p="http://schemas.openxmlformats.org/presentationml/2006/main">
-  <p:cSld>
-    <p:spTree>
-      <p:nvGrpSpPr>
-        <p:cNvPr id="1" name=""/>
-        <p:cNvGrpSpPr/>
-        <p:nvPr/>
-      </p:nvGrpSpPr>
-      <p:grpSpPr>
-        <a:xfrm>
-          <a:off x="0" y="0"/>
-          <a:ext cx="0" cy="0"/>
-          <a:chOff x="0" y="0"/>
-          <a:chExt cx="0" cy="0"/>
-        </a:xfrm>
-      </p:grpSpPr>
-      <p:sp>
-        <p:nvSpPr>
-          <p:cNvPr id="7" name="Titel 6">
-            <a:extLst>
-              <a:ext uri="{FF2B5EF4-FFF2-40B4-BE49-F238E27FC236}">
-                <a16:creationId xmlns:a16="http://schemas.microsoft.com/office/drawing/2014/main" id="{5DD9D229-1352-FFE0-FB2F-89AADE91D431}"/>
-              </a:ext>
-            </a:extLst>
-          </p:cNvPr>
-          <p:cNvSpPr>
-            <a:spLocks noGrp="1"/>
-          </p:cNvSpPr>
-          <p:nvPr>
-            <p:ph type="title"/>
-          </p:nvPr>
-        </p:nvSpPr>
-        <p:spPr>
-          <a:xfrm>
-            <a:off x="838200" y="840824"/>
-            <a:ext cx="10515600" cy="5581118"/>
-          </a:xfrm>
-        </p:spPr>
-        <p:txBody>
-          <a:bodyPr>
-            <a:normAutofit fontScale="90000"/>
-          </a:bodyPr>
-          <a:lstStyle/>
-          <a:p>
-            <a:pPr algn="ctr"/>
-            <a:r>
-              <a:rPr lang="en-US" dirty="0">
-                <a:solidFill>
-                  <a:schemeClr val="bg1">
-                    <a:lumMod val="50000"/>
-                  </a:schemeClr>
-                </a:solidFill>
-              </a:rPr>
-              <a:t>What is State?</a:t>
-            </a:r>
-            <a:br>
-              <a:rPr lang="en-US" dirty="0">
-                <a:solidFill>
-                  <a:schemeClr val="bg1">
-                    <a:lumMod val="50000"/>
-                  </a:schemeClr>
-                </a:solidFill>
-              </a:rPr>
-            </a:br>
-            <a:r>
-              <a:rPr lang="en-US" b="1" dirty="0"/>
-              <a:t>When do we care about it?</a:t>
-            </a:r>
-            <a:br>
-              <a:rPr lang="en-US" b="1" dirty="0"/>
-            </a:br>
-            <a:r>
-              <a:rPr lang="en-US" dirty="0">
-                <a:solidFill>
-                  <a:schemeClr val="bg1">
-                    <a:lumMod val="50000"/>
-                  </a:schemeClr>
-                </a:solidFill>
-              </a:rPr>
-              <a:t>How to deal with it?</a:t>
-            </a:r>
-            <a:br>
-              <a:rPr lang="en-US" dirty="0">
-                <a:solidFill>
-                  <a:schemeClr val="bg1">
-                    <a:lumMod val="50000"/>
-                  </a:schemeClr>
-                </a:solidFill>
-              </a:rPr>
-            </a:br>
-            <a:br>
-              <a:rPr lang="en-US" dirty="0"/>
-            </a:br>
-            <a:br>
-              <a:rPr lang="en-US" dirty="0"/>
-            </a:br>
-            <a:r>
-              <a:rPr lang="en-US" dirty="0"/>
-              <a:t>Answer: </a:t>
-            </a:r>
-            <a:r>
-              <a:rPr lang="en-US" b="1" dirty="0"/>
-              <a:t>Not always!</a:t>
-            </a:r>
-            <a:br>
-              <a:rPr lang="en-US" b="1" dirty="0"/>
-            </a:br>
-            <a:r>
-              <a:rPr lang="en-US" sz="2800" dirty="0"/>
-              <a:t>…or: </a:t>
-            </a:r>
-            <a:r>
-              <a:rPr lang="en-US" sz="2800" u="sng" dirty="0"/>
-              <a:t>not</a:t>
-            </a:r>
-            <a:r>
-              <a:rPr lang="en-US" sz="2800" dirty="0"/>
-              <a:t> as soon as there's state, we have to care about!</a:t>
-            </a:r>
-            <a:br>
-              <a:rPr lang="en-US" sz="2800" dirty="0"/>
-            </a:br>
-            <a:br>
-              <a:rPr lang="en-US" sz="2800" dirty="0"/>
-            </a:br>
-            <a:r>
-              <a:rPr lang="en-US" sz="2800" dirty="0"/>
-              <a:t>Sometimes we can leave state considerations aside</a:t>
-            </a:r>
-            <a:br>
-              <a:rPr lang="en-US" sz="2800" dirty="0"/>
-            </a:br>
-            <a:r>
-              <a:rPr lang="en-US" sz="2800" dirty="0"/>
-              <a:t>and focus on other aspects.</a:t>
-            </a:r>
-            <a:br>
-              <a:rPr lang="en-US" sz="2800" dirty="0"/>
-            </a:br>
-            <a:endParaRPr lang="de-DE" sz="2800" dirty="0">
-              <a:solidFill>
-                <a:schemeClr val="bg1">
-                  <a:lumMod val="50000"/>
-                </a:schemeClr>
-              </a:solidFill>
-              <a:latin typeface="+mn-lt"/>
-            </a:endParaRPr>
-          </a:p>
-        </p:txBody>
-      </p:sp>
-    </p:spTree>
-    <p:extLst>
-      <p:ext uri="{BB962C8B-B14F-4D97-AF65-F5344CB8AC3E}">
-        <p14:creationId xmlns:p14="http://schemas.microsoft.com/office/powerpoint/2010/main" val="1928597190"/>
-      </p:ext>
-    </p:extLst>
-  </p:cSld>
-  <p:clrMapOvr>
-    <a:masterClrMapping/>
-  </p:clrMapOvr>
-</p:sld>
-</file>
-
-<file path=ppt/slides/slide9.xml><?xml version="1.0" encoding="utf-8"?>
+<file path=ppt/slides/slide12.xml><?xml version="1.0" encoding="utf-8"?>
 <p:sld xmlns:a="http://schemas.openxmlformats.org/drawingml/2006/main" xmlns:r="http://schemas.openxmlformats.org/officeDocument/2006/relationships" xmlns:p="http://schemas.openxmlformats.org/presentationml/2006/main">
   <p:cSld>
     <p:spTree>
@@ -7144,6 +6820,4461 @@
     <p:extLst>
       <p:ext uri="{BB962C8B-B14F-4D97-AF65-F5344CB8AC3E}">
         <p14:creationId xmlns:p14="http://schemas.microsoft.com/office/powerpoint/2010/main" val="2952090943"/>
+      </p:ext>
+    </p:extLst>
+  </p:cSld>
+  <p:clrMapOvr>
+    <a:masterClrMapping/>
+  </p:clrMapOvr>
+</p:sld>
+</file>
+
+<file path=ppt/slides/slide2.xml><?xml version="1.0" encoding="utf-8"?>
+<p:sld xmlns:a="http://schemas.openxmlformats.org/drawingml/2006/main" xmlns:r="http://schemas.openxmlformats.org/officeDocument/2006/relationships" xmlns:p="http://schemas.openxmlformats.org/presentationml/2006/main">
+  <p:cSld>
+    <p:bg>
+      <p:bgPr>
+        <a:solidFill>
+          <a:schemeClr val="bg1"/>
+        </a:solidFill>
+        <a:effectLst/>
+      </p:bgPr>
+    </p:bg>
+    <p:spTree>
+      <p:nvGrpSpPr>
+        <p:cNvPr id="1" name=""/>
+        <p:cNvGrpSpPr/>
+        <p:nvPr/>
+      </p:nvGrpSpPr>
+      <p:grpSpPr>
+        <a:xfrm>
+          <a:off x="0" y="0"/>
+          <a:ext cx="0" cy="0"/>
+          <a:chOff x="0" y="0"/>
+          <a:chExt cx="0" cy="0"/>
+        </a:xfrm>
+      </p:grpSpPr>
+      <p:sp>
+        <p:nvSpPr>
+          <p:cNvPr id="13" name="Rectangle 12">
+            <a:extLst>
+              <a:ext uri="{FF2B5EF4-FFF2-40B4-BE49-F238E27FC236}">
+                <a16:creationId xmlns:a16="http://schemas.microsoft.com/office/drawing/2014/main" id="{AE2B703B-46F9-481A-A605-82E2A828C4FA}"/>
+              </a:ext>
+              <a:ext uri="{C183D7F6-B498-43B3-948B-1728B52AA6E4}">
+                <adec:decorative xmlns:adec="http://schemas.microsoft.com/office/drawing/2017/decorative" val="1"/>
+              </a:ext>
+            </a:extLst>
+          </p:cNvPr>
+          <p:cNvSpPr>
+            <a:spLocks noGrp="1" noRot="1" noChangeAspect="1" noMove="1" noResize="1" noEditPoints="1" noAdjustHandles="1" noChangeArrowheads="1" noChangeShapeType="1" noTextEdit="1"/>
+          </p:cNvSpPr>
+          <p:nvPr>
+            <p:extLst>
+              <p:ext uri="{386F3935-93C4-4BCD-93E2-E3B085C9AB24}">
+                <p16:designElem xmlns:p16="http://schemas.microsoft.com/office/powerpoint/2015/main" val="1"/>
+              </p:ext>
+            </p:extLst>
+          </p:nvPr>
+        </p:nvSpPr>
+        <p:spPr>
+          <a:xfrm>
+            <a:off x="0" y="0"/>
+            <a:ext cx="12192000" cy="6858000"/>
+          </a:xfrm>
+          <a:prstGeom prst="rect">
+            <a:avLst/>
+          </a:prstGeom>
+          <a:solidFill>
+            <a:schemeClr val="accent2"/>
+          </a:solidFill>
+          <a:ln>
+            <a:noFill/>
+          </a:ln>
+        </p:spPr>
+        <p:style>
+          <a:lnRef idx="2">
+            <a:schemeClr val="accent1">
+              <a:shade val="50000"/>
+            </a:schemeClr>
+          </a:lnRef>
+          <a:fillRef idx="1">
+            <a:schemeClr val="accent1"/>
+          </a:fillRef>
+          <a:effectRef idx="0">
+            <a:schemeClr val="accent1"/>
+          </a:effectRef>
+          <a:fontRef idx="minor">
+            <a:schemeClr val="lt1"/>
+          </a:fontRef>
+        </p:style>
+        <p:txBody>
+          <a:bodyPr rtlCol="0" anchor="ctr"/>
+          <a:lstStyle/>
+          <a:p>
+            <a:pPr algn="ctr"/>
+            <a:endParaRPr lang="en-US"/>
+          </a:p>
+        </p:txBody>
+      </p:sp>
+      <p:sp>
+        <p:nvSpPr>
+          <p:cNvPr id="2" name="Titel 1">
+            <a:extLst>
+              <a:ext uri="{FF2B5EF4-FFF2-40B4-BE49-F238E27FC236}">
+                <a16:creationId xmlns:a16="http://schemas.microsoft.com/office/drawing/2014/main" id="{C33A1EE3-A2FD-2D62-3081-E565C9FE2DC7}"/>
+              </a:ext>
+            </a:extLst>
+          </p:cNvPr>
+          <p:cNvSpPr>
+            <a:spLocks noGrp="1"/>
+          </p:cNvSpPr>
+          <p:nvPr>
+            <p:ph type="title"/>
+          </p:nvPr>
+        </p:nvSpPr>
+        <p:spPr>
+          <a:xfrm>
+            <a:off x="838200" y="459863"/>
+            <a:ext cx="10515600" cy="1004594"/>
+          </a:xfrm>
+        </p:spPr>
+        <p:txBody>
+          <a:bodyPr vert="horz" lIns="91440" tIns="45720" rIns="91440" bIns="45720" rtlCol="0" anchor="ctr">
+            <a:normAutofit/>
+          </a:bodyPr>
+          <a:lstStyle/>
+          <a:p>
+            <a:pPr algn="ctr"/>
+            <a:r>
+              <a:rPr lang="en-US" kern="1200">
+                <a:solidFill>
+                  <a:srgbClr val="FFFFFF"/>
+                </a:solidFill>
+                <a:latin typeface="+mj-lt"/>
+                <a:ea typeface="+mj-ea"/>
+                <a:cs typeface="+mj-cs"/>
+              </a:rPr>
+              <a:t>Motivation</a:t>
+            </a:r>
+          </a:p>
+        </p:txBody>
+      </p:sp>
+      <p:sp>
+        <p:nvSpPr>
+          <p:cNvPr id="15" name="Rectangle: Rounded Corners 14">
+            <a:extLst>
+              <a:ext uri="{FF2B5EF4-FFF2-40B4-BE49-F238E27FC236}">
+                <a16:creationId xmlns:a16="http://schemas.microsoft.com/office/drawing/2014/main" id="{F13BE4D7-0C3D-4906-B230-A1C5B4665CCF}"/>
+              </a:ext>
+              <a:ext uri="{C183D7F6-B498-43B3-948B-1728B52AA6E4}">
+                <adec:decorative xmlns:adec="http://schemas.microsoft.com/office/drawing/2017/decorative" val="1"/>
+              </a:ext>
+            </a:extLst>
+          </p:cNvPr>
+          <p:cNvSpPr>
+            <a:spLocks noGrp="1" noRot="1" noChangeAspect="1" noMove="1" noResize="1" noEditPoints="1" noAdjustHandles="1" noChangeArrowheads="1" noChangeShapeType="1" noTextEdit="1"/>
+          </p:cNvSpPr>
+          <p:nvPr>
+            <p:extLst>
+              <p:ext uri="{386F3935-93C4-4BCD-93E2-E3B085C9AB24}">
+                <p16:designElem xmlns:p16="http://schemas.microsoft.com/office/powerpoint/2015/main" val="1"/>
+              </p:ext>
+            </p:extLst>
+          </p:nvPr>
+        </p:nvSpPr>
+        <p:spPr>
+          <a:xfrm>
+            <a:off x="579496" y="1587970"/>
+            <a:ext cx="11033008" cy="4768380"/>
+          </a:xfrm>
+          <a:prstGeom prst="roundRect">
+            <a:avLst>
+              <a:gd name="adj" fmla="val 3174"/>
+            </a:avLst>
+          </a:prstGeom>
+          <a:solidFill>
+            <a:schemeClr val="bg1">
+              <a:alpha val="95000"/>
+            </a:schemeClr>
+          </a:solidFill>
+          <a:ln>
+            <a:noFill/>
+          </a:ln>
+        </p:spPr>
+        <p:style>
+          <a:lnRef idx="2">
+            <a:schemeClr val="accent1">
+              <a:shade val="50000"/>
+            </a:schemeClr>
+          </a:lnRef>
+          <a:fillRef idx="1">
+            <a:schemeClr val="accent1"/>
+          </a:fillRef>
+          <a:effectRef idx="0">
+            <a:schemeClr val="accent1"/>
+          </a:effectRef>
+          <a:fontRef idx="minor">
+            <a:schemeClr val="lt1"/>
+          </a:fontRef>
+        </p:style>
+        <p:txBody>
+          <a:bodyPr rtlCol="0" anchor="ctr"/>
+          <a:lstStyle/>
+          <a:p>
+            <a:pPr algn="ctr"/>
+            <a:endParaRPr lang="en-US"/>
+          </a:p>
+        </p:txBody>
+      </p:sp>
+      <p:sp>
+        <p:nvSpPr>
+          <p:cNvPr id="3" name="Inhaltsplatzhalter 2">
+            <a:extLst>
+              <a:ext uri="{FF2B5EF4-FFF2-40B4-BE49-F238E27FC236}">
+                <a16:creationId xmlns:a16="http://schemas.microsoft.com/office/drawing/2014/main" id="{0145AF0E-A674-8D29-88CA-A3CEF52A39D7}"/>
+              </a:ext>
+            </a:extLst>
+          </p:cNvPr>
+          <p:cNvSpPr>
+            <a:spLocks noGrp="1"/>
+          </p:cNvSpPr>
+          <p:nvPr>
+            <p:ph sz="half" idx="1"/>
+          </p:nvPr>
+        </p:nvSpPr>
+        <p:spPr>
+          <a:xfrm>
+            <a:off x="859101" y="1800911"/>
+            <a:ext cx="4671788" cy="3923215"/>
+          </a:xfrm>
+        </p:spPr>
+        <p:txBody>
+          <a:bodyPr>
+            <a:normAutofit/>
+          </a:bodyPr>
+          <a:lstStyle/>
+          <a:p>
+            <a:pPr marL="205740" indent="-205740" defTabSz="822960">
+              <a:spcBef>
+                <a:spcPts val="900"/>
+              </a:spcBef>
+            </a:pPr>
+            <a:r>
+              <a:rPr lang="de-DE" sz="2400" kern="1200" dirty="0">
+                <a:solidFill>
+                  <a:schemeClr val="tx1"/>
+                </a:solidFill>
+                <a:latin typeface="+mn-lt"/>
+                <a:ea typeface="+mn-ea"/>
+                <a:cs typeface="+mn-cs"/>
+              </a:rPr>
+              <a:t>Vide API </a:t>
+            </a:r>
+            <a:r>
+              <a:rPr lang="de-DE" sz="2400" kern="1200" dirty="0" err="1">
+                <a:solidFill>
+                  <a:schemeClr val="tx1"/>
+                </a:solidFill>
+                <a:latin typeface="+mn-lt"/>
+                <a:ea typeface="+mn-ea"/>
+                <a:cs typeface="+mn-cs"/>
+              </a:rPr>
+              <a:t>Reasoning</a:t>
+            </a:r>
+            <a:endParaRPr lang="de-DE" sz="2400" dirty="0"/>
+          </a:p>
+        </p:txBody>
+      </p:sp>
+      <p:sp>
+        <p:nvSpPr>
+          <p:cNvPr id="6" name="Inhaltsplatzhalter 5">
+            <a:extLst>
+              <a:ext uri="{FF2B5EF4-FFF2-40B4-BE49-F238E27FC236}">
+                <a16:creationId xmlns:a16="http://schemas.microsoft.com/office/drawing/2014/main" id="{92688F39-AEF9-EAA6-8F39-FD83D8B59F05}"/>
+              </a:ext>
+            </a:extLst>
+          </p:cNvPr>
+          <p:cNvSpPr>
+            <a:spLocks noGrp="1"/>
+          </p:cNvSpPr>
+          <p:nvPr>
+            <p:ph sz="half" idx="2"/>
+          </p:nvPr>
+        </p:nvSpPr>
+        <p:spPr>
+          <a:xfrm>
+            <a:off x="5734235" y="1800911"/>
+            <a:ext cx="5311539" cy="3923215"/>
+          </a:xfrm>
+        </p:spPr>
+        <p:txBody>
+          <a:bodyPr>
+            <a:normAutofit/>
+          </a:bodyPr>
+          <a:lstStyle/>
+          <a:p>
+            <a:pPr marL="205740" indent="-205740" defTabSz="822960">
+              <a:spcBef>
+                <a:spcPts val="900"/>
+              </a:spcBef>
+            </a:pPr>
+            <a:r>
+              <a:rPr lang="de-DE" sz="2400" kern="1200" dirty="0">
+                <a:solidFill>
+                  <a:schemeClr val="tx1"/>
+                </a:solidFill>
+                <a:latin typeface="+mn-lt"/>
+                <a:ea typeface="+mn-ea"/>
+                <a:cs typeface="+mn-cs"/>
+              </a:rPr>
+              <a:t>Digital Signal Processing</a:t>
+            </a:r>
+          </a:p>
+          <a:p>
+            <a:pPr marL="617220" lvl="1" indent="-205740" defTabSz="822960">
+              <a:spcBef>
+                <a:spcPts val="450"/>
+              </a:spcBef>
+            </a:pPr>
+            <a:r>
+              <a:rPr lang="de-DE" sz="2000" kern="1200" dirty="0" err="1">
+                <a:solidFill>
+                  <a:schemeClr val="tx1"/>
+                </a:solidFill>
+                <a:latin typeface="+mn-lt"/>
+                <a:ea typeface="+mn-ea"/>
+                <a:cs typeface="+mn-cs"/>
+              </a:rPr>
+              <a:t>Textual</a:t>
+            </a:r>
+            <a:r>
+              <a:rPr lang="de-DE" sz="2000" kern="1200" dirty="0">
+                <a:solidFill>
+                  <a:schemeClr val="tx1"/>
+                </a:solidFill>
+                <a:latin typeface="+mn-lt"/>
+                <a:ea typeface="+mn-ea"/>
+                <a:cs typeface="+mn-cs"/>
+              </a:rPr>
+              <a:t> </a:t>
+            </a:r>
+            <a:r>
+              <a:rPr lang="de-DE" sz="2000" kern="1200" dirty="0" err="1">
+                <a:solidFill>
+                  <a:schemeClr val="tx1"/>
+                </a:solidFill>
+                <a:latin typeface="+mn-lt"/>
+                <a:ea typeface="+mn-ea"/>
+                <a:cs typeface="+mn-cs"/>
+              </a:rPr>
+              <a:t>or</a:t>
+            </a:r>
+            <a:r>
+              <a:rPr lang="de-DE" sz="2000" kern="1200" dirty="0">
+                <a:solidFill>
+                  <a:schemeClr val="tx1"/>
+                </a:solidFill>
+                <a:latin typeface="+mn-lt"/>
+                <a:ea typeface="+mn-ea"/>
+                <a:cs typeface="+mn-cs"/>
+              </a:rPr>
+              <a:t> </a:t>
+            </a:r>
+            <a:r>
+              <a:rPr lang="de-DE" sz="2000" kern="1200" dirty="0" err="1">
+                <a:solidFill>
+                  <a:schemeClr val="tx1"/>
+                </a:solidFill>
+                <a:latin typeface="+mn-lt"/>
+                <a:ea typeface="+mn-ea"/>
+                <a:cs typeface="+mn-cs"/>
+              </a:rPr>
+              <a:t>Graphical</a:t>
+            </a:r>
+            <a:r>
+              <a:rPr lang="de-DE" sz="2000" kern="1200" dirty="0">
+                <a:solidFill>
+                  <a:schemeClr val="tx1"/>
+                </a:solidFill>
+                <a:latin typeface="+mn-lt"/>
+                <a:ea typeface="+mn-ea"/>
+                <a:cs typeface="+mn-cs"/>
+              </a:rPr>
+              <a:t> </a:t>
+            </a:r>
+            <a:r>
+              <a:rPr lang="de-DE" sz="2000" kern="1200" dirty="0" err="1">
+                <a:solidFill>
+                  <a:schemeClr val="tx1"/>
+                </a:solidFill>
+                <a:latin typeface="+mn-lt"/>
+                <a:ea typeface="+mn-ea"/>
+                <a:cs typeface="+mn-cs"/>
+              </a:rPr>
+              <a:t>Programming</a:t>
+            </a:r>
+            <a:endParaRPr lang="de-DE" sz="2000" kern="1200" dirty="0">
+              <a:solidFill>
+                <a:schemeClr val="tx1"/>
+              </a:solidFill>
+              <a:latin typeface="+mn-lt"/>
+              <a:ea typeface="+mn-ea"/>
+              <a:cs typeface="+mn-cs"/>
+            </a:endParaRPr>
+          </a:p>
+          <a:p>
+            <a:pPr marL="617220" lvl="1" indent="-205740" defTabSz="822960">
+              <a:spcBef>
+                <a:spcPts val="450"/>
+              </a:spcBef>
+            </a:pPr>
+            <a:r>
+              <a:rPr lang="de-DE" sz="2000" kern="1200" dirty="0" err="1">
+                <a:solidFill>
+                  <a:schemeClr val="tx1"/>
+                </a:solidFill>
+                <a:latin typeface="+mn-lt"/>
+                <a:ea typeface="+mn-ea"/>
+                <a:cs typeface="+mn-cs"/>
+              </a:rPr>
+              <a:t>Convenient</a:t>
+            </a:r>
+            <a:r>
+              <a:rPr lang="de-DE" sz="2000" kern="1200" dirty="0">
+                <a:solidFill>
+                  <a:schemeClr val="tx1"/>
+                </a:solidFill>
+                <a:latin typeface="+mn-lt"/>
+                <a:ea typeface="+mn-ea"/>
+                <a:cs typeface="+mn-cs"/>
+              </a:rPr>
+              <a:t> </a:t>
+            </a:r>
+            <a:r>
+              <a:rPr lang="de-DE" sz="2000" kern="1200" dirty="0" err="1">
+                <a:solidFill>
+                  <a:schemeClr val="tx1"/>
+                </a:solidFill>
+                <a:latin typeface="+mn-lt"/>
+                <a:ea typeface="+mn-ea"/>
+                <a:cs typeface="+mn-cs"/>
+              </a:rPr>
+              <a:t>way</a:t>
+            </a:r>
+            <a:r>
+              <a:rPr lang="de-DE" sz="2000" kern="1200" dirty="0">
+                <a:solidFill>
+                  <a:schemeClr val="tx1"/>
+                </a:solidFill>
+                <a:latin typeface="+mn-lt"/>
+                <a:ea typeface="+mn-ea"/>
+                <a:cs typeface="+mn-cs"/>
+              </a:rPr>
+              <a:t> </a:t>
+            </a:r>
+            <a:r>
+              <a:rPr lang="de-DE" sz="2000" kern="1200" dirty="0" err="1">
+                <a:solidFill>
+                  <a:schemeClr val="tx1"/>
+                </a:solidFill>
+                <a:latin typeface="+mn-lt"/>
+                <a:ea typeface="+mn-ea"/>
+                <a:cs typeface="+mn-cs"/>
+              </a:rPr>
+              <a:t>of</a:t>
+            </a:r>
+            <a:r>
+              <a:rPr lang="de-DE" sz="2000" kern="1200" dirty="0">
+                <a:solidFill>
+                  <a:schemeClr val="tx1"/>
+                </a:solidFill>
+                <a:latin typeface="+mn-lt"/>
+                <a:ea typeface="+mn-ea"/>
+                <a:cs typeface="+mn-cs"/>
+              </a:rPr>
+              <a:t> </a:t>
+            </a:r>
+            <a:r>
+              <a:rPr lang="de-DE" sz="2000" kern="1200" dirty="0" err="1">
+                <a:solidFill>
+                  <a:schemeClr val="tx1"/>
+                </a:solidFill>
+                <a:latin typeface="+mn-lt"/>
+                <a:ea typeface="+mn-ea"/>
+                <a:cs typeface="+mn-cs"/>
+              </a:rPr>
+              <a:t>Composing</a:t>
+            </a:r>
+            <a:r>
+              <a:rPr lang="de-DE" sz="2000" kern="1200" dirty="0">
+                <a:solidFill>
+                  <a:schemeClr val="tx1"/>
+                </a:solidFill>
+                <a:latin typeface="+mn-lt"/>
+                <a:ea typeface="+mn-ea"/>
+                <a:cs typeface="+mn-cs"/>
+              </a:rPr>
+              <a:t> „</a:t>
+            </a:r>
+            <a:r>
+              <a:rPr lang="de-DE" sz="2000" kern="1200" dirty="0" err="1">
+                <a:solidFill>
+                  <a:schemeClr val="tx1"/>
+                </a:solidFill>
+                <a:latin typeface="+mn-lt"/>
+                <a:ea typeface="+mn-ea"/>
+                <a:cs typeface="+mn-cs"/>
+              </a:rPr>
+              <a:t>stateful</a:t>
+            </a:r>
+            <a:r>
+              <a:rPr lang="de-DE" sz="2000" kern="1200" dirty="0">
+                <a:solidFill>
+                  <a:schemeClr val="tx1"/>
+                </a:solidFill>
+                <a:latin typeface="+mn-lt"/>
+                <a:ea typeface="+mn-ea"/>
+                <a:cs typeface="+mn-cs"/>
+              </a:rPr>
+              <a:t>“ </a:t>
+            </a:r>
+            <a:r>
+              <a:rPr lang="de-DE" sz="2000" kern="1200" dirty="0" err="1">
+                <a:solidFill>
+                  <a:schemeClr val="tx1"/>
+                </a:solidFill>
+                <a:latin typeface="+mn-lt"/>
+                <a:ea typeface="+mn-ea"/>
+                <a:cs typeface="+mn-cs"/>
+              </a:rPr>
+              <a:t>building</a:t>
+            </a:r>
+            <a:r>
+              <a:rPr lang="de-DE" sz="2000" kern="1200" dirty="0">
+                <a:solidFill>
+                  <a:schemeClr val="tx1"/>
+                </a:solidFill>
+                <a:latin typeface="+mn-lt"/>
+                <a:ea typeface="+mn-ea"/>
+                <a:cs typeface="+mn-cs"/>
+              </a:rPr>
+              <a:t> </a:t>
+            </a:r>
+            <a:r>
+              <a:rPr lang="de-DE" sz="2000" kern="1200" dirty="0" err="1">
+                <a:solidFill>
+                  <a:schemeClr val="tx1"/>
+                </a:solidFill>
+                <a:latin typeface="+mn-lt"/>
+                <a:ea typeface="+mn-ea"/>
+                <a:cs typeface="+mn-cs"/>
+              </a:rPr>
+              <a:t>blocks</a:t>
+            </a:r>
+            <a:r>
+              <a:rPr lang="de-DE" sz="2000" kern="1200" dirty="0">
+                <a:solidFill>
+                  <a:schemeClr val="tx1"/>
+                </a:solidFill>
+                <a:latin typeface="+mn-lt"/>
+                <a:ea typeface="+mn-ea"/>
+                <a:cs typeface="+mn-cs"/>
+              </a:rPr>
+              <a:t> (</a:t>
+            </a:r>
+            <a:r>
+              <a:rPr lang="de-DE" sz="2000" kern="1200" dirty="0" err="1">
+                <a:solidFill>
+                  <a:schemeClr val="tx1"/>
+                </a:solidFill>
+                <a:latin typeface="+mn-lt"/>
+                <a:ea typeface="+mn-ea"/>
+                <a:cs typeface="+mn-cs"/>
+              </a:rPr>
+              <a:t>without</a:t>
+            </a:r>
+            <a:r>
+              <a:rPr lang="de-DE" sz="2000" kern="1200" dirty="0">
+                <a:solidFill>
+                  <a:schemeClr val="tx1"/>
+                </a:solidFill>
+                <a:latin typeface="+mn-lt"/>
+                <a:ea typeface="+mn-ea"/>
+                <a:cs typeface="+mn-cs"/>
+              </a:rPr>
+              <a:t> </a:t>
+            </a:r>
+            <a:r>
+              <a:rPr lang="de-DE" sz="2000" kern="1200" dirty="0" err="1">
+                <a:solidFill>
+                  <a:schemeClr val="tx1"/>
+                </a:solidFill>
+                <a:latin typeface="+mn-lt"/>
+                <a:ea typeface="+mn-ea"/>
+                <a:cs typeface="+mn-cs"/>
+              </a:rPr>
+              <a:t>cartng</a:t>
+            </a:r>
+            <a:r>
+              <a:rPr lang="de-DE" sz="2000" kern="1200" dirty="0">
+                <a:solidFill>
+                  <a:schemeClr val="tx1"/>
+                </a:solidFill>
+                <a:latin typeface="+mn-lt"/>
+                <a:ea typeface="+mn-ea"/>
+                <a:cs typeface="+mn-cs"/>
+              </a:rPr>
+              <a:t> </a:t>
+            </a:r>
+            <a:r>
+              <a:rPr lang="de-DE" sz="2000" kern="1200" dirty="0" err="1">
+                <a:solidFill>
+                  <a:schemeClr val="tx1"/>
+                </a:solidFill>
+                <a:latin typeface="+mn-lt"/>
+                <a:ea typeface="+mn-ea"/>
+                <a:cs typeface="+mn-cs"/>
+              </a:rPr>
+              <a:t>much</a:t>
+            </a:r>
+            <a:r>
+              <a:rPr lang="de-DE" sz="2000" kern="1200" dirty="0">
+                <a:solidFill>
+                  <a:schemeClr val="tx1"/>
+                </a:solidFill>
+                <a:latin typeface="+mn-lt"/>
+                <a:ea typeface="+mn-ea"/>
+                <a:cs typeface="+mn-cs"/>
+              </a:rPr>
+              <a:t>)</a:t>
+            </a:r>
+          </a:p>
+          <a:p>
+            <a:pPr marL="0" indent="0">
+              <a:buNone/>
+            </a:pPr>
+            <a:endParaRPr lang="de-DE" sz="2400" dirty="0"/>
+          </a:p>
+        </p:txBody>
+      </p:sp>
+      <p:pic>
+        <p:nvPicPr>
+          <p:cNvPr id="5" name="Grafik 4">
+            <a:extLst>
+              <a:ext uri="{FF2B5EF4-FFF2-40B4-BE49-F238E27FC236}">
+                <a16:creationId xmlns:a16="http://schemas.microsoft.com/office/drawing/2014/main" id="{D2642E29-3F9A-3653-00B3-EF19014EF8C1}"/>
+              </a:ext>
+            </a:extLst>
+          </p:cNvPr>
+          <p:cNvPicPr>
+            <a:picLocks noChangeAspect="1"/>
+          </p:cNvPicPr>
+          <p:nvPr/>
+        </p:nvPicPr>
+        <p:blipFill>
+          <a:blip r:embed="rId3"/>
+          <a:stretch>
+            <a:fillRect/>
+          </a:stretch>
+        </p:blipFill>
+        <p:spPr>
+          <a:xfrm>
+            <a:off x="917676" y="2546928"/>
+            <a:ext cx="4497452" cy="3605320"/>
+          </a:xfrm>
+          <a:prstGeom prst="rect">
+            <a:avLst/>
+          </a:prstGeom>
+        </p:spPr>
+      </p:pic>
+      <p:pic>
+        <p:nvPicPr>
+          <p:cNvPr id="8" name="Grafik 7" descr="Ein Bild, das Screenshot, Diagramm, Karte, Reihe enthält.">
+            <a:extLst>
+              <a:ext uri="{FF2B5EF4-FFF2-40B4-BE49-F238E27FC236}">
+                <a16:creationId xmlns:a16="http://schemas.microsoft.com/office/drawing/2014/main" id="{E0EAE3A0-9738-FB74-B87F-23B126D4314E}"/>
+              </a:ext>
+            </a:extLst>
+          </p:cNvPr>
+          <p:cNvPicPr>
+            <a:picLocks noChangeAspect="1"/>
+          </p:cNvPicPr>
+          <p:nvPr/>
+        </p:nvPicPr>
+        <p:blipFill>
+          <a:blip r:embed="rId4">
+            <a:extLst>
+              <a:ext uri="{28A0092B-C50C-407E-A947-70E740481C1C}">
+                <a14:useLocalDpi xmlns:a14="http://schemas.microsoft.com/office/drawing/2010/main" val="0"/>
+              </a:ext>
+            </a:extLst>
+          </a:blip>
+          <a:stretch>
+            <a:fillRect/>
+          </a:stretch>
+        </p:blipFill>
+        <p:spPr>
+          <a:xfrm>
+            <a:off x="5810484" y="3399385"/>
+            <a:ext cx="5522414" cy="2752864"/>
+          </a:xfrm>
+          <a:prstGeom prst="rect">
+            <a:avLst/>
+          </a:prstGeom>
+        </p:spPr>
+      </p:pic>
+    </p:spTree>
+    <p:extLst>
+      <p:ext uri="{BB962C8B-B14F-4D97-AF65-F5344CB8AC3E}">
+        <p14:creationId xmlns:p14="http://schemas.microsoft.com/office/powerpoint/2010/main" val="2436317245"/>
+      </p:ext>
+    </p:extLst>
+  </p:cSld>
+  <p:clrMapOvr>
+    <a:masterClrMapping/>
+  </p:clrMapOvr>
+</p:sld>
+</file>
+
+<file path=ppt/slides/slide3.xml><?xml version="1.0" encoding="utf-8"?>
+<p:sld xmlns:a="http://schemas.openxmlformats.org/drawingml/2006/main" xmlns:r="http://schemas.openxmlformats.org/officeDocument/2006/relationships" xmlns:p="http://schemas.openxmlformats.org/presentationml/2006/main">
+  <p:cSld>
+    <p:spTree>
+      <p:nvGrpSpPr>
+        <p:cNvPr id="1" name=""/>
+        <p:cNvGrpSpPr/>
+        <p:nvPr/>
+      </p:nvGrpSpPr>
+      <p:grpSpPr>
+        <a:xfrm>
+          <a:off x="0" y="0"/>
+          <a:ext cx="0" cy="0"/>
+          <a:chOff x="0" y="0"/>
+          <a:chExt cx="0" cy="0"/>
+        </a:xfrm>
+      </p:grpSpPr>
+      <p:sp>
+        <p:nvSpPr>
+          <p:cNvPr id="5" name="Titel 4">
+            <a:extLst>
+              <a:ext uri="{FF2B5EF4-FFF2-40B4-BE49-F238E27FC236}">
+                <a16:creationId xmlns:a16="http://schemas.microsoft.com/office/drawing/2014/main" id="{3F09DF51-4D40-85AA-4A31-397577D0DC20}"/>
+              </a:ext>
+            </a:extLst>
+          </p:cNvPr>
+          <p:cNvSpPr>
+            <a:spLocks noGrp="1"/>
+          </p:cNvSpPr>
+          <p:nvPr>
+            <p:ph type="title"/>
+          </p:nvPr>
+        </p:nvSpPr>
+        <p:spPr>
+          <a:xfrm>
+            <a:off x="-271765" y="5153833"/>
+            <a:ext cx="10515600" cy="1325563"/>
+          </a:xfrm>
+        </p:spPr>
+        <p:txBody>
+          <a:bodyPr/>
+          <a:lstStyle/>
+          <a:p>
+            <a:pPr algn="ctr"/>
+            <a:r>
+              <a:rPr lang="de-DE" dirty="0" err="1"/>
+              <a:t>Why</a:t>
+            </a:r>
+            <a:r>
+              <a:rPr lang="de-DE" dirty="0"/>
+              <a:t> State?</a:t>
+            </a:r>
+          </a:p>
+        </p:txBody>
+      </p:sp>
+      <p:pic>
+        <p:nvPicPr>
+          <p:cNvPr id="6" name="Grafik 5">
+            <a:extLst>
+              <a:ext uri="{FF2B5EF4-FFF2-40B4-BE49-F238E27FC236}">
+                <a16:creationId xmlns:a16="http://schemas.microsoft.com/office/drawing/2014/main" id="{ADD1D389-2244-19C6-E246-3451037CF7BD}"/>
+              </a:ext>
+            </a:extLst>
+          </p:cNvPr>
+          <p:cNvPicPr>
+            <a:picLocks noChangeAspect="1"/>
+          </p:cNvPicPr>
+          <p:nvPr/>
+        </p:nvPicPr>
+        <p:blipFill rotWithShape="1">
+          <a:blip r:embed="rId3"/>
+          <a:srcRect t="12612"/>
+          <a:stretch/>
+        </p:blipFill>
+        <p:spPr>
+          <a:xfrm>
+            <a:off x="20" y="10"/>
+            <a:ext cx="12191979" cy="5886523"/>
+          </a:xfrm>
+          <a:custGeom>
+            <a:avLst/>
+            <a:gdLst/>
+            <a:ahLst/>
+            <a:cxnLst/>
+            <a:rect l="l" t="t" r="r" b="b"/>
+            <a:pathLst>
+              <a:path w="12191999" h="5886533">
+                <a:moveTo>
+                  <a:pt x="4721173" y="4907914"/>
+                </a:moveTo>
+                <a:lnTo>
+                  <a:pt x="4722109" y="4908125"/>
+                </a:lnTo>
+                <a:cubicBezTo>
+                  <a:pt x="4721143" y="4908767"/>
+                  <a:pt x="4718263" y="4909373"/>
+                  <a:pt x="4717199" y="4909396"/>
+                </a:cubicBezTo>
+                <a:close/>
+                <a:moveTo>
+                  <a:pt x="0" y="0"/>
+                </a:moveTo>
+                <a:lnTo>
+                  <a:pt x="12191999" y="0"/>
+                </a:lnTo>
+                <a:lnTo>
+                  <a:pt x="12191999" y="5751311"/>
+                </a:lnTo>
+                <a:lnTo>
+                  <a:pt x="12140860" y="5770509"/>
+                </a:lnTo>
+                <a:cubicBezTo>
+                  <a:pt x="12126656" y="5772723"/>
+                  <a:pt x="12093589" y="5827925"/>
+                  <a:pt x="12080161" y="5826358"/>
+                </a:cubicBezTo>
+                <a:cubicBezTo>
+                  <a:pt x="11978188" y="5850511"/>
+                  <a:pt x="11967361" y="5873564"/>
+                  <a:pt x="11917885" y="5861578"/>
+                </a:cubicBezTo>
+                <a:cubicBezTo>
+                  <a:pt x="11872779" y="5859863"/>
+                  <a:pt x="11928861" y="5896778"/>
+                  <a:pt x="11894610" y="5883738"/>
+                </a:cubicBezTo>
+                <a:cubicBezTo>
+                  <a:pt x="11860359" y="5870698"/>
+                  <a:pt x="11736091" y="5807232"/>
+                  <a:pt x="11712379" y="5783337"/>
+                </a:cubicBezTo>
+                <a:cubicBezTo>
+                  <a:pt x="11688667" y="5759442"/>
+                  <a:pt x="11627912" y="5782933"/>
+                  <a:pt x="11585366" y="5740371"/>
+                </a:cubicBezTo>
+                <a:lnTo>
+                  <a:pt x="11516470" y="5663679"/>
+                </a:lnTo>
+                <a:cubicBezTo>
+                  <a:pt x="11468274" y="5661847"/>
+                  <a:pt x="11507335" y="5626593"/>
+                  <a:pt x="11462692" y="5610127"/>
+                </a:cubicBezTo>
+                <a:cubicBezTo>
+                  <a:pt x="11417567" y="5608500"/>
+                  <a:pt x="11408021" y="5556613"/>
+                  <a:pt x="11369712" y="5548654"/>
+                </a:cubicBezTo>
+                <a:cubicBezTo>
+                  <a:pt x="11354317" y="5554704"/>
+                  <a:pt x="11288328" y="5499810"/>
+                  <a:pt x="11273969" y="5488986"/>
+                </a:cubicBezTo>
+                <a:cubicBezTo>
+                  <a:pt x="11231913" y="5490378"/>
+                  <a:pt x="11221973" y="5480544"/>
+                  <a:pt x="11195084" y="5467967"/>
+                </a:cubicBezTo>
+                <a:cubicBezTo>
+                  <a:pt x="11164086" y="5497749"/>
+                  <a:pt x="11171649" y="5471790"/>
+                  <a:pt x="11143408" y="5468614"/>
+                </a:cubicBezTo>
+                <a:cubicBezTo>
+                  <a:pt x="11125906" y="5464975"/>
+                  <a:pt x="11102603" y="5460835"/>
+                  <a:pt x="11085935" y="5459365"/>
+                </a:cubicBezTo>
+                <a:cubicBezTo>
+                  <a:pt x="11057493" y="5459661"/>
+                  <a:pt x="11029906" y="5441496"/>
+                  <a:pt x="11030953" y="5456484"/>
+                </a:cubicBezTo>
+                <a:cubicBezTo>
+                  <a:pt x="11007784" y="5459001"/>
+                  <a:pt x="10982005" y="5463178"/>
+                  <a:pt x="10951060" y="5461240"/>
+                </a:cubicBezTo>
+                <a:cubicBezTo>
+                  <a:pt x="10885365" y="5424406"/>
+                  <a:pt x="10915288" y="5460968"/>
+                  <a:pt x="10857721" y="5448157"/>
+                </a:cubicBezTo>
+                <a:cubicBezTo>
+                  <a:pt x="10806646" y="5435790"/>
+                  <a:pt x="10707075" y="5402712"/>
+                  <a:pt x="10644616" y="5387039"/>
+                </a:cubicBezTo>
+                <a:cubicBezTo>
+                  <a:pt x="10616446" y="5382224"/>
+                  <a:pt x="10558603" y="5371613"/>
+                  <a:pt x="10519277" y="5366793"/>
+                </a:cubicBezTo>
+                <a:cubicBezTo>
+                  <a:pt x="10495461" y="5368312"/>
+                  <a:pt x="10473830" y="5354868"/>
+                  <a:pt x="10445981" y="5364735"/>
+                </a:cubicBezTo>
+                <a:cubicBezTo>
+                  <a:pt x="10436536" y="5368773"/>
+                  <a:pt x="10409281" y="5367966"/>
+                  <a:pt x="10383865" y="5360888"/>
+                </a:cubicBezTo>
+                <a:cubicBezTo>
+                  <a:pt x="10374827" y="5369095"/>
+                  <a:pt x="10347864" y="5360432"/>
+                  <a:pt x="10336852" y="5360277"/>
+                </a:cubicBezTo>
+                <a:cubicBezTo>
+                  <a:pt x="10323586" y="5366987"/>
+                  <a:pt x="10274741" y="5357921"/>
+                  <a:pt x="10261098" y="5350526"/>
+                </a:cubicBezTo>
+                <a:lnTo>
+                  <a:pt x="10126497" y="5339011"/>
+                </a:lnTo>
+                <a:lnTo>
+                  <a:pt x="10082166" y="5336916"/>
+                </a:lnTo>
+                <a:cubicBezTo>
+                  <a:pt x="10074567" y="5338985"/>
+                  <a:pt x="10046860" y="5337657"/>
+                  <a:pt x="10039237" y="5338580"/>
+                </a:cubicBezTo>
+                <a:cubicBezTo>
+                  <a:pt x="9998458" y="5328479"/>
+                  <a:pt x="9984394" y="5327989"/>
+                  <a:pt x="9960016" y="5323065"/>
+                </a:cubicBezTo>
+                <a:cubicBezTo>
+                  <a:pt x="9918980" y="5322923"/>
+                  <a:pt x="9888741" y="5326122"/>
+                  <a:pt x="9847789" y="5316297"/>
+                </a:cubicBezTo>
+                <a:lnTo>
+                  <a:pt x="9728306" y="5296090"/>
+                </a:lnTo>
+                <a:cubicBezTo>
+                  <a:pt x="9675056" y="5305676"/>
+                  <a:pt x="9602035" y="5297282"/>
+                  <a:pt x="9584504" y="5284670"/>
+                </a:cubicBezTo>
+                <a:cubicBezTo>
+                  <a:pt x="9518952" y="5270394"/>
+                  <a:pt x="9415429" y="5244268"/>
+                  <a:pt x="9343049" y="5238968"/>
+                </a:cubicBezTo>
+                <a:lnTo>
+                  <a:pt x="9231367" y="5187063"/>
+                </a:lnTo>
+                <a:lnTo>
+                  <a:pt x="9194807" y="5176984"/>
+                </a:lnTo>
+                <a:lnTo>
+                  <a:pt x="9189243" y="5167745"/>
+                </a:lnTo>
+                <a:lnTo>
+                  <a:pt x="9151229" y="5156543"/>
+                </a:lnTo>
+                <a:lnTo>
+                  <a:pt x="9150207" y="5157608"/>
+                </a:lnTo>
+                <a:cubicBezTo>
+                  <a:pt x="9147045" y="5159739"/>
+                  <a:pt x="9143081" y="5160831"/>
+                  <a:pt x="9137315" y="5159777"/>
+                </a:cubicBezTo>
+                <a:cubicBezTo>
+                  <a:pt x="9138862" y="5179261"/>
+                  <a:pt x="9130952" y="5165972"/>
+                  <a:pt x="9113809" y="5161143"/>
+                </a:cubicBezTo>
+                <a:cubicBezTo>
+                  <a:pt x="9112388" y="5190326"/>
+                  <a:pt x="9068114" y="5155892"/>
+                  <a:pt x="9053450" y="5169457"/>
+                </a:cubicBezTo>
+                <a:lnTo>
+                  <a:pt x="9005483" y="5166172"/>
+                </a:lnTo>
+                <a:lnTo>
+                  <a:pt x="9005198" y="5166412"/>
+                </a:lnTo>
+                <a:cubicBezTo>
+                  <a:pt x="9003143" y="5166632"/>
+                  <a:pt x="9000324" y="5166304"/>
+                  <a:pt x="8996229" y="5165201"/>
+                </a:cubicBezTo>
+                <a:lnTo>
+                  <a:pt x="8990391" y="5163140"/>
+                </a:lnTo>
+                <a:lnTo>
+                  <a:pt x="8974334" y="5159914"/>
+                </a:lnTo>
+                <a:lnTo>
+                  <a:pt x="8968008" y="5160614"/>
+                </a:lnTo>
+                <a:lnTo>
+                  <a:pt x="8963045" y="5162839"/>
+                </a:lnTo>
+                <a:cubicBezTo>
+                  <a:pt x="8954690" y="5154888"/>
+                  <a:pt x="8955517" y="5145940"/>
+                  <a:pt x="8928985" y="5166027"/>
+                </a:cubicBezTo>
+                <a:cubicBezTo>
+                  <a:pt x="8898031" y="5165007"/>
+                  <a:pt x="8789300" y="5150352"/>
+                  <a:pt x="8752441" y="5146795"/>
+                </a:cubicBezTo>
+                <a:cubicBezTo>
+                  <a:pt x="8719819" y="5136075"/>
+                  <a:pt x="8748194" y="5149736"/>
+                  <a:pt x="8707844" y="5144694"/>
+                </a:cubicBezTo>
+                <a:cubicBezTo>
+                  <a:pt x="8671606" y="5125159"/>
+                  <a:pt x="8639142" y="5141599"/>
+                  <a:pt x="8596068" y="5136122"/>
+                </a:cubicBezTo>
+                <a:lnTo>
+                  <a:pt x="8525227" y="5150964"/>
+                </a:lnTo>
+                <a:lnTo>
+                  <a:pt x="8510980" y="5145049"/>
+                </a:lnTo>
+                <a:lnTo>
+                  <a:pt x="8506164" y="5142048"/>
+                </a:lnTo>
+                <a:cubicBezTo>
+                  <a:pt x="8502646" y="5140271"/>
+                  <a:pt x="8500045" y="5139460"/>
+                  <a:pt x="8497965" y="5139310"/>
+                </a:cubicBezTo>
+                <a:lnTo>
+                  <a:pt x="8497591" y="5139489"/>
+                </a:lnTo>
+                <a:lnTo>
+                  <a:pt x="8490246" y="5136439"/>
+                </a:lnTo>
+                <a:lnTo>
+                  <a:pt x="8367179" y="5122397"/>
+                </a:lnTo>
+                <a:cubicBezTo>
+                  <a:pt x="8362021" y="5120372"/>
+                  <a:pt x="8357730" y="5120720"/>
+                  <a:pt x="8353796" y="5122203"/>
+                </a:cubicBezTo>
+                <a:lnTo>
+                  <a:pt x="8352369" y="5123043"/>
+                </a:lnTo>
+                <a:lnTo>
+                  <a:pt x="8320101" y="5105625"/>
+                </a:lnTo>
+                <a:lnTo>
+                  <a:pt x="8314429" y="5105299"/>
+                </a:lnTo>
+                <a:lnTo>
+                  <a:pt x="8295170" y="5091404"/>
+                </a:lnTo>
+                <a:lnTo>
+                  <a:pt x="8284273" y="5085581"/>
+                </a:lnTo>
+                <a:lnTo>
+                  <a:pt x="8283146" y="5081138"/>
+                </a:lnTo>
+                <a:cubicBezTo>
+                  <a:pt x="8280842" y="5077893"/>
+                  <a:pt x="8276148" y="5075245"/>
+                  <a:pt x="8266072" y="5073963"/>
+                </a:cubicBezTo>
+                <a:lnTo>
+                  <a:pt x="8263373" y="5074193"/>
+                </a:lnTo>
+                <a:lnTo>
+                  <a:pt x="8252030" y="5064350"/>
+                </a:lnTo>
+                <a:cubicBezTo>
+                  <a:pt x="8248856" y="5060500"/>
+                  <a:pt x="8246644" y="5056218"/>
+                  <a:pt x="8245831" y="5051358"/>
+                </a:cubicBezTo>
+                <a:cubicBezTo>
+                  <a:pt x="8181824" y="5054265"/>
+                  <a:pt x="8147127" y="5020143"/>
+                  <a:pt x="8090268" y="5005197"/>
+                </a:cubicBezTo>
+                <a:cubicBezTo>
+                  <a:pt x="8025464" y="4982055"/>
+                  <a:pt x="7967067" y="4960819"/>
+                  <a:pt x="7905404" y="4963224"/>
+                </a:cubicBezTo>
+                <a:cubicBezTo>
+                  <a:pt x="7835116" y="4948312"/>
+                  <a:pt x="7780962" y="4946081"/>
+                  <a:pt x="7718741" y="4937509"/>
+                </a:cubicBezTo>
+                <a:lnTo>
+                  <a:pt x="7614343" y="4940980"/>
+                </a:lnTo>
+                <a:lnTo>
+                  <a:pt x="7527539" y="4935152"/>
+                </a:lnTo>
+                <a:lnTo>
+                  <a:pt x="7519567" y="4932599"/>
+                </a:lnTo>
+                <a:cubicBezTo>
+                  <a:pt x="7513989" y="4931260"/>
+                  <a:pt x="7510169" y="4930910"/>
+                  <a:pt x="7507408" y="4931264"/>
+                </a:cubicBezTo>
+                <a:lnTo>
+                  <a:pt x="7507036" y="4931591"/>
+                </a:lnTo>
+                <a:lnTo>
+                  <a:pt x="7495791" y="4929639"/>
+                </a:lnTo>
+                <a:cubicBezTo>
+                  <a:pt x="7476982" y="4925521"/>
+                  <a:pt x="7422524" y="4942937"/>
+                  <a:pt x="7405387" y="4937744"/>
+                </a:cubicBezTo>
+                <a:cubicBezTo>
+                  <a:pt x="7374785" y="4940694"/>
+                  <a:pt x="7333986" y="4941799"/>
+                  <a:pt x="7312176" y="4947339"/>
+                </a:cubicBezTo>
+                <a:lnTo>
+                  <a:pt x="7310849" y="4948781"/>
+                </a:lnTo>
+                <a:lnTo>
+                  <a:pt x="7218556" y="4923532"/>
+                </a:lnTo>
+                <a:lnTo>
+                  <a:pt x="7201098" y="4918982"/>
+                </a:lnTo>
+                <a:lnTo>
+                  <a:pt x="7197000" y="4913624"/>
+                </a:lnTo>
+                <a:cubicBezTo>
+                  <a:pt x="7192108" y="4910101"/>
+                  <a:pt x="7184502" y="4907962"/>
+                  <a:pt x="7170804" y="4908976"/>
+                </a:cubicBezTo>
+                <a:lnTo>
+                  <a:pt x="7096984" y="4896748"/>
+                </a:lnTo>
+                <a:cubicBezTo>
+                  <a:pt x="7061144" y="4895770"/>
+                  <a:pt x="7050185" y="4894793"/>
+                  <a:pt x="7018492" y="4897122"/>
+                </a:cubicBezTo>
+                <a:cubicBezTo>
+                  <a:pt x="6937524" y="4886184"/>
+                  <a:pt x="6943641" y="4862018"/>
+                  <a:pt x="6904142" y="4867616"/>
+                </a:cubicBezTo>
+                <a:cubicBezTo>
+                  <a:pt x="6871918" y="4872824"/>
+                  <a:pt x="6787985" y="4853750"/>
+                  <a:pt x="6708218" y="4839661"/>
+                </a:cubicBezTo>
+                <a:cubicBezTo>
+                  <a:pt x="6649102" y="4830206"/>
+                  <a:pt x="6628102" y="4816105"/>
+                  <a:pt x="6549451" y="4810885"/>
+                </a:cubicBezTo>
+                <a:cubicBezTo>
+                  <a:pt x="6472150" y="4766795"/>
+                  <a:pt x="6409692" y="4790518"/>
+                  <a:pt x="6317556" y="4764085"/>
+                </a:cubicBezTo>
+                <a:cubicBezTo>
+                  <a:pt x="6297547" y="4748563"/>
+                  <a:pt x="6209288" y="4765756"/>
+                  <a:pt x="6168670" y="4761998"/>
+                </a:cubicBezTo>
+                <a:cubicBezTo>
+                  <a:pt x="6128052" y="4758240"/>
+                  <a:pt x="6090536" y="4744692"/>
+                  <a:pt x="6073844" y="4741536"/>
+                </a:cubicBezTo>
+                <a:lnTo>
+                  <a:pt x="6068526" y="4743073"/>
+                </a:lnTo>
+                <a:lnTo>
+                  <a:pt x="6048634" y="4742390"/>
+                </a:lnTo>
+                <a:lnTo>
+                  <a:pt x="6041279" y="4750739"/>
+                </a:lnTo>
+                <a:lnTo>
+                  <a:pt x="6010088" y="4755832"/>
+                </a:lnTo>
+                <a:cubicBezTo>
+                  <a:pt x="5998677" y="4756419"/>
+                  <a:pt x="5970124" y="4755506"/>
+                  <a:pt x="5957373" y="4752188"/>
+                </a:cubicBezTo>
+                <a:lnTo>
+                  <a:pt x="5758915" y="4736496"/>
+                </a:lnTo>
+                <a:lnTo>
+                  <a:pt x="5626957" y="4735473"/>
+                </a:lnTo>
+                <a:lnTo>
+                  <a:pt x="5470902" y="4749493"/>
+                </a:lnTo>
+                <a:cubicBezTo>
+                  <a:pt x="5478131" y="4762521"/>
+                  <a:pt x="5439006" y="4748455"/>
+                  <a:pt x="5432757" y="4760746"/>
+                </a:cubicBezTo>
+                <a:cubicBezTo>
+                  <a:pt x="5429365" y="4770778"/>
+                  <a:pt x="5391824" y="4775462"/>
+                  <a:pt x="5381664" y="4778448"/>
+                </a:cubicBezTo>
+                <a:lnTo>
+                  <a:pt x="5261760" y="4798865"/>
+                </a:lnTo>
+                <a:cubicBezTo>
+                  <a:pt x="5251595" y="4799049"/>
+                  <a:pt x="5230547" y="4807359"/>
+                  <a:pt x="5222959" y="4809989"/>
+                </a:cubicBezTo>
+                <a:lnTo>
+                  <a:pt x="5174657" y="4812979"/>
+                </a:lnTo>
+                <a:lnTo>
+                  <a:pt x="5156551" y="4820202"/>
+                </a:lnTo>
+                <a:lnTo>
+                  <a:pt x="5142595" y="4823602"/>
+                </a:lnTo>
+                <a:lnTo>
+                  <a:pt x="5139593" y="4825703"/>
+                </a:lnTo>
+                <a:cubicBezTo>
+                  <a:pt x="5133873" y="4829743"/>
+                  <a:pt x="5128076" y="4833554"/>
+                  <a:pt x="5121656" y="4836556"/>
+                </a:cubicBezTo>
+                <a:cubicBezTo>
+                  <a:pt x="5108317" y="4807937"/>
+                  <a:pt x="5064853" y="4857373"/>
+                  <a:pt x="5065787" y="4829985"/>
+                </a:cubicBezTo>
+                <a:cubicBezTo>
+                  <a:pt x="5028193" y="4841501"/>
+                  <a:pt x="5038944" y="4812412"/>
+                  <a:pt x="5011510" y="4846366"/>
+                </a:cubicBezTo>
+                <a:cubicBezTo>
+                  <a:pt x="4937023" y="4845983"/>
+                  <a:pt x="4916353" y="4832976"/>
+                  <a:pt x="4840437" y="4870383"/>
+                </a:cubicBezTo>
+                <a:cubicBezTo>
+                  <a:pt x="4806739" y="4887025"/>
+                  <a:pt x="4784106" y="4898171"/>
+                  <a:pt x="4762444" y="4898151"/>
+                </a:cubicBezTo>
+                <a:cubicBezTo>
+                  <a:pt x="4741323" y="4902652"/>
+                  <a:pt x="4729481" y="4905474"/>
+                  <a:pt x="4723182" y="4907166"/>
+                </a:cubicBezTo>
+                <a:lnTo>
+                  <a:pt x="4721173" y="4907914"/>
+                </a:lnTo>
+                <a:lnTo>
+                  <a:pt x="4715524" y="4906639"/>
+                </a:lnTo>
+                <a:cubicBezTo>
+                  <a:pt x="4680148" y="4913595"/>
+                  <a:pt x="4524744" y="4914403"/>
+                  <a:pt x="4515810" y="4916541"/>
+                </a:cubicBezTo>
+                <a:cubicBezTo>
+                  <a:pt x="4457819" y="4929653"/>
+                  <a:pt x="4462659" y="4930394"/>
+                  <a:pt x="4428539" y="4927192"/>
+                </a:cubicBezTo>
+                <a:cubicBezTo>
+                  <a:pt x="4423303" y="4923821"/>
+                  <a:pt x="4368974" y="4930115"/>
+                  <a:pt x="4362872" y="4928538"/>
+                </a:cubicBezTo>
+                <a:lnTo>
+                  <a:pt x="4316962" y="4921923"/>
+                </a:lnTo>
+                <a:lnTo>
+                  <a:pt x="4315106" y="4923264"/>
+                </a:lnTo>
+                <a:cubicBezTo>
+                  <a:pt x="4306123" y="4926635"/>
+                  <a:pt x="4299993" y="4926634"/>
+                  <a:pt x="4295140" y="4925143"/>
+                </a:cubicBezTo>
+                <a:lnTo>
+                  <a:pt x="4290059" y="4922226"/>
+                </a:lnTo>
+                <a:lnTo>
+                  <a:pt x="4276138" y="4922472"/>
+                </a:lnTo>
+                <a:lnTo>
+                  <a:pt x="4248113" y="4920148"/>
+                </a:lnTo>
+                <a:lnTo>
+                  <a:pt x="4202046" y="4922943"/>
+                </a:lnTo>
+                <a:cubicBezTo>
+                  <a:pt x="4201945" y="4923363"/>
+                  <a:pt x="4201842" y="4923782"/>
+                  <a:pt x="4201741" y="4924202"/>
+                </a:cubicBezTo>
+                <a:cubicBezTo>
+                  <a:pt x="4200116" y="4927039"/>
+                  <a:pt x="4197140" y="4929158"/>
+                  <a:pt x="4191245" y="4929836"/>
+                </a:cubicBezTo>
+                <a:cubicBezTo>
+                  <a:pt x="4204212" y="4947125"/>
+                  <a:pt x="4161274" y="4945230"/>
+                  <a:pt x="4142742" y="4945701"/>
+                </a:cubicBezTo>
+                <a:cubicBezTo>
+                  <a:pt x="4124717" y="4952767"/>
+                  <a:pt x="4099099" y="4966347"/>
+                  <a:pt x="4083094" y="4972234"/>
+                </a:cubicBezTo>
+                <a:lnTo>
+                  <a:pt x="4074543" y="4973069"/>
+                </a:lnTo>
+                <a:cubicBezTo>
+                  <a:pt x="4074504" y="4973170"/>
+                  <a:pt x="4074463" y="4973269"/>
+                  <a:pt x="4074424" y="4973368"/>
+                </a:cubicBezTo>
+                <a:cubicBezTo>
+                  <a:pt x="4072678" y="4974152"/>
+                  <a:pt x="4069906" y="4974653"/>
+                  <a:pt x="4065507" y="4974812"/>
+                </a:cubicBezTo>
+                <a:lnTo>
+                  <a:pt x="4058951" y="4974594"/>
+                </a:lnTo>
+                <a:lnTo>
+                  <a:pt x="4042361" y="4976215"/>
+                </a:lnTo>
+                <a:lnTo>
+                  <a:pt x="4036993" y="4978649"/>
+                </a:lnTo>
+                <a:lnTo>
+                  <a:pt x="4035360" y="4982316"/>
+                </a:lnTo>
+                <a:lnTo>
+                  <a:pt x="4033775" y="4982081"/>
+                </a:lnTo>
+                <a:cubicBezTo>
+                  <a:pt x="4021424" y="4977217"/>
+                  <a:pt x="4016874" y="4968841"/>
+                  <a:pt x="4004535" y="4994649"/>
+                </a:cubicBezTo>
+                <a:cubicBezTo>
+                  <a:pt x="3976667" y="4987584"/>
+                  <a:pt x="3972977" y="5002913"/>
+                  <a:pt x="3936843" y="5012106"/>
+                </a:cubicBezTo>
+                <a:cubicBezTo>
+                  <a:pt x="3920506" y="5004382"/>
+                  <a:pt x="3908535" y="5009071"/>
+                  <a:pt x="3897272" y="5017761"/>
+                </a:cubicBezTo>
+                <a:cubicBezTo>
+                  <a:pt x="3861092" y="5017265"/>
+                  <a:pt x="3829628" y="5031135"/>
+                  <a:pt x="3789757" y="5037999"/>
+                </a:cubicBezTo>
+                <a:cubicBezTo>
+                  <a:pt x="3741007" y="5052705"/>
+                  <a:pt x="3725129" y="5054682"/>
+                  <a:pt x="3682510" y="5061922"/>
+                </a:cubicBezTo>
+                <a:lnTo>
+                  <a:pt x="3610032" y="5094193"/>
+                </a:lnTo>
+                <a:lnTo>
+                  <a:pt x="3603852" y="5092831"/>
+                </a:lnTo>
+                <a:cubicBezTo>
+                  <a:pt x="3599580" y="5092212"/>
+                  <a:pt x="3596726" y="5092212"/>
+                  <a:pt x="3594733" y="5092667"/>
+                </a:cubicBezTo>
+                <a:lnTo>
+                  <a:pt x="3594498" y="5092936"/>
+                </a:lnTo>
+                <a:lnTo>
+                  <a:pt x="3585975" y="5092246"/>
+                </a:lnTo>
+                <a:cubicBezTo>
+                  <a:pt x="3571623" y="5090455"/>
+                  <a:pt x="3549389" y="5104654"/>
+                  <a:pt x="3536132" y="5101945"/>
+                </a:cubicBezTo>
+                <a:cubicBezTo>
+                  <a:pt x="3513940" y="5106241"/>
+                  <a:pt x="3488622" y="5099976"/>
+                  <a:pt x="3473220" y="5105606"/>
+                </a:cubicBezTo>
+                <a:lnTo>
+                  <a:pt x="3400725" y="5117654"/>
+                </a:lnTo>
+                <a:lnTo>
+                  <a:pt x="3375935" y="5106247"/>
+                </a:lnTo>
+                <a:lnTo>
+                  <a:pt x="3348219" y="5109860"/>
+                </a:lnTo>
+                <a:cubicBezTo>
+                  <a:pt x="3337206" y="5110533"/>
+                  <a:pt x="3327054" y="5111295"/>
+                  <a:pt x="3319639" y="5114795"/>
+                </a:cubicBezTo>
+                <a:lnTo>
+                  <a:pt x="3248529" y="5133347"/>
+                </a:lnTo>
+                <a:lnTo>
+                  <a:pt x="3210308" y="5119794"/>
+                </a:lnTo>
+                <a:cubicBezTo>
+                  <a:pt x="3206088" y="5117870"/>
+                  <a:pt x="3200152" y="5117326"/>
+                  <a:pt x="3190375" y="5119915"/>
+                </a:cubicBezTo>
+                <a:lnTo>
+                  <a:pt x="3188145" y="5121096"/>
+                </a:lnTo>
+                <a:cubicBezTo>
+                  <a:pt x="3182625" y="5119116"/>
+                  <a:pt x="3141856" y="5121682"/>
+                  <a:pt x="3108596" y="5122416"/>
+                </a:cubicBezTo>
+                <a:cubicBezTo>
+                  <a:pt x="3055968" y="5124842"/>
+                  <a:pt x="3048940" y="5117475"/>
+                  <a:pt x="2988584" y="5125502"/>
+                </a:cubicBezTo>
+                <a:cubicBezTo>
+                  <a:pt x="2928853" y="5129690"/>
+                  <a:pt x="2917951" y="5124649"/>
+                  <a:pt x="2876540" y="5133019"/>
+                </a:cubicBezTo>
+                <a:lnTo>
+                  <a:pt x="2626864" y="5133771"/>
+                </a:lnTo>
+                <a:cubicBezTo>
+                  <a:pt x="2562348" y="5111858"/>
+                  <a:pt x="2563422" y="5142456"/>
+                  <a:pt x="2491422" y="5135486"/>
+                </a:cubicBezTo>
+                <a:cubicBezTo>
+                  <a:pt x="2433091" y="5200962"/>
+                  <a:pt x="2455709" y="5160483"/>
+                  <a:pt x="2415617" y="5168715"/>
+                </a:cubicBezTo>
+                <a:lnTo>
+                  <a:pt x="2290098" y="5166151"/>
+                </a:lnTo>
+                <a:cubicBezTo>
+                  <a:pt x="2257057" y="5152522"/>
+                  <a:pt x="2202458" y="5187690"/>
+                  <a:pt x="2161714" y="5169302"/>
+                </a:cubicBezTo>
+                <a:cubicBezTo>
+                  <a:pt x="2122714" y="5172302"/>
+                  <a:pt x="2080450" y="5180350"/>
+                  <a:pt x="2056089" y="5184144"/>
+                </a:cubicBezTo>
+                <a:cubicBezTo>
+                  <a:pt x="2019828" y="5191108"/>
+                  <a:pt x="1978839" y="5203797"/>
+                  <a:pt x="1944153" y="5211084"/>
+                </a:cubicBezTo>
+                <a:cubicBezTo>
+                  <a:pt x="1925867" y="5199079"/>
+                  <a:pt x="1896027" y="5224183"/>
+                  <a:pt x="1847968" y="5227868"/>
+                </a:cubicBezTo>
+                <a:cubicBezTo>
+                  <a:pt x="1827977" y="5213971"/>
+                  <a:pt x="1815570" y="5230544"/>
+                  <a:pt x="1777083" y="5212267"/>
+                </a:cubicBezTo>
+                <a:cubicBezTo>
+                  <a:pt x="1775439" y="5214216"/>
+                  <a:pt x="1773397" y="5216035"/>
+                  <a:pt x="1771025" y="5217668"/>
+                </a:cubicBezTo>
+                <a:cubicBezTo>
+                  <a:pt x="1757251" y="5227146"/>
+                  <a:pt x="1735528" y="5228402"/>
+                  <a:pt x="1722509" y="5220470"/>
+                </a:cubicBezTo>
+                <a:cubicBezTo>
+                  <a:pt x="1691779" y="5208440"/>
+                  <a:pt x="1662321" y="5203305"/>
+                  <a:pt x="1633941" y="5200774"/>
+                </a:cubicBezTo>
+                <a:lnTo>
+                  <a:pt x="1586145" y="5210184"/>
+                </a:lnTo>
+                <a:cubicBezTo>
+                  <a:pt x="1567948" y="5215416"/>
+                  <a:pt x="1545900" y="5226363"/>
+                  <a:pt x="1524748" y="5232173"/>
+                </a:cubicBezTo>
+                <a:cubicBezTo>
+                  <a:pt x="1502586" y="5235395"/>
+                  <a:pt x="1478013" y="5230993"/>
+                  <a:pt x="1459242" y="5245044"/>
+                </a:cubicBezTo>
+                <a:cubicBezTo>
+                  <a:pt x="1421474" y="5260197"/>
+                  <a:pt x="1374524" y="5244220"/>
+                  <a:pt x="1349457" y="5280705"/>
+                </a:cubicBezTo>
+                <a:cubicBezTo>
+                  <a:pt x="1273276" y="5302389"/>
+                  <a:pt x="1121512" y="5336260"/>
+                  <a:pt x="1009212" y="5361227"/>
+                </a:cubicBezTo>
+                <a:cubicBezTo>
+                  <a:pt x="939016" y="5373529"/>
+                  <a:pt x="866895" y="5370149"/>
+                  <a:pt x="808572" y="5377024"/>
+                </a:cubicBezTo>
+                <a:cubicBezTo>
+                  <a:pt x="802823" y="5374184"/>
+                  <a:pt x="726016" y="5397963"/>
+                  <a:pt x="719549" y="5396991"/>
+                </a:cubicBezTo>
+                <a:lnTo>
+                  <a:pt x="698795" y="5397657"/>
+                </a:lnTo>
+                <a:cubicBezTo>
+                  <a:pt x="689833" y="5401894"/>
+                  <a:pt x="683492" y="5402495"/>
+                  <a:pt x="678327" y="5401487"/>
+                </a:cubicBezTo>
+                <a:lnTo>
+                  <a:pt x="672784" y="5399085"/>
+                </a:lnTo>
+                <a:lnTo>
+                  <a:pt x="658406" y="5400696"/>
+                </a:lnTo>
+                <a:lnTo>
+                  <a:pt x="629185" y="5401132"/>
+                </a:lnTo>
+                <a:lnTo>
+                  <a:pt x="624558" y="5403782"/>
+                </a:lnTo>
+                <a:lnTo>
+                  <a:pt x="581798" y="5408438"/>
+                </a:lnTo>
+                <a:cubicBezTo>
+                  <a:pt x="581736" y="5408865"/>
+                  <a:pt x="581671" y="5409294"/>
+                  <a:pt x="581608" y="5409722"/>
+                </a:cubicBezTo>
+                <a:cubicBezTo>
+                  <a:pt x="580204" y="5412704"/>
+                  <a:pt x="577331" y="5415106"/>
+                  <a:pt x="571299" y="5416358"/>
+                </a:cubicBezTo>
+                <a:cubicBezTo>
+                  <a:pt x="551623" y="5426267"/>
+                  <a:pt x="484499" y="5459654"/>
+                  <a:pt x="463549" y="5469173"/>
+                </a:cubicBezTo>
+                <a:cubicBezTo>
+                  <a:pt x="453136" y="5470720"/>
+                  <a:pt x="449731" y="5472678"/>
+                  <a:pt x="445606" y="5473465"/>
+                </a:cubicBezTo>
+                <a:lnTo>
+                  <a:pt x="438799" y="5473893"/>
+                </a:lnTo>
+                <a:cubicBezTo>
+                  <a:pt x="417222" y="5482183"/>
+                  <a:pt x="343312" y="5513407"/>
+                  <a:pt x="316138" y="5523213"/>
+                </a:cubicBezTo>
+                <a:cubicBezTo>
+                  <a:pt x="298481" y="5517132"/>
+                  <a:pt x="286556" y="5522972"/>
+                  <a:pt x="275748" y="5532726"/>
+                </a:cubicBezTo>
+                <a:cubicBezTo>
+                  <a:pt x="238274" y="5535784"/>
+                  <a:pt x="207076" y="5552679"/>
+                  <a:pt x="166496" y="5563424"/>
+                </a:cubicBezTo>
+                <a:lnTo>
+                  <a:pt x="0" y="5629888"/>
+                </a:lnTo>
+                <a:close/>
+              </a:path>
+            </a:pathLst>
+          </a:custGeom>
+        </p:spPr>
+      </p:pic>
+      <p:pic>
+        <p:nvPicPr>
+          <p:cNvPr id="7" name="Grafik 6">
+            <a:extLst>
+              <a:ext uri="{FF2B5EF4-FFF2-40B4-BE49-F238E27FC236}">
+                <a16:creationId xmlns:a16="http://schemas.microsoft.com/office/drawing/2014/main" id="{E691C129-526D-30A4-023C-4A59977104EB}"/>
+              </a:ext>
+            </a:extLst>
+          </p:cNvPr>
+          <p:cNvPicPr>
+            <a:picLocks noChangeAspect="1"/>
+          </p:cNvPicPr>
+          <p:nvPr/>
+        </p:nvPicPr>
+        <p:blipFill>
+          <a:blip r:embed="rId4"/>
+          <a:stretch>
+            <a:fillRect/>
+          </a:stretch>
+        </p:blipFill>
+        <p:spPr>
+          <a:xfrm>
+            <a:off x="8156073" y="3601865"/>
+            <a:ext cx="3664523" cy="2838340"/>
+          </a:xfrm>
+          <a:prstGeom prst="rect">
+            <a:avLst/>
+          </a:prstGeom>
+        </p:spPr>
+      </p:pic>
+    </p:spTree>
+    <p:extLst>
+      <p:ext uri="{BB962C8B-B14F-4D97-AF65-F5344CB8AC3E}">
+        <p14:creationId xmlns:p14="http://schemas.microsoft.com/office/powerpoint/2010/main" val="1983927801"/>
+      </p:ext>
+    </p:extLst>
+  </p:cSld>
+  <p:clrMapOvr>
+    <a:masterClrMapping/>
+  </p:clrMapOvr>
+</p:sld>
+</file>
+
+<file path=ppt/slides/slide4.xml><?xml version="1.0" encoding="utf-8"?>
+<p:sld xmlns:a="http://schemas.openxmlformats.org/drawingml/2006/main" xmlns:r="http://schemas.openxmlformats.org/officeDocument/2006/relationships" xmlns:p="http://schemas.openxmlformats.org/presentationml/2006/main">
+  <p:cSld>
+    <p:spTree>
+      <p:nvGrpSpPr>
+        <p:cNvPr id="1" name=""/>
+        <p:cNvGrpSpPr/>
+        <p:nvPr/>
+      </p:nvGrpSpPr>
+      <p:grpSpPr>
+        <a:xfrm>
+          <a:off x="0" y="0"/>
+          <a:ext cx="0" cy="0"/>
+          <a:chOff x="0" y="0"/>
+          <a:chExt cx="0" cy="0"/>
+        </a:xfrm>
+      </p:grpSpPr>
+      <p:sp>
+        <p:nvSpPr>
+          <p:cNvPr id="7" name="Titel 6">
+            <a:extLst>
+              <a:ext uri="{FF2B5EF4-FFF2-40B4-BE49-F238E27FC236}">
+                <a16:creationId xmlns:a16="http://schemas.microsoft.com/office/drawing/2014/main" id="{5DD9D229-1352-FFE0-FB2F-89AADE91D431}"/>
+              </a:ext>
+            </a:extLst>
+          </p:cNvPr>
+          <p:cNvSpPr>
+            <a:spLocks noGrp="1"/>
+          </p:cNvSpPr>
+          <p:nvPr>
+            <p:ph type="title"/>
+          </p:nvPr>
+        </p:nvSpPr>
+        <p:spPr>
+          <a:xfrm>
+            <a:off x="838200" y="840824"/>
+            <a:ext cx="10515600" cy="5581118"/>
+          </a:xfrm>
+        </p:spPr>
+        <p:txBody>
+          <a:bodyPr>
+            <a:normAutofit/>
+          </a:bodyPr>
+          <a:lstStyle/>
+          <a:p>
+            <a:pPr algn="ctr"/>
+            <a:r>
+              <a:rPr lang="en-US" dirty="0"/>
+              <a:t>What is State?</a:t>
+            </a:r>
+            <a:br>
+              <a:rPr lang="en-US" dirty="0"/>
+            </a:br>
+            <a:r>
+              <a:rPr lang="en-US" dirty="0"/>
+              <a:t>When do we care about it?</a:t>
+            </a:r>
+            <a:br>
+              <a:rPr lang="en-US" dirty="0"/>
+            </a:br>
+            <a:r>
+              <a:rPr lang="en-US" dirty="0"/>
+              <a:t>How to deal with it?</a:t>
+            </a:r>
+            <a:br>
+              <a:rPr lang="en-US" dirty="0"/>
+            </a:br>
+            <a:br>
+              <a:rPr lang="en-US" dirty="0"/>
+            </a:br>
+            <a:br>
+              <a:rPr lang="en-US" dirty="0"/>
+            </a:br>
+            <a:br>
+              <a:rPr lang="en-US" dirty="0"/>
+            </a:br>
+            <a:r>
+              <a:rPr lang="de-DE" sz="2000" dirty="0">
+                <a:solidFill>
+                  <a:schemeClr val="bg1">
+                    <a:lumMod val="50000"/>
+                  </a:schemeClr>
+                </a:solidFill>
+                <a:latin typeface="+mn-lt"/>
+                <a:hlinkClick r:id="rId3">
+                  <a:extLst>
+                    <a:ext uri="{A12FA001-AC4F-418D-AE19-62706E023703}">
+                      <ahyp:hlinkClr xmlns:ahyp="http://schemas.microsoft.com/office/drawing/2018/hyperlinkcolor" val="tx"/>
+                    </a:ext>
+                  </a:extLst>
+                </a:hlinkClick>
+              </a:rPr>
+              <a:t>⚠️</a:t>
+            </a:r>
+            <a:r>
+              <a:rPr lang="de-DE" sz="2000" dirty="0">
+                <a:solidFill>
+                  <a:schemeClr val="bg1">
+                    <a:lumMod val="50000"/>
+                  </a:schemeClr>
+                </a:solidFill>
+                <a:latin typeface="+mn-lt"/>
+              </a:rPr>
+              <a:t> </a:t>
+            </a:r>
+            <a:r>
+              <a:rPr lang="de-DE" sz="2000" dirty="0" err="1">
+                <a:solidFill>
+                  <a:schemeClr val="bg1">
+                    <a:lumMod val="50000"/>
+                  </a:schemeClr>
+                </a:solidFill>
+                <a:latin typeface="+mn-lt"/>
+              </a:rPr>
+              <a:t>Definitions</a:t>
+            </a:r>
+            <a:r>
+              <a:rPr lang="de-DE" sz="2000" dirty="0">
+                <a:solidFill>
+                  <a:schemeClr val="bg1">
+                    <a:lumMod val="50000"/>
+                  </a:schemeClr>
+                </a:solidFill>
+                <a:latin typeface="+mn-lt"/>
+              </a:rPr>
+              <a:t> </a:t>
+            </a:r>
+            <a:r>
+              <a:rPr lang="de-DE" sz="2000" dirty="0" err="1">
+                <a:solidFill>
+                  <a:schemeClr val="bg1">
+                    <a:lumMod val="50000"/>
+                  </a:schemeClr>
+                </a:solidFill>
+                <a:latin typeface="+mn-lt"/>
+              </a:rPr>
+              <a:t>are</a:t>
+            </a:r>
+            <a:r>
+              <a:rPr lang="de-DE" sz="2000" dirty="0">
+                <a:solidFill>
+                  <a:schemeClr val="bg1">
+                    <a:lumMod val="50000"/>
+                  </a:schemeClr>
+                </a:solidFill>
+                <a:latin typeface="+mn-lt"/>
+              </a:rPr>
+              <a:t> </a:t>
+            </a:r>
+            <a:r>
+              <a:rPr lang="de-DE" sz="2000" dirty="0" err="1">
+                <a:solidFill>
+                  <a:schemeClr val="bg1">
+                    <a:lumMod val="50000"/>
+                  </a:schemeClr>
+                </a:solidFill>
+                <a:latin typeface="+mn-lt"/>
+              </a:rPr>
+              <a:t>what</a:t>
+            </a:r>
+            <a:r>
+              <a:rPr lang="de-DE" sz="2000" dirty="0">
+                <a:solidFill>
+                  <a:schemeClr val="bg1">
+                    <a:lumMod val="50000"/>
+                  </a:schemeClr>
+                </a:solidFill>
+                <a:latin typeface="+mn-lt"/>
+              </a:rPr>
+              <a:t> I </a:t>
+            </a:r>
+            <a:r>
+              <a:rPr lang="de-DE" sz="2000" dirty="0" err="1">
+                <a:solidFill>
+                  <a:schemeClr val="bg1">
+                    <a:lumMod val="50000"/>
+                  </a:schemeClr>
+                </a:solidFill>
+                <a:latin typeface="+mn-lt"/>
+              </a:rPr>
+              <a:t>came</a:t>
+            </a:r>
+            <a:r>
+              <a:rPr lang="de-DE" sz="2000" dirty="0">
+                <a:solidFill>
+                  <a:schemeClr val="bg1">
+                    <a:lumMod val="50000"/>
+                  </a:schemeClr>
+                </a:solidFill>
+                <a:latin typeface="+mn-lt"/>
+              </a:rPr>
+              <a:t> </a:t>
+            </a:r>
+            <a:r>
+              <a:rPr lang="de-DE" sz="2000" dirty="0" err="1">
+                <a:solidFill>
+                  <a:schemeClr val="bg1">
+                    <a:lumMod val="50000"/>
+                  </a:schemeClr>
+                </a:solidFill>
+                <a:latin typeface="+mn-lt"/>
+              </a:rPr>
+              <a:t>up</a:t>
+            </a:r>
+            <a:r>
+              <a:rPr lang="de-DE" sz="2000" dirty="0">
+                <a:solidFill>
+                  <a:schemeClr val="bg1">
+                    <a:lumMod val="50000"/>
+                  </a:schemeClr>
+                </a:solidFill>
+                <a:latin typeface="+mn-lt"/>
+              </a:rPr>
+              <a:t> </a:t>
+            </a:r>
+            <a:r>
+              <a:rPr lang="de-DE" sz="2000" dirty="0" err="1">
+                <a:solidFill>
+                  <a:schemeClr val="bg1">
+                    <a:lumMod val="50000"/>
+                  </a:schemeClr>
+                </a:solidFill>
+                <a:latin typeface="+mn-lt"/>
+              </a:rPr>
+              <a:t>with</a:t>
+            </a:r>
+            <a:r>
+              <a:rPr lang="de-DE" sz="2000" dirty="0">
+                <a:solidFill>
+                  <a:schemeClr val="bg1">
+                    <a:lumMod val="50000"/>
+                  </a:schemeClr>
+                </a:solidFill>
+                <a:latin typeface="+mn-lt"/>
+              </a:rPr>
+              <a:t> and </a:t>
+            </a:r>
+            <a:r>
+              <a:rPr lang="de-DE" sz="2000" dirty="0" err="1">
+                <a:solidFill>
+                  <a:schemeClr val="bg1">
+                    <a:lumMod val="50000"/>
+                  </a:schemeClr>
+                </a:solidFill>
+                <a:latin typeface="+mn-lt"/>
+              </a:rPr>
+              <a:t>what</a:t>
+            </a:r>
+            <a:r>
+              <a:rPr lang="de-DE" sz="2000" dirty="0">
+                <a:solidFill>
+                  <a:schemeClr val="bg1">
+                    <a:lumMod val="50000"/>
+                  </a:schemeClr>
+                </a:solidFill>
+                <a:latin typeface="+mn-lt"/>
+              </a:rPr>
+              <a:t> </a:t>
+            </a:r>
+            <a:r>
+              <a:rPr lang="de-DE" sz="2000" dirty="0" err="1">
+                <a:solidFill>
+                  <a:schemeClr val="bg1">
+                    <a:lumMod val="50000"/>
+                  </a:schemeClr>
+                </a:solidFill>
+                <a:latin typeface="+mn-lt"/>
+              </a:rPr>
+              <a:t>helped</a:t>
+            </a:r>
+            <a:r>
+              <a:rPr lang="de-DE" sz="2000" dirty="0">
+                <a:solidFill>
+                  <a:schemeClr val="bg1">
+                    <a:lumMod val="50000"/>
+                  </a:schemeClr>
+                </a:solidFill>
+                <a:latin typeface="+mn-lt"/>
+              </a:rPr>
+              <a:t> me.</a:t>
+            </a:r>
+            <a:endParaRPr lang="de-DE" sz="2800" dirty="0">
+              <a:solidFill>
+                <a:schemeClr val="bg1">
+                  <a:lumMod val="50000"/>
+                </a:schemeClr>
+              </a:solidFill>
+              <a:latin typeface="+mn-lt"/>
+            </a:endParaRPr>
+          </a:p>
+        </p:txBody>
+      </p:sp>
+    </p:spTree>
+    <p:extLst>
+      <p:ext uri="{BB962C8B-B14F-4D97-AF65-F5344CB8AC3E}">
+        <p14:creationId xmlns:p14="http://schemas.microsoft.com/office/powerpoint/2010/main" val="4190653738"/>
+      </p:ext>
+    </p:extLst>
+  </p:cSld>
+  <p:clrMapOvr>
+    <a:masterClrMapping/>
+  </p:clrMapOvr>
+</p:sld>
+</file>
+
+<file path=ppt/slides/slide5.xml><?xml version="1.0" encoding="utf-8"?>
+<p:sld xmlns:a="http://schemas.openxmlformats.org/drawingml/2006/main" xmlns:r="http://schemas.openxmlformats.org/officeDocument/2006/relationships" xmlns:p="http://schemas.openxmlformats.org/presentationml/2006/main">
+  <p:cSld>
+    <p:spTree>
+      <p:nvGrpSpPr>
+        <p:cNvPr id="1" name=""/>
+        <p:cNvGrpSpPr/>
+        <p:nvPr/>
+      </p:nvGrpSpPr>
+      <p:grpSpPr>
+        <a:xfrm>
+          <a:off x="0" y="0"/>
+          <a:ext cx="0" cy="0"/>
+          <a:chOff x="0" y="0"/>
+          <a:chExt cx="0" cy="0"/>
+        </a:xfrm>
+      </p:grpSpPr>
+      <p:sp>
+        <p:nvSpPr>
+          <p:cNvPr id="2" name="Titel 1">
+            <a:extLst>
+              <a:ext uri="{FF2B5EF4-FFF2-40B4-BE49-F238E27FC236}">
+                <a16:creationId xmlns:a16="http://schemas.microsoft.com/office/drawing/2014/main" id="{F74D5085-33C9-7A82-A467-E6ADF1D5A1C0}"/>
+              </a:ext>
+            </a:extLst>
+          </p:cNvPr>
+          <p:cNvSpPr>
+            <a:spLocks noGrp="1"/>
+          </p:cNvSpPr>
+          <p:nvPr>
+            <p:ph type="title"/>
+          </p:nvPr>
+        </p:nvSpPr>
+        <p:spPr/>
+        <p:txBody>
+          <a:bodyPr/>
+          <a:lstStyle/>
+          <a:p>
+            <a:r>
+              <a:rPr lang="en-US" dirty="0"/>
+              <a:t>State Definition</a:t>
+            </a:r>
+            <a:endParaRPr lang="de-DE" dirty="0"/>
+          </a:p>
+        </p:txBody>
+      </p:sp>
+      <p:pic>
+        <p:nvPicPr>
+          <p:cNvPr id="5" name="Inhaltsplatzhalter 4" descr="Ein Bild, das Text, Grafiken, Grafikdesign, Screenshot enthält.&#10;&#10;Automatisch generierte Beschreibung">
+            <a:extLst>
+              <a:ext uri="{FF2B5EF4-FFF2-40B4-BE49-F238E27FC236}">
+                <a16:creationId xmlns:a16="http://schemas.microsoft.com/office/drawing/2014/main" id="{56FAF52A-A2BC-0C7E-1E66-4E6E9CDD5056}"/>
+              </a:ext>
+            </a:extLst>
+          </p:cNvPr>
+          <p:cNvPicPr>
+            <a:picLocks noGrp="1" noChangeAspect="1"/>
+          </p:cNvPicPr>
+          <p:nvPr>
+            <p:ph idx="1"/>
+          </p:nvPr>
+        </p:nvPicPr>
+        <p:blipFill>
+          <a:blip r:embed="rId2">
+            <a:extLst>
+              <a:ext uri="{28A0092B-C50C-407E-A947-70E740481C1C}">
+                <a14:useLocalDpi xmlns:a14="http://schemas.microsoft.com/office/drawing/2010/main" val="0"/>
+              </a:ext>
+            </a:extLst>
+          </a:blip>
+          <a:stretch>
+            <a:fillRect/>
+          </a:stretch>
+        </p:blipFill>
+        <p:spPr>
+          <a:xfrm>
+            <a:off x="4552708" y="2010620"/>
+            <a:ext cx="6589143" cy="3708345"/>
+          </a:xfrm>
+        </p:spPr>
+      </p:pic>
+      <p:sp>
+        <p:nvSpPr>
+          <p:cNvPr id="6" name="Textfeld 5">
+            <a:extLst>
+              <a:ext uri="{FF2B5EF4-FFF2-40B4-BE49-F238E27FC236}">
+                <a16:creationId xmlns:a16="http://schemas.microsoft.com/office/drawing/2014/main" id="{9B0C810E-8EF5-8D68-BF26-68051554FA5A}"/>
+              </a:ext>
+            </a:extLst>
+          </p:cNvPr>
+          <p:cNvSpPr txBox="1"/>
+          <p:nvPr/>
+        </p:nvSpPr>
+        <p:spPr>
+          <a:xfrm>
+            <a:off x="338274" y="2842304"/>
+            <a:ext cx="4214434" cy="3127881"/>
+          </a:xfrm>
+          <a:prstGeom prst="rect">
+            <a:avLst/>
+          </a:prstGeom>
+        </p:spPr>
+        <p:txBody>
+          <a:bodyPr vert="horz" lIns="91440" tIns="45720" rIns="91440" bIns="45720" rtlCol="0">
+            <a:noAutofit/>
+          </a:bodyPr>
+          <a:lstStyle>
+            <a:lvl1pPr marL="228600" indent="-228600">
+              <a:lnSpc>
+                <a:spcPct val="90000"/>
+              </a:lnSpc>
+              <a:spcBef>
+                <a:spcPts val="1000"/>
+              </a:spcBef>
+              <a:buFont typeface="Arial" panose="020B0604020202020204" pitchFamily="34" charset="0"/>
+              <a:buChar char="•"/>
+              <a:defRPr sz="2800"/>
+            </a:lvl1pPr>
+            <a:lvl2pPr marL="685800" indent="-228600">
+              <a:lnSpc>
+                <a:spcPct val="90000"/>
+              </a:lnSpc>
+              <a:spcBef>
+                <a:spcPts val="500"/>
+              </a:spcBef>
+              <a:buFont typeface="Arial" panose="020B0604020202020204" pitchFamily="34" charset="0"/>
+              <a:buChar char="•"/>
+              <a:defRPr sz="2400"/>
+            </a:lvl2pPr>
+            <a:lvl3pPr marL="1143000" indent="-228600">
+              <a:lnSpc>
+                <a:spcPct val="90000"/>
+              </a:lnSpc>
+              <a:spcBef>
+                <a:spcPts val="500"/>
+              </a:spcBef>
+              <a:buFont typeface="Arial" panose="020B0604020202020204" pitchFamily="34" charset="0"/>
+              <a:buChar char="•"/>
+              <a:defRPr sz="2000"/>
+            </a:lvl3pPr>
+            <a:lvl4pPr marL="1600200" indent="-228600">
+              <a:lnSpc>
+                <a:spcPct val="90000"/>
+              </a:lnSpc>
+              <a:spcBef>
+                <a:spcPts val="500"/>
+              </a:spcBef>
+              <a:buFont typeface="Arial" panose="020B0604020202020204" pitchFamily="34" charset="0"/>
+              <a:buChar char="•"/>
+            </a:lvl4pPr>
+            <a:lvl5pPr marL="2057400" indent="-228600">
+              <a:lnSpc>
+                <a:spcPct val="90000"/>
+              </a:lnSpc>
+              <a:spcBef>
+                <a:spcPts val="500"/>
+              </a:spcBef>
+              <a:buFont typeface="Arial" panose="020B0604020202020204" pitchFamily="34" charset="0"/>
+              <a:buChar char="•"/>
+            </a:lvl5pPr>
+            <a:lvl6pPr marL="2514600" indent="-228600">
+              <a:lnSpc>
+                <a:spcPct val="90000"/>
+              </a:lnSpc>
+              <a:spcBef>
+                <a:spcPts val="500"/>
+              </a:spcBef>
+              <a:buFont typeface="Arial" panose="020B0604020202020204" pitchFamily="34" charset="0"/>
+              <a:buChar char="•"/>
+            </a:lvl6pPr>
+            <a:lvl7pPr marL="2971800" indent="-228600">
+              <a:lnSpc>
+                <a:spcPct val="90000"/>
+              </a:lnSpc>
+              <a:spcBef>
+                <a:spcPts val="500"/>
+              </a:spcBef>
+              <a:buFont typeface="Arial" panose="020B0604020202020204" pitchFamily="34" charset="0"/>
+              <a:buChar char="•"/>
+            </a:lvl7pPr>
+            <a:lvl8pPr marL="3429000" indent="-228600">
+              <a:lnSpc>
+                <a:spcPct val="90000"/>
+              </a:lnSpc>
+              <a:spcBef>
+                <a:spcPts val="500"/>
+              </a:spcBef>
+              <a:buFont typeface="Arial" panose="020B0604020202020204" pitchFamily="34" charset="0"/>
+              <a:buChar char="•"/>
+            </a:lvl8pPr>
+            <a:lvl9pPr marL="3886200" indent="-228600">
+              <a:lnSpc>
+                <a:spcPct val="90000"/>
+              </a:lnSpc>
+              <a:spcBef>
+                <a:spcPts val="500"/>
+              </a:spcBef>
+              <a:buFont typeface="Arial" panose="020B0604020202020204" pitchFamily="34" charset="0"/>
+              <a:buChar char="•"/>
+            </a:lvl9pPr>
+          </a:lstStyle>
+          <a:p>
+            <a:r>
+              <a:rPr lang="de-DE" dirty="0" err="1"/>
+              <a:t>Def</a:t>
+            </a:r>
+            <a:r>
+              <a:rPr lang="de-DE" dirty="0"/>
+              <a:t>. </a:t>
+            </a:r>
+            <a:r>
+              <a:rPr lang="de-DE" dirty="0" err="1"/>
+              <a:t>by</a:t>
+            </a:r>
+            <a:r>
+              <a:rPr lang="de-DE" dirty="0"/>
+              <a:t> Intuition</a:t>
+            </a:r>
+          </a:p>
+          <a:p>
+            <a:r>
+              <a:rPr lang="de-DE" dirty="0"/>
+              <a:t>Natural Language</a:t>
+            </a:r>
+          </a:p>
+          <a:p>
+            <a:r>
+              <a:rPr lang="de-DE" dirty="0" err="1"/>
+              <a:t>Vocabulary</a:t>
+            </a:r>
+            <a:r>
+              <a:rPr lang="de-DE" dirty="0"/>
+              <a:t> </a:t>
+            </a:r>
+            <a:r>
+              <a:rPr lang="de-DE" dirty="0" err="1"/>
+              <a:t>is</a:t>
+            </a:r>
+            <a:r>
+              <a:rPr lang="de-DE" dirty="0"/>
+              <a:t> Relevant</a:t>
+            </a:r>
+          </a:p>
+          <a:p>
+            <a:r>
+              <a:rPr lang="de-DE" dirty="0" err="1"/>
+              <a:t>It</a:t>
+            </a:r>
+            <a:r>
+              <a:rPr lang="de-DE" dirty="0"/>
+              <a:t> </a:t>
+            </a:r>
+            <a:r>
+              <a:rPr lang="de-DE" dirty="0" err="1"/>
+              <a:t>makes</a:t>
+            </a:r>
+            <a:r>
+              <a:rPr lang="de-DE" dirty="0"/>
+              <a:t> (</a:t>
+            </a:r>
+            <a:r>
+              <a:rPr lang="de-DE" dirty="0" err="1"/>
+              <a:t>or</a:t>
+            </a:r>
+            <a:r>
+              <a:rPr lang="de-DE" dirty="0"/>
+              <a:t> </a:t>
+            </a:r>
+            <a:r>
+              <a:rPr lang="de-DE" dirty="0" err="1"/>
+              <a:t>made</a:t>
+            </a:r>
+            <a:r>
+              <a:rPr lang="de-DE" dirty="0"/>
+              <a:t>) Sense</a:t>
+            </a:r>
+          </a:p>
+          <a:p>
+            <a:endParaRPr lang="de-DE" dirty="0"/>
+          </a:p>
+        </p:txBody>
+      </p:sp>
+    </p:spTree>
+    <p:extLst>
+      <p:ext uri="{BB962C8B-B14F-4D97-AF65-F5344CB8AC3E}">
+        <p14:creationId xmlns:p14="http://schemas.microsoft.com/office/powerpoint/2010/main" val="3933759385"/>
+      </p:ext>
+    </p:extLst>
+  </p:cSld>
+  <p:clrMapOvr>
+    <a:masterClrMapping/>
+  </p:clrMapOvr>
+</p:sld>
+</file>
+
+<file path=ppt/slides/slide6.xml><?xml version="1.0" encoding="utf-8"?>
+<p:sld xmlns:a="http://schemas.openxmlformats.org/drawingml/2006/main" xmlns:r="http://schemas.openxmlformats.org/officeDocument/2006/relationships" xmlns:p="http://schemas.openxmlformats.org/presentationml/2006/main">
+  <p:cSld>
+    <p:spTree>
+      <p:nvGrpSpPr>
+        <p:cNvPr id="1" name=""/>
+        <p:cNvGrpSpPr/>
+        <p:nvPr/>
+      </p:nvGrpSpPr>
+      <p:grpSpPr>
+        <a:xfrm>
+          <a:off x="0" y="0"/>
+          <a:ext cx="0" cy="0"/>
+          <a:chOff x="0" y="0"/>
+          <a:chExt cx="0" cy="0"/>
+        </a:xfrm>
+      </p:grpSpPr>
+      <p:sp>
+        <p:nvSpPr>
+          <p:cNvPr id="2" name="Titel 1">
+            <a:extLst>
+              <a:ext uri="{FF2B5EF4-FFF2-40B4-BE49-F238E27FC236}">
+                <a16:creationId xmlns:a16="http://schemas.microsoft.com/office/drawing/2014/main" id="{D1EB097B-78C9-9468-544B-2144580E3780}"/>
+              </a:ext>
+            </a:extLst>
+          </p:cNvPr>
+          <p:cNvSpPr>
+            <a:spLocks noGrp="1"/>
+          </p:cNvSpPr>
+          <p:nvPr>
+            <p:ph type="title"/>
+          </p:nvPr>
+        </p:nvSpPr>
+        <p:spPr/>
+        <p:txBody>
+          <a:bodyPr/>
+          <a:lstStyle/>
+          <a:p>
+            <a:r>
+              <a:rPr lang="en-US" dirty="0"/>
+              <a:t>State Definition</a:t>
+            </a:r>
+            <a:endParaRPr lang="de-DE" dirty="0"/>
+          </a:p>
+        </p:txBody>
+      </p:sp>
+      <p:pic>
+        <p:nvPicPr>
+          <p:cNvPr id="5" name="Inhaltsplatzhalter 4" descr="Ein Bild, das draußen, Transport, Landfahrzeug, Ampel enthält.&#10;&#10;Automatisch generierte Beschreibung">
+            <a:extLst>
+              <a:ext uri="{FF2B5EF4-FFF2-40B4-BE49-F238E27FC236}">
+                <a16:creationId xmlns:a16="http://schemas.microsoft.com/office/drawing/2014/main" id="{0CD93179-9684-FE97-489B-27B61CA93C29}"/>
+              </a:ext>
+            </a:extLst>
+          </p:cNvPr>
+          <p:cNvPicPr>
+            <a:picLocks noGrp="1" noChangeAspect="1"/>
+          </p:cNvPicPr>
+          <p:nvPr>
+            <p:ph idx="1"/>
+          </p:nvPr>
+        </p:nvPicPr>
+        <p:blipFill>
+          <a:blip r:embed="rId2">
+            <a:extLst>
+              <a:ext uri="{28A0092B-C50C-407E-A947-70E740481C1C}">
+                <a14:useLocalDpi xmlns:a14="http://schemas.microsoft.com/office/drawing/2010/main" val="0"/>
+              </a:ext>
+            </a:extLst>
+          </a:blip>
+          <a:stretch>
+            <a:fillRect/>
+          </a:stretch>
+        </p:blipFill>
+        <p:spPr>
+          <a:xfrm>
+            <a:off x="904076" y="1802565"/>
+            <a:ext cx="5362575" cy="3781425"/>
+          </a:xfrm>
+        </p:spPr>
+      </p:pic>
+      <p:sp>
+        <p:nvSpPr>
+          <p:cNvPr id="6" name="Textfeld 5">
+            <a:extLst>
+              <a:ext uri="{FF2B5EF4-FFF2-40B4-BE49-F238E27FC236}">
+                <a16:creationId xmlns:a16="http://schemas.microsoft.com/office/drawing/2014/main" id="{17B87CF4-2B7E-509A-1620-6E717A3312D8}"/>
+              </a:ext>
+            </a:extLst>
+          </p:cNvPr>
+          <p:cNvSpPr txBox="1"/>
+          <p:nvPr/>
+        </p:nvSpPr>
+        <p:spPr>
+          <a:xfrm>
+            <a:off x="7024493" y="2084153"/>
+            <a:ext cx="4214434" cy="3372983"/>
+          </a:xfrm>
+          <a:prstGeom prst="rect">
+            <a:avLst/>
+          </a:prstGeom>
+        </p:spPr>
+        <p:txBody>
+          <a:bodyPr vert="horz" lIns="91440" tIns="45720" rIns="91440" bIns="45720" rtlCol="0">
+            <a:noAutofit/>
+          </a:bodyPr>
+          <a:lstStyle>
+            <a:lvl1pPr marL="228600" indent="-228600">
+              <a:lnSpc>
+                <a:spcPct val="90000"/>
+              </a:lnSpc>
+              <a:spcBef>
+                <a:spcPts val="1000"/>
+              </a:spcBef>
+              <a:buFont typeface="Arial" panose="020B0604020202020204" pitchFamily="34" charset="0"/>
+              <a:buChar char="•"/>
+              <a:defRPr sz="2800"/>
+            </a:lvl1pPr>
+            <a:lvl2pPr marL="685800" indent="-228600">
+              <a:lnSpc>
+                <a:spcPct val="90000"/>
+              </a:lnSpc>
+              <a:spcBef>
+                <a:spcPts val="500"/>
+              </a:spcBef>
+              <a:buFont typeface="Arial" panose="020B0604020202020204" pitchFamily="34" charset="0"/>
+              <a:buChar char="•"/>
+              <a:defRPr sz="2400"/>
+            </a:lvl2pPr>
+            <a:lvl3pPr marL="1143000" indent="-228600">
+              <a:lnSpc>
+                <a:spcPct val="90000"/>
+              </a:lnSpc>
+              <a:spcBef>
+                <a:spcPts val="500"/>
+              </a:spcBef>
+              <a:buFont typeface="Arial" panose="020B0604020202020204" pitchFamily="34" charset="0"/>
+              <a:buChar char="•"/>
+              <a:defRPr sz="2000"/>
+            </a:lvl3pPr>
+            <a:lvl4pPr marL="1600200" indent="-228600">
+              <a:lnSpc>
+                <a:spcPct val="90000"/>
+              </a:lnSpc>
+              <a:spcBef>
+                <a:spcPts val="500"/>
+              </a:spcBef>
+              <a:buFont typeface="Arial" panose="020B0604020202020204" pitchFamily="34" charset="0"/>
+              <a:buChar char="•"/>
+            </a:lvl4pPr>
+            <a:lvl5pPr marL="2057400" indent="-228600">
+              <a:lnSpc>
+                <a:spcPct val="90000"/>
+              </a:lnSpc>
+              <a:spcBef>
+                <a:spcPts val="500"/>
+              </a:spcBef>
+              <a:buFont typeface="Arial" panose="020B0604020202020204" pitchFamily="34" charset="0"/>
+              <a:buChar char="•"/>
+            </a:lvl5pPr>
+            <a:lvl6pPr marL="2514600" indent="-228600">
+              <a:lnSpc>
+                <a:spcPct val="90000"/>
+              </a:lnSpc>
+              <a:spcBef>
+                <a:spcPts val="500"/>
+              </a:spcBef>
+              <a:buFont typeface="Arial" panose="020B0604020202020204" pitchFamily="34" charset="0"/>
+              <a:buChar char="•"/>
+            </a:lvl6pPr>
+            <a:lvl7pPr marL="2971800" indent="-228600">
+              <a:lnSpc>
+                <a:spcPct val="90000"/>
+              </a:lnSpc>
+              <a:spcBef>
+                <a:spcPts val="500"/>
+              </a:spcBef>
+              <a:buFont typeface="Arial" panose="020B0604020202020204" pitchFamily="34" charset="0"/>
+              <a:buChar char="•"/>
+            </a:lvl7pPr>
+            <a:lvl8pPr marL="3429000" indent="-228600">
+              <a:lnSpc>
+                <a:spcPct val="90000"/>
+              </a:lnSpc>
+              <a:spcBef>
+                <a:spcPts val="500"/>
+              </a:spcBef>
+              <a:buFont typeface="Arial" panose="020B0604020202020204" pitchFamily="34" charset="0"/>
+              <a:buChar char="•"/>
+            </a:lvl8pPr>
+            <a:lvl9pPr marL="3886200" indent="-228600">
+              <a:lnSpc>
+                <a:spcPct val="90000"/>
+              </a:lnSpc>
+              <a:spcBef>
+                <a:spcPts val="500"/>
+              </a:spcBef>
+              <a:buFont typeface="Arial" panose="020B0604020202020204" pitchFamily="34" charset="0"/>
+              <a:buChar char="•"/>
+            </a:lvl9pPr>
+          </a:lstStyle>
+          <a:p>
+            <a:pPr marL="0" indent="0">
+              <a:buNone/>
+            </a:pPr>
+            <a:r>
+              <a:rPr lang="en-US" sz="2400" dirty="0"/>
+              <a:t>A: "Can I drive? "</a:t>
+            </a:r>
+          </a:p>
+          <a:p>
+            <a:pPr marL="0" indent="0">
+              <a:buNone/>
+            </a:pPr>
+            <a:r>
+              <a:rPr lang="en-US" sz="2400" dirty="0"/>
+              <a:t>B: "No, traffic light is red."</a:t>
+            </a:r>
+          </a:p>
+          <a:p>
+            <a:pPr marL="0" indent="0">
+              <a:buNone/>
+            </a:pPr>
+            <a:r>
+              <a:rPr lang="en-US" sz="2400" dirty="0">
+                <a:solidFill>
+                  <a:schemeClr val="bg1">
+                    <a:lumMod val="50000"/>
+                  </a:schemeClr>
+                </a:solidFill>
+              </a:rPr>
+              <a:t>…</a:t>
+            </a:r>
+          </a:p>
+          <a:p>
+            <a:pPr marL="0" indent="0">
+              <a:buNone/>
+            </a:pPr>
+            <a:r>
+              <a:rPr lang="en-US" sz="2400" dirty="0"/>
+              <a:t>A: " Can I drive now? "</a:t>
+            </a:r>
+          </a:p>
+          <a:p>
+            <a:pPr marL="0" indent="0">
+              <a:buNone/>
+            </a:pPr>
+            <a:r>
+              <a:rPr lang="en-US" sz="2400" dirty="0"/>
+              <a:t>B: "Yes, now it's green."</a:t>
+            </a:r>
+            <a:endParaRPr lang="de-DE" sz="2400" dirty="0"/>
+          </a:p>
+        </p:txBody>
+      </p:sp>
+    </p:spTree>
+    <p:extLst>
+      <p:ext uri="{BB962C8B-B14F-4D97-AF65-F5344CB8AC3E}">
+        <p14:creationId xmlns:p14="http://schemas.microsoft.com/office/powerpoint/2010/main" val="273764425"/>
+      </p:ext>
+    </p:extLst>
+  </p:cSld>
+  <p:clrMapOvr>
+    <a:masterClrMapping/>
+  </p:clrMapOvr>
+</p:sld>
+</file>
+
+<file path=ppt/slides/slide7.xml><?xml version="1.0" encoding="utf-8"?>
+<p:sld xmlns:a="http://schemas.openxmlformats.org/drawingml/2006/main" xmlns:r="http://schemas.openxmlformats.org/officeDocument/2006/relationships" xmlns:p="http://schemas.openxmlformats.org/presentationml/2006/main">
+  <p:cSld>
+    <p:spTree>
+      <p:nvGrpSpPr>
+        <p:cNvPr id="1" name=""/>
+        <p:cNvGrpSpPr/>
+        <p:nvPr/>
+      </p:nvGrpSpPr>
+      <p:grpSpPr>
+        <a:xfrm>
+          <a:off x="0" y="0"/>
+          <a:ext cx="0" cy="0"/>
+          <a:chOff x="0" y="0"/>
+          <a:chExt cx="0" cy="0"/>
+        </a:xfrm>
+      </p:grpSpPr>
+      <p:sp>
+        <p:nvSpPr>
+          <p:cNvPr id="2" name="Titel 1">
+            <a:extLst>
+              <a:ext uri="{FF2B5EF4-FFF2-40B4-BE49-F238E27FC236}">
+                <a16:creationId xmlns:a16="http://schemas.microsoft.com/office/drawing/2014/main" id="{D1EB097B-78C9-9468-544B-2144580E3780}"/>
+              </a:ext>
+            </a:extLst>
+          </p:cNvPr>
+          <p:cNvSpPr>
+            <a:spLocks noGrp="1"/>
+          </p:cNvSpPr>
+          <p:nvPr>
+            <p:ph type="title"/>
+          </p:nvPr>
+        </p:nvSpPr>
+        <p:spPr/>
+        <p:txBody>
+          <a:bodyPr/>
+          <a:lstStyle/>
+          <a:p>
+            <a:r>
+              <a:rPr lang="en-US" dirty="0"/>
+              <a:t>State Definition</a:t>
+            </a:r>
+            <a:endParaRPr lang="de-DE" dirty="0"/>
+          </a:p>
+        </p:txBody>
+      </p:sp>
+      <p:pic>
+        <p:nvPicPr>
+          <p:cNvPr id="5" name="Inhaltsplatzhalter 4" descr="Ein Bild, das draußen, Transport, Landfahrzeug, Ampel enthält.&#10;&#10;Automatisch generierte Beschreibung">
+            <a:extLst>
+              <a:ext uri="{FF2B5EF4-FFF2-40B4-BE49-F238E27FC236}">
+                <a16:creationId xmlns:a16="http://schemas.microsoft.com/office/drawing/2014/main" id="{0CD93179-9684-FE97-489B-27B61CA93C29}"/>
+              </a:ext>
+            </a:extLst>
+          </p:cNvPr>
+          <p:cNvPicPr>
+            <a:picLocks noGrp="1" noChangeAspect="1"/>
+          </p:cNvPicPr>
+          <p:nvPr>
+            <p:ph idx="1"/>
+          </p:nvPr>
+        </p:nvPicPr>
+        <p:blipFill>
+          <a:blip r:embed="rId3">
+            <a:extLst>
+              <a:ext uri="{28A0092B-C50C-407E-A947-70E740481C1C}">
+                <a14:useLocalDpi xmlns:a14="http://schemas.microsoft.com/office/drawing/2010/main" val="0"/>
+              </a:ext>
+            </a:extLst>
+          </a:blip>
+          <a:stretch>
+            <a:fillRect/>
+          </a:stretch>
+        </p:blipFill>
+        <p:spPr>
+          <a:xfrm>
+            <a:off x="4942236" y="549891"/>
+            <a:ext cx="1194287" cy="842152"/>
+          </a:xfrm>
+        </p:spPr>
+      </p:pic>
+      <p:sp>
+        <p:nvSpPr>
+          <p:cNvPr id="6" name="Textfeld 5">
+            <a:extLst>
+              <a:ext uri="{FF2B5EF4-FFF2-40B4-BE49-F238E27FC236}">
+                <a16:creationId xmlns:a16="http://schemas.microsoft.com/office/drawing/2014/main" id="{17B87CF4-2B7E-509A-1620-6E717A3312D8}"/>
+              </a:ext>
+            </a:extLst>
+          </p:cNvPr>
+          <p:cNvSpPr txBox="1"/>
+          <p:nvPr/>
+        </p:nvSpPr>
+        <p:spPr>
+          <a:xfrm>
+            <a:off x="6196424" y="598717"/>
+            <a:ext cx="5252075" cy="793326"/>
+          </a:xfrm>
+          <a:prstGeom prst="rect">
+            <a:avLst/>
+          </a:prstGeom>
+        </p:spPr>
+        <p:txBody>
+          <a:bodyPr vert="horz" lIns="91440" tIns="45720" rIns="91440" bIns="45720" rtlCol="0">
+            <a:noAutofit/>
+          </a:bodyPr>
+          <a:lstStyle>
+            <a:lvl1pPr marL="228600" indent="-228600">
+              <a:lnSpc>
+                <a:spcPct val="90000"/>
+              </a:lnSpc>
+              <a:spcBef>
+                <a:spcPts val="1000"/>
+              </a:spcBef>
+              <a:buFont typeface="Arial" panose="020B0604020202020204" pitchFamily="34" charset="0"/>
+              <a:buChar char="•"/>
+              <a:defRPr sz="2800"/>
+            </a:lvl1pPr>
+            <a:lvl2pPr marL="685800" indent="-228600">
+              <a:lnSpc>
+                <a:spcPct val="90000"/>
+              </a:lnSpc>
+              <a:spcBef>
+                <a:spcPts val="500"/>
+              </a:spcBef>
+              <a:buFont typeface="Arial" panose="020B0604020202020204" pitchFamily="34" charset="0"/>
+              <a:buChar char="•"/>
+              <a:defRPr sz="2400"/>
+            </a:lvl2pPr>
+            <a:lvl3pPr marL="1143000" indent="-228600">
+              <a:lnSpc>
+                <a:spcPct val="90000"/>
+              </a:lnSpc>
+              <a:spcBef>
+                <a:spcPts val="500"/>
+              </a:spcBef>
+              <a:buFont typeface="Arial" panose="020B0604020202020204" pitchFamily="34" charset="0"/>
+              <a:buChar char="•"/>
+              <a:defRPr sz="2000"/>
+            </a:lvl3pPr>
+            <a:lvl4pPr marL="1600200" indent="-228600">
+              <a:lnSpc>
+                <a:spcPct val="90000"/>
+              </a:lnSpc>
+              <a:spcBef>
+                <a:spcPts val="500"/>
+              </a:spcBef>
+              <a:buFont typeface="Arial" panose="020B0604020202020204" pitchFamily="34" charset="0"/>
+              <a:buChar char="•"/>
+            </a:lvl4pPr>
+            <a:lvl5pPr marL="2057400" indent="-228600">
+              <a:lnSpc>
+                <a:spcPct val="90000"/>
+              </a:lnSpc>
+              <a:spcBef>
+                <a:spcPts val="500"/>
+              </a:spcBef>
+              <a:buFont typeface="Arial" panose="020B0604020202020204" pitchFamily="34" charset="0"/>
+              <a:buChar char="•"/>
+            </a:lvl5pPr>
+            <a:lvl6pPr marL="2514600" indent="-228600">
+              <a:lnSpc>
+                <a:spcPct val="90000"/>
+              </a:lnSpc>
+              <a:spcBef>
+                <a:spcPts val="500"/>
+              </a:spcBef>
+              <a:buFont typeface="Arial" panose="020B0604020202020204" pitchFamily="34" charset="0"/>
+              <a:buChar char="•"/>
+            </a:lvl6pPr>
+            <a:lvl7pPr marL="2971800" indent="-228600">
+              <a:lnSpc>
+                <a:spcPct val="90000"/>
+              </a:lnSpc>
+              <a:spcBef>
+                <a:spcPts val="500"/>
+              </a:spcBef>
+              <a:buFont typeface="Arial" panose="020B0604020202020204" pitchFamily="34" charset="0"/>
+              <a:buChar char="•"/>
+            </a:lvl7pPr>
+            <a:lvl8pPr marL="3429000" indent="-228600">
+              <a:lnSpc>
+                <a:spcPct val="90000"/>
+              </a:lnSpc>
+              <a:spcBef>
+                <a:spcPts val="500"/>
+              </a:spcBef>
+              <a:buFont typeface="Arial" panose="020B0604020202020204" pitchFamily="34" charset="0"/>
+              <a:buChar char="•"/>
+            </a:lvl8pPr>
+            <a:lvl9pPr marL="3886200" indent="-228600">
+              <a:lnSpc>
+                <a:spcPct val="90000"/>
+              </a:lnSpc>
+              <a:spcBef>
+                <a:spcPts val="500"/>
+              </a:spcBef>
+              <a:buFont typeface="Arial" panose="020B0604020202020204" pitchFamily="34" charset="0"/>
+              <a:buChar char="•"/>
+            </a:lvl9pPr>
+          </a:lstStyle>
+          <a:p>
+            <a:pPr marL="0" indent="0">
+              <a:buNone/>
+            </a:pPr>
+            <a:r>
+              <a:rPr lang="en-US" sz="1600" dirty="0"/>
+              <a:t>Can I drive?             | No, traffic light is red.</a:t>
+            </a:r>
+          </a:p>
+          <a:p>
+            <a:pPr marL="0" indent="0">
+              <a:buNone/>
+            </a:pPr>
+            <a:r>
+              <a:rPr lang="en-US" sz="1600" dirty="0"/>
+              <a:t>Can I drive now?    | Yes, now it's green.</a:t>
+            </a:r>
+            <a:endParaRPr lang="de-DE" sz="1600" dirty="0"/>
+          </a:p>
+        </p:txBody>
+      </p:sp>
+      <p:sp>
+        <p:nvSpPr>
+          <p:cNvPr id="3" name="Textfeld 2">
+            <a:extLst>
+              <a:ext uri="{FF2B5EF4-FFF2-40B4-BE49-F238E27FC236}">
+                <a16:creationId xmlns:a16="http://schemas.microsoft.com/office/drawing/2014/main" id="{E22EE448-16D9-7E89-23CE-3EBC19DE93D3}"/>
+              </a:ext>
+            </a:extLst>
+          </p:cNvPr>
+          <p:cNvSpPr txBox="1"/>
+          <p:nvPr/>
+        </p:nvSpPr>
+        <p:spPr>
+          <a:xfrm>
+            <a:off x="601670" y="1625635"/>
+            <a:ext cx="11189508" cy="4995340"/>
+          </a:xfrm>
+          <a:prstGeom prst="rect">
+            <a:avLst/>
+          </a:prstGeom>
+        </p:spPr>
+        <p:txBody>
+          <a:bodyPr vert="horz" lIns="91440" tIns="45720" rIns="91440" bIns="45720" rtlCol="0">
+            <a:noAutofit/>
+          </a:bodyPr>
+          <a:lstStyle>
+            <a:lvl1pPr marL="228600" indent="-228600">
+              <a:lnSpc>
+                <a:spcPct val="90000"/>
+              </a:lnSpc>
+              <a:spcBef>
+                <a:spcPts val="1000"/>
+              </a:spcBef>
+              <a:buFont typeface="Arial" panose="020B0604020202020204" pitchFamily="34" charset="0"/>
+              <a:buChar char="•"/>
+              <a:defRPr sz="2800"/>
+            </a:lvl1pPr>
+            <a:lvl2pPr marL="685800" indent="-228600">
+              <a:lnSpc>
+                <a:spcPct val="90000"/>
+              </a:lnSpc>
+              <a:spcBef>
+                <a:spcPts val="500"/>
+              </a:spcBef>
+              <a:buFont typeface="Arial" panose="020B0604020202020204" pitchFamily="34" charset="0"/>
+              <a:buChar char="•"/>
+              <a:defRPr sz="2400"/>
+            </a:lvl2pPr>
+            <a:lvl3pPr marL="1143000" indent="-228600">
+              <a:lnSpc>
+                <a:spcPct val="90000"/>
+              </a:lnSpc>
+              <a:spcBef>
+                <a:spcPts val="500"/>
+              </a:spcBef>
+              <a:buFont typeface="Arial" panose="020B0604020202020204" pitchFamily="34" charset="0"/>
+              <a:buChar char="•"/>
+              <a:defRPr sz="2000"/>
+            </a:lvl3pPr>
+            <a:lvl4pPr marL="1600200" indent="-228600">
+              <a:lnSpc>
+                <a:spcPct val="90000"/>
+              </a:lnSpc>
+              <a:spcBef>
+                <a:spcPts val="500"/>
+              </a:spcBef>
+              <a:buFont typeface="Arial" panose="020B0604020202020204" pitchFamily="34" charset="0"/>
+              <a:buChar char="•"/>
+            </a:lvl4pPr>
+            <a:lvl5pPr marL="2057400" indent="-228600">
+              <a:lnSpc>
+                <a:spcPct val="90000"/>
+              </a:lnSpc>
+              <a:spcBef>
+                <a:spcPts val="500"/>
+              </a:spcBef>
+              <a:buFont typeface="Arial" panose="020B0604020202020204" pitchFamily="34" charset="0"/>
+              <a:buChar char="•"/>
+            </a:lvl5pPr>
+            <a:lvl6pPr marL="2514600" indent="-228600">
+              <a:lnSpc>
+                <a:spcPct val="90000"/>
+              </a:lnSpc>
+              <a:spcBef>
+                <a:spcPts val="500"/>
+              </a:spcBef>
+              <a:buFont typeface="Arial" panose="020B0604020202020204" pitchFamily="34" charset="0"/>
+              <a:buChar char="•"/>
+            </a:lvl6pPr>
+            <a:lvl7pPr marL="2971800" indent="-228600">
+              <a:lnSpc>
+                <a:spcPct val="90000"/>
+              </a:lnSpc>
+              <a:spcBef>
+                <a:spcPts val="500"/>
+              </a:spcBef>
+              <a:buFont typeface="Arial" panose="020B0604020202020204" pitchFamily="34" charset="0"/>
+              <a:buChar char="•"/>
+            </a:lvl7pPr>
+            <a:lvl8pPr marL="3429000" indent="-228600">
+              <a:lnSpc>
+                <a:spcPct val="90000"/>
+              </a:lnSpc>
+              <a:spcBef>
+                <a:spcPts val="500"/>
+              </a:spcBef>
+              <a:buFont typeface="Arial" panose="020B0604020202020204" pitchFamily="34" charset="0"/>
+              <a:buChar char="•"/>
+            </a:lvl8pPr>
+            <a:lvl9pPr marL="3886200" indent="-228600">
+              <a:lnSpc>
+                <a:spcPct val="90000"/>
+              </a:lnSpc>
+              <a:spcBef>
+                <a:spcPts val="500"/>
+              </a:spcBef>
+              <a:buFont typeface="Arial" panose="020B0604020202020204" pitchFamily="34" charset="0"/>
+              <a:buChar char="•"/>
+            </a:lvl9pPr>
+          </a:lstStyle>
+          <a:p>
+            <a:pPr marL="0" indent="0">
+              <a:buNone/>
+            </a:pPr>
+            <a:r>
+              <a:rPr lang="en-US" sz="2400" dirty="0"/>
+              <a:t>Dissecting the conversation - what to learn?</a:t>
+            </a:r>
+          </a:p>
+          <a:p>
+            <a:pPr marL="514350" indent="-514350">
+              <a:buFont typeface="+mj-lt"/>
+              <a:buAutoNum type="alphaLcPeriod"/>
+            </a:pPr>
+            <a:r>
+              <a:rPr lang="en-US" sz="2400" dirty="0"/>
+              <a:t>Values Changing over Time:</a:t>
+            </a:r>
+          </a:p>
+          <a:p>
+            <a:pPr lvl="1"/>
+            <a:r>
+              <a:rPr lang="en-US" sz="1600" dirty="0"/>
+              <a:t>A traffic light has values, and they can change over time.</a:t>
+            </a:r>
+          </a:p>
+          <a:p>
+            <a:pPr marL="514350" indent="-514350">
+              <a:buFont typeface="+mj-lt"/>
+              <a:buAutoNum type="alphaLcPeriod"/>
+            </a:pPr>
+            <a:r>
+              <a:rPr lang="en-US" sz="2400" dirty="0"/>
+              <a:t>Identifiable “things”:</a:t>
+            </a:r>
+          </a:p>
+          <a:p>
+            <a:pPr lvl="1"/>
+            <a:r>
+              <a:rPr lang="en-US" sz="1600" dirty="0"/>
+              <a:t>Nevertheless (the values can change), we can talk about "that" traffic light - it’s (uniquely) </a:t>
+            </a:r>
+            <a:r>
+              <a:rPr lang="en-US" sz="1600" dirty="0" err="1"/>
+              <a:t>identifyable</a:t>
+            </a:r>
+            <a:r>
+              <a:rPr lang="en-US" sz="1600" dirty="0"/>
+              <a:t> independent of its changing values.</a:t>
+            </a:r>
+          </a:p>
+          <a:p>
+            <a:pPr lvl="1"/>
+            <a:r>
+              <a:rPr lang="en-US" sz="1600" dirty="0"/>
+              <a:t>Usually: A unique, invariant, absolute location in a finite address space as identifier (Pointer, (natural) DB-Key).</a:t>
+            </a:r>
+          </a:p>
+          <a:p>
+            <a:pPr marL="514350" indent="-514350">
+              <a:buFont typeface="+mj-lt"/>
+              <a:buAutoNum type="alphaLcPeriod"/>
+            </a:pPr>
+            <a:r>
+              <a:rPr lang="en-US" sz="2400" dirty="0"/>
+              <a:t>Sharable / </a:t>
+            </a:r>
+            <a:r>
+              <a:rPr lang="en-US" sz="2400" dirty="0" err="1"/>
+              <a:t>Revisitable</a:t>
+            </a:r>
+            <a:r>
+              <a:rPr lang="en-US" sz="2400" dirty="0"/>
+              <a:t>:</a:t>
+            </a:r>
+          </a:p>
+          <a:p>
+            <a:pPr lvl="1"/>
+            <a:r>
+              <a:rPr lang="en-US" sz="1600" dirty="0"/>
+              <a:t>Different people can refer to the same thing</a:t>
+            </a:r>
+          </a:p>
+          <a:p>
+            <a:pPr lvl="1"/>
+            <a:r>
+              <a:rPr lang="en-US" sz="1600" dirty="0"/>
+              <a:t>OR: "that thing" is </a:t>
+            </a:r>
+            <a:r>
+              <a:rPr lang="en-US" sz="1600" dirty="0" err="1"/>
+              <a:t>referencable</a:t>
+            </a:r>
+            <a:r>
+              <a:rPr lang="en-US" sz="1600" dirty="0"/>
+              <a:t> now, and at another point in time (it's still "that thing").</a:t>
+            </a:r>
+          </a:p>
+          <a:p>
+            <a:pPr marL="0" indent="0">
+              <a:buNone/>
+            </a:pPr>
+            <a:br>
+              <a:rPr lang="en-US" sz="1400" dirty="0"/>
+            </a:br>
+            <a:r>
+              <a:rPr lang="en-US" sz="2400" dirty="0"/>
+              <a:t>If all 3 properties occur together, then they become </a:t>
+            </a:r>
+            <a:r>
+              <a:rPr lang="en-US" sz="2400" u="sng" dirty="0"/>
+              <a:t>relevant</a:t>
+            </a:r>
+            <a:r>
+              <a:rPr lang="en-US" sz="2400" dirty="0"/>
+              <a:t> as a whole.</a:t>
+            </a:r>
+          </a:p>
+          <a:p>
+            <a:pPr marL="0" indent="0">
+              <a:buNone/>
+            </a:pPr>
+            <a:r>
+              <a:rPr lang="en-US" sz="2400" dirty="0"/>
+              <a:t>This relevance, we express with the word “</a:t>
+            </a:r>
+            <a:r>
+              <a:rPr lang="en-US" sz="2400" u="sng" dirty="0"/>
+              <a:t>state</a:t>
+            </a:r>
+            <a:r>
+              <a:rPr lang="en-US" sz="2400" dirty="0"/>
+              <a:t>”.</a:t>
+            </a:r>
+          </a:p>
+          <a:p>
+            <a:pPr marL="0" indent="0">
+              <a:buNone/>
+            </a:pPr>
+            <a:r>
+              <a:rPr lang="en-US" sz="2400" dirty="0"/>
+              <a:t>“S</a:t>
+            </a:r>
+            <a:r>
+              <a:rPr lang="en-US" sz="2400" u="sng" dirty="0"/>
+              <a:t>tate</a:t>
+            </a:r>
+            <a:r>
+              <a:rPr lang="en-US" sz="2400" dirty="0"/>
+              <a:t>” is not only the changing values over time – it’s these 3 properties.</a:t>
+            </a:r>
+            <a:endParaRPr lang="de-DE" sz="2400" dirty="0"/>
+          </a:p>
+        </p:txBody>
+      </p:sp>
+    </p:spTree>
+    <p:extLst>
+      <p:ext uri="{BB962C8B-B14F-4D97-AF65-F5344CB8AC3E}">
+        <p14:creationId xmlns:p14="http://schemas.microsoft.com/office/powerpoint/2010/main" val="2073988899"/>
+      </p:ext>
+    </p:extLst>
+  </p:cSld>
+  <p:clrMapOvr>
+    <a:masterClrMapping/>
+  </p:clrMapOvr>
+</p:sld>
+</file>
+
+<file path=ppt/slides/slide8.xml><?xml version="1.0" encoding="utf-8"?>
+<p:sld xmlns:a="http://schemas.openxmlformats.org/drawingml/2006/main" xmlns:r="http://schemas.openxmlformats.org/officeDocument/2006/relationships" xmlns:p="http://schemas.openxmlformats.org/presentationml/2006/main" show="0">
+  <p:cSld>
+    <p:spTree>
+      <p:nvGrpSpPr>
+        <p:cNvPr id="1" name=""/>
+        <p:cNvGrpSpPr/>
+        <p:nvPr/>
+      </p:nvGrpSpPr>
+      <p:grpSpPr>
+        <a:xfrm>
+          <a:off x="0" y="0"/>
+          <a:ext cx="0" cy="0"/>
+          <a:chOff x="0" y="0"/>
+          <a:chExt cx="0" cy="0"/>
+        </a:xfrm>
+      </p:grpSpPr>
+      <p:sp>
+        <p:nvSpPr>
+          <p:cNvPr id="6" name="Textfeld 5">
+            <a:extLst>
+              <a:ext uri="{FF2B5EF4-FFF2-40B4-BE49-F238E27FC236}">
+                <a16:creationId xmlns:a16="http://schemas.microsoft.com/office/drawing/2014/main" id="{9B0C810E-8EF5-8D68-BF26-68051554FA5A}"/>
+              </a:ext>
+            </a:extLst>
+          </p:cNvPr>
+          <p:cNvSpPr txBox="1"/>
+          <p:nvPr/>
+        </p:nvSpPr>
+        <p:spPr>
+          <a:xfrm>
+            <a:off x="220511" y="244050"/>
+            <a:ext cx="4214434" cy="3532069"/>
+          </a:xfrm>
+          <a:prstGeom prst="rect">
+            <a:avLst/>
+          </a:prstGeom>
+        </p:spPr>
+        <p:txBody>
+          <a:bodyPr vert="horz" lIns="91440" tIns="45720" rIns="91440" bIns="45720" rtlCol="0">
+            <a:noAutofit/>
+          </a:bodyPr>
+          <a:lstStyle>
+            <a:lvl1pPr marL="228600" indent="-228600">
+              <a:lnSpc>
+                <a:spcPct val="90000"/>
+              </a:lnSpc>
+              <a:spcBef>
+                <a:spcPts val="1000"/>
+              </a:spcBef>
+              <a:buFont typeface="Arial" panose="020B0604020202020204" pitchFamily="34" charset="0"/>
+              <a:buChar char="•"/>
+              <a:defRPr sz="2800"/>
+            </a:lvl1pPr>
+            <a:lvl2pPr marL="685800" indent="-228600">
+              <a:lnSpc>
+                <a:spcPct val="90000"/>
+              </a:lnSpc>
+              <a:spcBef>
+                <a:spcPts val="500"/>
+              </a:spcBef>
+              <a:buFont typeface="Arial" panose="020B0604020202020204" pitchFamily="34" charset="0"/>
+              <a:buChar char="•"/>
+              <a:defRPr sz="2400"/>
+            </a:lvl2pPr>
+            <a:lvl3pPr marL="1143000" indent="-228600">
+              <a:lnSpc>
+                <a:spcPct val="90000"/>
+              </a:lnSpc>
+              <a:spcBef>
+                <a:spcPts val="500"/>
+              </a:spcBef>
+              <a:buFont typeface="Arial" panose="020B0604020202020204" pitchFamily="34" charset="0"/>
+              <a:buChar char="•"/>
+              <a:defRPr sz="2000"/>
+            </a:lvl3pPr>
+            <a:lvl4pPr marL="1600200" indent="-228600">
+              <a:lnSpc>
+                <a:spcPct val="90000"/>
+              </a:lnSpc>
+              <a:spcBef>
+                <a:spcPts val="500"/>
+              </a:spcBef>
+              <a:buFont typeface="Arial" panose="020B0604020202020204" pitchFamily="34" charset="0"/>
+              <a:buChar char="•"/>
+            </a:lvl4pPr>
+            <a:lvl5pPr marL="2057400" indent="-228600">
+              <a:lnSpc>
+                <a:spcPct val="90000"/>
+              </a:lnSpc>
+              <a:spcBef>
+                <a:spcPts val="500"/>
+              </a:spcBef>
+              <a:buFont typeface="Arial" panose="020B0604020202020204" pitchFamily="34" charset="0"/>
+              <a:buChar char="•"/>
+            </a:lvl5pPr>
+            <a:lvl6pPr marL="2514600" indent="-228600">
+              <a:lnSpc>
+                <a:spcPct val="90000"/>
+              </a:lnSpc>
+              <a:spcBef>
+                <a:spcPts val="500"/>
+              </a:spcBef>
+              <a:buFont typeface="Arial" panose="020B0604020202020204" pitchFamily="34" charset="0"/>
+              <a:buChar char="•"/>
+            </a:lvl6pPr>
+            <a:lvl7pPr marL="2971800" indent="-228600">
+              <a:lnSpc>
+                <a:spcPct val="90000"/>
+              </a:lnSpc>
+              <a:spcBef>
+                <a:spcPts val="500"/>
+              </a:spcBef>
+              <a:buFont typeface="Arial" panose="020B0604020202020204" pitchFamily="34" charset="0"/>
+              <a:buChar char="•"/>
+            </a:lvl7pPr>
+            <a:lvl8pPr marL="3429000" indent="-228600">
+              <a:lnSpc>
+                <a:spcPct val="90000"/>
+              </a:lnSpc>
+              <a:spcBef>
+                <a:spcPts val="500"/>
+              </a:spcBef>
+              <a:buFont typeface="Arial" panose="020B0604020202020204" pitchFamily="34" charset="0"/>
+              <a:buChar char="•"/>
+            </a:lvl8pPr>
+            <a:lvl9pPr marL="3886200" indent="-228600">
+              <a:lnSpc>
+                <a:spcPct val="90000"/>
+              </a:lnSpc>
+              <a:spcBef>
+                <a:spcPts val="500"/>
+              </a:spcBef>
+              <a:buFont typeface="Arial" panose="020B0604020202020204" pitchFamily="34" charset="0"/>
+              <a:buChar char="•"/>
+            </a:lvl9pPr>
+          </a:lstStyle>
+          <a:p>
+            <a:pPr marL="0" indent="0">
+              <a:buNone/>
+            </a:pPr>
+            <a:r>
+              <a:rPr lang="en-US" sz="2400" b="1" dirty="0"/>
+              <a:t>Objects:</a:t>
+            </a:r>
+          </a:p>
+          <a:p>
+            <a:r>
+              <a:rPr lang="en-US" sz="2400" dirty="0"/>
+              <a:t>Values Changing over Time</a:t>
+            </a:r>
+          </a:p>
+          <a:p>
+            <a:r>
+              <a:rPr lang="en-US" sz="2400" dirty="0"/>
+              <a:t>Identifiable </a:t>
+            </a:r>
+            <a:r>
+              <a:rPr lang="en-US" sz="1600" dirty="0"/>
+              <a:t>(via unique, invariant, absolute location in a finite address space)</a:t>
+            </a:r>
+          </a:p>
+          <a:p>
+            <a:r>
+              <a:rPr lang="en-US" sz="2400" dirty="0"/>
+              <a:t>Sharable / </a:t>
+            </a:r>
+            <a:r>
+              <a:rPr lang="en-US" sz="2400" dirty="0" err="1"/>
+              <a:t>Revisitable</a:t>
+            </a:r>
+            <a:endParaRPr lang="en-US" sz="2400" dirty="0"/>
+          </a:p>
+          <a:p>
+            <a:r>
+              <a:rPr lang="en-US" sz="1600" dirty="0"/>
+              <a:t>(+ access restriction for the changing values by encapsulation)</a:t>
+            </a:r>
+          </a:p>
+          <a:p>
+            <a:pPr marL="0" indent="0">
+              <a:buNone/>
+            </a:pPr>
+            <a:endParaRPr lang="de-DE" sz="2400" dirty="0"/>
+          </a:p>
+          <a:p>
+            <a:pPr marL="0" indent="0">
+              <a:buNone/>
+            </a:pPr>
+            <a:endParaRPr lang="de-DE" sz="2400" dirty="0"/>
+          </a:p>
+        </p:txBody>
+      </p:sp>
+      <p:pic>
+        <p:nvPicPr>
+          <p:cNvPr id="14" name="Grafik 13" descr="Ein Bild, das Screenshot, Text, Zahl, Display enthält.&#10;&#10;Automatisch generierte Beschreibung">
+            <a:extLst>
+              <a:ext uri="{FF2B5EF4-FFF2-40B4-BE49-F238E27FC236}">
+                <a16:creationId xmlns:a16="http://schemas.microsoft.com/office/drawing/2014/main" id="{107EEC5B-0F90-EA10-83F1-5F2DB10DCA62}"/>
+              </a:ext>
+            </a:extLst>
+          </p:cNvPr>
+          <p:cNvPicPr>
+            <a:picLocks noChangeAspect="1"/>
+          </p:cNvPicPr>
+          <p:nvPr/>
+        </p:nvPicPr>
+        <p:blipFill>
+          <a:blip r:embed="rId3">
+            <a:extLst>
+              <a:ext uri="{28A0092B-C50C-407E-A947-70E740481C1C}">
+                <a14:useLocalDpi xmlns:a14="http://schemas.microsoft.com/office/drawing/2010/main" val="0"/>
+              </a:ext>
+            </a:extLst>
+          </a:blip>
+          <a:stretch>
+            <a:fillRect/>
+          </a:stretch>
+        </p:blipFill>
+        <p:spPr>
+          <a:xfrm>
+            <a:off x="1007141" y="3263824"/>
+            <a:ext cx="2597603" cy="3108647"/>
+          </a:xfrm>
+          <a:prstGeom prst="rect">
+            <a:avLst/>
+          </a:prstGeom>
+        </p:spPr>
+      </p:pic>
+      <p:sp>
+        <p:nvSpPr>
+          <p:cNvPr id="59" name="Textfeld 58">
+            <a:extLst>
+              <a:ext uri="{FF2B5EF4-FFF2-40B4-BE49-F238E27FC236}">
+                <a16:creationId xmlns:a16="http://schemas.microsoft.com/office/drawing/2014/main" id="{FCEB47EF-EE0B-56FE-45AA-1645A9D4DE47}"/>
+              </a:ext>
+            </a:extLst>
+          </p:cNvPr>
+          <p:cNvSpPr txBox="1"/>
+          <p:nvPr/>
+        </p:nvSpPr>
+        <p:spPr>
+          <a:xfrm>
+            <a:off x="6447797" y="1286914"/>
+            <a:ext cx="3625673" cy="830997"/>
+          </a:xfrm>
+          <a:prstGeom prst="rect">
+            <a:avLst/>
+          </a:prstGeom>
+          <a:noFill/>
+        </p:spPr>
+        <p:txBody>
+          <a:bodyPr wrap="none" rtlCol="0">
+            <a:spAutoFit/>
+          </a:bodyPr>
+          <a:lstStyle/>
+          <a:p>
+            <a:r>
+              <a:rPr lang="de-DE" sz="1600" b="1" u="sng" dirty="0"/>
+              <a:t>„Crazy </a:t>
+            </a:r>
+            <a:r>
+              <a:rPr lang="de-DE" sz="1600" b="1" u="sng" dirty="0" err="1"/>
+              <a:t>Number</a:t>
+            </a:r>
+            <a:r>
+              <a:rPr lang="de-DE" sz="1600" b="1" u="sng" dirty="0"/>
+              <a:t> Generator“</a:t>
+            </a:r>
+          </a:p>
+          <a:p>
+            <a:pPr marL="285750" indent="-285750">
+              <a:buFont typeface="Arial" panose="020B0604020202020204" pitchFamily="34" charset="0"/>
+              <a:buChar char="•"/>
+            </a:pPr>
+            <a:r>
+              <a:rPr lang="de-DE" sz="1600" dirty="0"/>
+              <a:t>Multiple </a:t>
+            </a:r>
+            <a:r>
+              <a:rPr lang="de-DE" sz="1600" dirty="0" err="1"/>
+              <a:t>evaluations</a:t>
+            </a:r>
+            <a:endParaRPr lang="de-DE" sz="1600" dirty="0"/>
+          </a:p>
+          <a:p>
+            <a:pPr marL="285750" indent="-285750">
+              <a:buFont typeface="Arial" panose="020B0604020202020204" pitchFamily="34" charset="0"/>
+              <a:buChar char="•"/>
+            </a:pPr>
+            <a:r>
+              <a:rPr lang="de-DE" sz="1600" dirty="0" err="1"/>
+              <a:t>Preserves</a:t>
+            </a:r>
+            <a:r>
+              <a:rPr lang="de-DE" sz="1600" dirty="0"/>
+              <a:t> </a:t>
+            </a:r>
+            <a:r>
+              <a:rPr lang="de-DE" sz="1600" dirty="0" err="1"/>
+              <a:t>it‘s</a:t>
+            </a:r>
+            <a:r>
+              <a:rPr lang="de-DE" sz="1600" dirty="0"/>
+              <a:t> internal </a:t>
+            </a:r>
+            <a:r>
+              <a:rPr lang="de-DE" sz="1600" dirty="0" err="1"/>
+              <a:t>changing</a:t>
+            </a:r>
+            <a:r>
+              <a:rPr lang="de-DE" sz="1600" dirty="0"/>
+              <a:t> </a:t>
+            </a:r>
+            <a:r>
+              <a:rPr lang="de-DE" sz="1600" dirty="0" err="1"/>
+              <a:t>values</a:t>
+            </a:r>
+            <a:endParaRPr lang="de-DE" sz="1600" dirty="0"/>
+          </a:p>
+        </p:txBody>
+      </p:sp>
+      <p:grpSp>
+        <p:nvGrpSpPr>
+          <p:cNvPr id="63" name="Gruppieren 62">
+            <a:extLst>
+              <a:ext uri="{FF2B5EF4-FFF2-40B4-BE49-F238E27FC236}">
+                <a16:creationId xmlns:a16="http://schemas.microsoft.com/office/drawing/2014/main" id="{65A6AF51-9342-028F-FA31-867290062913}"/>
+              </a:ext>
+            </a:extLst>
+          </p:cNvPr>
+          <p:cNvGrpSpPr/>
+          <p:nvPr/>
+        </p:nvGrpSpPr>
+        <p:grpSpPr>
+          <a:xfrm>
+            <a:off x="6241622" y="2304498"/>
+            <a:ext cx="5838602" cy="3670327"/>
+            <a:chOff x="6096000" y="332989"/>
+            <a:chExt cx="5838602" cy="3670327"/>
+          </a:xfrm>
+        </p:grpSpPr>
+        <p:sp>
+          <p:nvSpPr>
+            <p:cNvPr id="31" name="Rechteck 30">
+              <a:extLst>
+                <a:ext uri="{FF2B5EF4-FFF2-40B4-BE49-F238E27FC236}">
+                  <a16:creationId xmlns:a16="http://schemas.microsoft.com/office/drawing/2014/main" id="{24E4319D-5B56-BF77-05CB-E9F5B0792C7C}"/>
+                </a:ext>
+              </a:extLst>
+            </p:cNvPr>
+            <p:cNvSpPr/>
+            <p:nvPr/>
+          </p:nvSpPr>
+          <p:spPr>
+            <a:xfrm>
+              <a:off x="7377678" y="808687"/>
+              <a:ext cx="1495811" cy="967256"/>
+            </a:xfrm>
+            <a:prstGeom prst="rect">
+              <a:avLst/>
+            </a:prstGeom>
+          </p:spPr>
+          <p:style>
+            <a:lnRef idx="2">
+              <a:schemeClr val="accent1"/>
+            </a:lnRef>
+            <a:fillRef idx="1">
+              <a:schemeClr val="lt1"/>
+            </a:fillRef>
+            <a:effectRef idx="0">
+              <a:schemeClr val="accent1"/>
+            </a:effectRef>
+            <a:fontRef idx="minor">
+              <a:schemeClr val="dk1"/>
+            </a:fontRef>
+          </p:style>
+          <p:txBody>
+            <a:bodyPr rtlCol="0" anchor="ctr"/>
+            <a:lstStyle/>
+            <a:p>
+              <a:pPr algn="ctr"/>
+              <a:r>
+                <a:rPr lang="de-DE" dirty="0" err="1"/>
+                <a:t>counter</a:t>
+              </a:r>
+              <a:endParaRPr lang="de-DE" dirty="0"/>
+            </a:p>
+          </p:txBody>
+        </p:sp>
+        <p:sp>
+          <p:nvSpPr>
+            <p:cNvPr id="32" name="Textfeld 31">
+              <a:extLst>
+                <a:ext uri="{FF2B5EF4-FFF2-40B4-BE49-F238E27FC236}">
+                  <a16:creationId xmlns:a16="http://schemas.microsoft.com/office/drawing/2014/main" id="{AC3AC6B8-5AE0-B381-E02B-1240310CC4D8}"/>
+                </a:ext>
+              </a:extLst>
+            </p:cNvPr>
+            <p:cNvSpPr txBox="1"/>
+            <p:nvPr/>
+          </p:nvSpPr>
+          <p:spPr>
+            <a:xfrm>
+              <a:off x="7377678" y="876053"/>
+              <a:ext cx="463588" cy="261610"/>
+            </a:xfrm>
+            <a:prstGeom prst="rect">
+              <a:avLst/>
+            </a:prstGeom>
+            <a:noFill/>
+          </p:spPr>
+          <p:txBody>
+            <a:bodyPr wrap="none" rtlCol="0">
+              <a:spAutoFit/>
+            </a:bodyPr>
+            <a:lstStyle/>
+            <a:p>
+              <a:r>
+                <a:rPr lang="de-DE" sz="1100" dirty="0" err="1"/>
+                <a:t>from</a:t>
+              </a:r>
+              <a:endParaRPr lang="de-DE" sz="1100" dirty="0"/>
+            </a:p>
+          </p:txBody>
+        </p:sp>
+        <p:sp>
+          <p:nvSpPr>
+            <p:cNvPr id="33" name="Textfeld 32">
+              <a:extLst>
+                <a:ext uri="{FF2B5EF4-FFF2-40B4-BE49-F238E27FC236}">
+                  <a16:creationId xmlns:a16="http://schemas.microsoft.com/office/drawing/2014/main" id="{6DF877E7-0175-CC47-8AD3-2863226D8115}"/>
+                </a:ext>
+              </a:extLst>
+            </p:cNvPr>
+            <p:cNvSpPr txBox="1"/>
+            <p:nvPr/>
+          </p:nvSpPr>
+          <p:spPr>
+            <a:xfrm>
+              <a:off x="7377678" y="1451132"/>
+              <a:ext cx="322524" cy="261610"/>
+            </a:xfrm>
+            <a:prstGeom prst="rect">
+              <a:avLst/>
+            </a:prstGeom>
+            <a:noFill/>
+          </p:spPr>
+          <p:txBody>
+            <a:bodyPr wrap="none" rtlCol="0">
+              <a:spAutoFit/>
+            </a:bodyPr>
+            <a:lstStyle/>
+            <a:p>
+              <a:r>
+                <a:rPr lang="de-DE" sz="1100" dirty="0" err="1"/>
+                <a:t>by</a:t>
+              </a:r>
+              <a:endParaRPr lang="de-DE" sz="1100" dirty="0"/>
+            </a:p>
+          </p:txBody>
+        </p:sp>
+        <p:cxnSp>
+          <p:nvCxnSpPr>
+            <p:cNvPr id="37" name="Gerader Verbinder 36">
+              <a:extLst>
+                <a:ext uri="{FF2B5EF4-FFF2-40B4-BE49-F238E27FC236}">
+                  <a16:creationId xmlns:a16="http://schemas.microsoft.com/office/drawing/2014/main" id="{6F880FFA-7B01-39DE-2100-5233BBE8A625}"/>
+                </a:ext>
+              </a:extLst>
+            </p:cNvPr>
+            <p:cNvCxnSpPr>
+              <a:endCxn id="32" idx="1"/>
+            </p:cNvCxnSpPr>
+            <p:nvPr/>
+          </p:nvCxnSpPr>
+          <p:spPr>
+            <a:xfrm>
+              <a:off x="6975976" y="1006858"/>
+              <a:ext cx="401702" cy="0"/>
+            </a:xfrm>
+            <a:prstGeom prst="line">
+              <a:avLst/>
+            </a:prstGeom>
+            <a:ln w="15875"/>
+          </p:spPr>
+          <p:style>
+            <a:lnRef idx="1">
+              <a:schemeClr val="accent1"/>
+            </a:lnRef>
+            <a:fillRef idx="0">
+              <a:schemeClr val="accent1"/>
+            </a:fillRef>
+            <a:effectRef idx="0">
+              <a:schemeClr val="accent1"/>
+            </a:effectRef>
+            <a:fontRef idx="minor">
+              <a:schemeClr val="tx1"/>
+            </a:fontRef>
+          </p:style>
+        </p:cxnSp>
+        <p:cxnSp>
+          <p:nvCxnSpPr>
+            <p:cNvPr id="38" name="Gerader Verbinder 37">
+              <a:extLst>
+                <a:ext uri="{FF2B5EF4-FFF2-40B4-BE49-F238E27FC236}">
+                  <a16:creationId xmlns:a16="http://schemas.microsoft.com/office/drawing/2014/main" id="{B09E38DF-5F32-52AE-0393-7F37A5F835DD}"/>
+                </a:ext>
+              </a:extLst>
+            </p:cNvPr>
+            <p:cNvCxnSpPr/>
+            <p:nvPr/>
+          </p:nvCxnSpPr>
+          <p:spPr>
+            <a:xfrm>
+              <a:off x="6975976" y="1583662"/>
+              <a:ext cx="401702" cy="0"/>
+            </a:xfrm>
+            <a:prstGeom prst="line">
+              <a:avLst/>
+            </a:prstGeom>
+            <a:ln w="15875"/>
+          </p:spPr>
+          <p:style>
+            <a:lnRef idx="1">
+              <a:schemeClr val="accent1"/>
+            </a:lnRef>
+            <a:fillRef idx="0">
+              <a:schemeClr val="accent1"/>
+            </a:fillRef>
+            <a:effectRef idx="0">
+              <a:schemeClr val="accent1"/>
+            </a:effectRef>
+            <a:fontRef idx="minor">
+              <a:schemeClr val="tx1"/>
+            </a:fontRef>
+          </p:style>
+        </p:cxnSp>
+        <p:sp>
+          <p:nvSpPr>
+            <p:cNvPr id="39" name="Textfeld 38">
+              <a:extLst>
+                <a:ext uri="{FF2B5EF4-FFF2-40B4-BE49-F238E27FC236}">
+                  <a16:creationId xmlns:a16="http://schemas.microsoft.com/office/drawing/2014/main" id="{7D6FB35D-C94E-DD20-317F-090635A05DCC}"/>
+                </a:ext>
+              </a:extLst>
+            </p:cNvPr>
+            <p:cNvSpPr txBox="1"/>
+            <p:nvPr/>
+          </p:nvSpPr>
+          <p:spPr>
+            <a:xfrm>
+              <a:off x="6719174" y="876053"/>
+              <a:ext cx="256802" cy="261610"/>
+            </a:xfrm>
+            <a:prstGeom prst="rect">
+              <a:avLst/>
+            </a:prstGeom>
+            <a:noFill/>
+          </p:spPr>
+          <p:txBody>
+            <a:bodyPr wrap="none" rtlCol="0">
+              <a:spAutoFit/>
+            </a:bodyPr>
+            <a:lstStyle/>
+            <a:p>
+              <a:r>
+                <a:rPr lang="de-DE" sz="1100" dirty="0"/>
+                <a:t>0</a:t>
+              </a:r>
+            </a:p>
+          </p:txBody>
+        </p:sp>
+        <p:sp>
+          <p:nvSpPr>
+            <p:cNvPr id="40" name="Textfeld 39">
+              <a:extLst>
+                <a:ext uri="{FF2B5EF4-FFF2-40B4-BE49-F238E27FC236}">
+                  <a16:creationId xmlns:a16="http://schemas.microsoft.com/office/drawing/2014/main" id="{8BE26C40-5C3D-6FFD-29AF-4EB38F828012}"/>
+                </a:ext>
+              </a:extLst>
+            </p:cNvPr>
+            <p:cNvSpPr txBox="1"/>
+            <p:nvPr/>
+          </p:nvSpPr>
+          <p:spPr>
+            <a:xfrm>
+              <a:off x="6692165" y="1451132"/>
+              <a:ext cx="256802" cy="261610"/>
+            </a:xfrm>
+            <a:prstGeom prst="rect">
+              <a:avLst/>
+            </a:prstGeom>
+            <a:noFill/>
+          </p:spPr>
+          <p:txBody>
+            <a:bodyPr wrap="none" rtlCol="0">
+              <a:spAutoFit/>
+            </a:bodyPr>
+            <a:lstStyle/>
+            <a:p>
+              <a:r>
+                <a:rPr lang="de-DE" sz="1100" dirty="0"/>
+                <a:t>1</a:t>
+              </a:r>
+            </a:p>
+          </p:txBody>
+        </p:sp>
+        <p:sp>
+          <p:nvSpPr>
+            <p:cNvPr id="42" name="Rechteck 41">
+              <a:extLst>
+                <a:ext uri="{FF2B5EF4-FFF2-40B4-BE49-F238E27FC236}">
+                  <a16:creationId xmlns:a16="http://schemas.microsoft.com/office/drawing/2014/main" id="{237979FD-C357-6D43-C80B-EE09762C1BE3}"/>
+                </a:ext>
+              </a:extLst>
+            </p:cNvPr>
+            <p:cNvSpPr/>
+            <p:nvPr/>
+          </p:nvSpPr>
+          <p:spPr>
+            <a:xfrm>
+              <a:off x="7404687" y="2592560"/>
+              <a:ext cx="1495811" cy="967256"/>
+            </a:xfrm>
+            <a:prstGeom prst="rect">
+              <a:avLst/>
+            </a:prstGeom>
+          </p:spPr>
+          <p:style>
+            <a:lnRef idx="2">
+              <a:schemeClr val="accent1"/>
+            </a:lnRef>
+            <a:fillRef idx="1">
+              <a:schemeClr val="lt1"/>
+            </a:fillRef>
+            <a:effectRef idx="0">
+              <a:schemeClr val="accent1"/>
+            </a:effectRef>
+            <a:fontRef idx="minor">
+              <a:schemeClr val="dk1"/>
+            </a:fontRef>
+          </p:style>
+          <p:txBody>
+            <a:bodyPr rtlCol="0" anchor="ctr"/>
+            <a:lstStyle/>
+            <a:p>
+              <a:pPr algn="ctr"/>
+              <a:r>
+                <a:rPr lang="de-DE" dirty="0" err="1"/>
+                <a:t>counter</a:t>
+              </a:r>
+              <a:endParaRPr lang="de-DE" dirty="0"/>
+            </a:p>
+          </p:txBody>
+        </p:sp>
+        <p:sp>
+          <p:nvSpPr>
+            <p:cNvPr id="43" name="Textfeld 42">
+              <a:extLst>
+                <a:ext uri="{FF2B5EF4-FFF2-40B4-BE49-F238E27FC236}">
+                  <a16:creationId xmlns:a16="http://schemas.microsoft.com/office/drawing/2014/main" id="{DE87A295-5658-1668-0260-C0C8B8D9AE4A}"/>
+                </a:ext>
+              </a:extLst>
+            </p:cNvPr>
+            <p:cNvSpPr txBox="1"/>
+            <p:nvPr/>
+          </p:nvSpPr>
+          <p:spPr>
+            <a:xfrm>
+              <a:off x="7404687" y="2659926"/>
+              <a:ext cx="463588" cy="261610"/>
+            </a:xfrm>
+            <a:prstGeom prst="rect">
+              <a:avLst/>
+            </a:prstGeom>
+            <a:noFill/>
+          </p:spPr>
+          <p:txBody>
+            <a:bodyPr wrap="none" rtlCol="0">
+              <a:spAutoFit/>
+            </a:bodyPr>
+            <a:lstStyle/>
+            <a:p>
+              <a:r>
+                <a:rPr lang="de-DE" sz="1100" dirty="0" err="1"/>
+                <a:t>from</a:t>
+              </a:r>
+              <a:endParaRPr lang="de-DE" sz="1100" dirty="0"/>
+            </a:p>
+          </p:txBody>
+        </p:sp>
+        <p:sp>
+          <p:nvSpPr>
+            <p:cNvPr id="44" name="Textfeld 43">
+              <a:extLst>
+                <a:ext uri="{FF2B5EF4-FFF2-40B4-BE49-F238E27FC236}">
+                  <a16:creationId xmlns:a16="http://schemas.microsoft.com/office/drawing/2014/main" id="{DC2E50E2-9FD3-21A1-C858-2984EB670D94}"/>
+                </a:ext>
+              </a:extLst>
+            </p:cNvPr>
+            <p:cNvSpPr txBox="1"/>
+            <p:nvPr/>
+          </p:nvSpPr>
+          <p:spPr>
+            <a:xfrm>
+              <a:off x="7404687" y="3235005"/>
+              <a:ext cx="322524" cy="261610"/>
+            </a:xfrm>
+            <a:prstGeom prst="rect">
+              <a:avLst/>
+            </a:prstGeom>
+            <a:noFill/>
+          </p:spPr>
+          <p:txBody>
+            <a:bodyPr wrap="none" rtlCol="0">
+              <a:spAutoFit/>
+            </a:bodyPr>
+            <a:lstStyle/>
+            <a:p>
+              <a:r>
+                <a:rPr lang="de-DE" sz="1100" dirty="0" err="1"/>
+                <a:t>by</a:t>
+              </a:r>
+              <a:endParaRPr lang="de-DE" sz="1100" dirty="0"/>
+            </a:p>
+          </p:txBody>
+        </p:sp>
+        <p:cxnSp>
+          <p:nvCxnSpPr>
+            <p:cNvPr id="45" name="Gerader Verbinder 44">
+              <a:extLst>
+                <a:ext uri="{FF2B5EF4-FFF2-40B4-BE49-F238E27FC236}">
+                  <a16:creationId xmlns:a16="http://schemas.microsoft.com/office/drawing/2014/main" id="{FDA3DAB2-ED0C-32AA-A41D-6FF51DECB629}"/>
+                </a:ext>
+              </a:extLst>
+            </p:cNvPr>
+            <p:cNvCxnSpPr>
+              <a:endCxn id="43" idx="1"/>
+            </p:cNvCxnSpPr>
+            <p:nvPr/>
+          </p:nvCxnSpPr>
+          <p:spPr>
+            <a:xfrm>
+              <a:off x="7002985" y="2790731"/>
+              <a:ext cx="401702" cy="0"/>
+            </a:xfrm>
+            <a:prstGeom prst="line">
+              <a:avLst/>
+            </a:prstGeom>
+            <a:ln w="15875"/>
+          </p:spPr>
+          <p:style>
+            <a:lnRef idx="1">
+              <a:schemeClr val="accent1"/>
+            </a:lnRef>
+            <a:fillRef idx="0">
+              <a:schemeClr val="accent1"/>
+            </a:fillRef>
+            <a:effectRef idx="0">
+              <a:schemeClr val="accent1"/>
+            </a:effectRef>
+            <a:fontRef idx="minor">
+              <a:schemeClr val="tx1"/>
+            </a:fontRef>
+          </p:style>
+        </p:cxnSp>
+        <p:cxnSp>
+          <p:nvCxnSpPr>
+            <p:cNvPr id="46" name="Gerader Verbinder 45">
+              <a:extLst>
+                <a:ext uri="{FF2B5EF4-FFF2-40B4-BE49-F238E27FC236}">
+                  <a16:creationId xmlns:a16="http://schemas.microsoft.com/office/drawing/2014/main" id="{9F5D4AF9-9491-94E7-8048-9C1D2F9A1A1B}"/>
+                </a:ext>
+              </a:extLst>
+            </p:cNvPr>
+            <p:cNvCxnSpPr/>
+            <p:nvPr/>
+          </p:nvCxnSpPr>
+          <p:spPr>
+            <a:xfrm>
+              <a:off x="7002985" y="3367535"/>
+              <a:ext cx="401702" cy="0"/>
+            </a:xfrm>
+            <a:prstGeom prst="line">
+              <a:avLst/>
+            </a:prstGeom>
+            <a:ln w="15875"/>
+          </p:spPr>
+          <p:style>
+            <a:lnRef idx="1">
+              <a:schemeClr val="accent1"/>
+            </a:lnRef>
+            <a:fillRef idx="0">
+              <a:schemeClr val="accent1"/>
+            </a:fillRef>
+            <a:effectRef idx="0">
+              <a:schemeClr val="accent1"/>
+            </a:effectRef>
+            <a:fontRef idx="minor">
+              <a:schemeClr val="tx1"/>
+            </a:fontRef>
+          </p:style>
+        </p:cxnSp>
+        <p:sp>
+          <p:nvSpPr>
+            <p:cNvPr id="47" name="Textfeld 46">
+              <a:extLst>
+                <a:ext uri="{FF2B5EF4-FFF2-40B4-BE49-F238E27FC236}">
+                  <a16:creationId xmlns:a16="http://schemas.microsoft.com/office/drawing/2014/main" id="{59C5E5E0-621A-FAE8-B40C-FB412D14F328}"/>
+                </a:ext>
+              </a:extLst>
+            </p:cNvPr>
+            <p:cNvSpPr txBox="1"/>
+            <p:nvPr/>
+          </p:nvSpPr>
+          <p:spPr>
+            <a:xfrm>
+              <a:off x="6647038" y="2659926"/>
+              <a:ext cx="401072" cy="261610"/>
+            </a:xfrm>
+            <a:prstGeom prst="rect">
+              <a:avLst/>
+            </a:prstGeom>
+            <a:noFill/>
+          </p:spPr>
+          <p:txBody>
+            <a:bodyPr wrap="none" rtlCol="0">
+              <a:spAutoFit/>
+            </a:bodyPr>
+            <a:lstStyle/>
+            <a:p>
+              <a:r>
+                <a:rPr lang="de-DE" sz="1100" dirty="0"/>
+                <a:t>100</a:t>
+              </a:r>
+            </a:p>
+          </p:txBody>
+        </p:sp>
+        <p:sp>
+          <p:nvSpPr>
+            <p:cNvPr id="48" name="Textfeld 47">
+              <a:extLst>
+                <a:ext uri="{FF2B5EF4-FFF2-40B4-BE49-F238E27FC236}">
+                  <a16:creationId xmlns:a16="http://schemas.microsoft.com/office/drawing/2014/main" id="{5E3BD4F9-6118-3CAD-7613-9F9950C8EC6C}"/>
+                </a:ext>
+              </a:extLst>
+            </p:cNvPr>
+            <p:cNvSpPr txBox="1"/>
+            <p:nvPr/>
+          </p:nvSpPr>
+          <p:spPr>
+            <a:xfrm>
+              <a:off x="6719174" y="3235005"/>
+              <a:ext cx="328936" cy="261610"/>
+            </a:xfrm>
+            <a:prstGeom prst="rect">
+              <a:avLst/>
+            </a:prstGeom>
+            <a:noFill/>
+          </p:spPr>
+          <p:txBody>
+            <a:bodyPr wrap="none" rtlCol="0">
+              <a:spAutoFit/>
+            </a:bodyPr>
+            <a:lstStyle/>
+            <a:p>
+              <a:r>
+                <a:rPr lang="de-DE" sz="1100" dirty="0"/>
+                <a:t>10</a:t>
+              </a:r>
+            </a:p>
+          </p:txBody>
+        </p:sp>
+        <p:sp>
+          <p:nvSpPr>
+            <p:cNvPr id="50" name="Rechteck 49">
+              <a:extLst>
+                <a:ext uri="{FF2B5EF4-FFF2-40B4-BE49-F238E27FC236}">
+                  <a16:creationId xmlns:a16="http://schemas.microsoft.com/office/drawing/2014/main" id="{8505AE20-87B9-E5B4-6DDF-4FD4A32D2F20}"/>
+                </a:ext>
+              </a:extLst>
+            </p:cNvPr>
+            <p:cNvSpPr/>
+            <p:nvPr/>
+          </p:nvSpPr>
+          <p:spPr>
+            <a:xfrm>
+              <a:off x="10157879" y="1840736"/>
+              <a:ext cx="576124" cy="601641"/>
+            </a:xfrm>
+            <a:prstGeom prst="rect">
+              <a:avLst/>
+            </a:prstGeom>
+          </p:spPr>
+          <p:style>
+            <a:lnRef idx="2">
+              <a:schemeClr val="accent1"/>
+            </a:lnRef>
+            <a:fillRef idx="1">
+              <a:schemeClr val="lt1"/>
+            </a:fillRef>
+            <a:effectRef idx="0">
+              <a:schemeClr val="accent1"/>
+            </a:effectRef>
+            <a:fontRef idx="minor">
+              <a:schemeClr val="dk1"/>
+            </a:fontRef>
+          </p:style>
+          <p:txBody>
+            <a:bodyPr rtlCol="0" anchor="ctr"/>
+            <a:lstStyle/>
+            <a:p>
+              <a:pPr algn="ctr"/>
+              <a:r>
+                <a:rPr lang="de-DE" dirty="0"/>
+                <a:t>+</a:t>
+              </a:r>
+            </a:p>
+          </p:txBody>
+        </p:sp>
+        <p:cxnSp>
+          <p:nvCxnSpPr>
+            <p:cNvPr id="52" name="Verbinder: gewinkelt 51">
+              <a:extLst>
+                <a:ext uri="{FF2B5EF4-FFF2-40B4-BE49-F238E27FC236}">
+                  <a16:creationId xmlns:a16="http://schemas.microsoft.com/office/drawing/2014/main" id="{9041B40B-519A-9436-A767-5B64D304A179}"/>
+                </a:ext>
+              </a:extLst>
+            </p:cNvPr>
+            <p:cNvCxnSpPr>
+              <a:stCxn id="31" idx="3"/>
+            </p:cNvCxnSpPr>
+            <p:nvPr/>
+          </p:nvCxnSpPr>
+          <p:spPr>
+            <a:xfrm>
+              <a:off x="8873489" y="1292315"/>
+              <a:ext cx="1284390" cy="689764"/>
+            </a:xfrm>
+            <a:prstGeom prst="bentConnector3">
+              <a:avLst/>
+            </a:prstGeom>
+            <a:ln w="15875"/>
+          </p:spPr>
+          <p:style>
+            <a:lnRef idx="1">
+              <a:schemeClr val="accent1"/>
+            </a:lnRef>
+            <a:fillRef idx="0">
+              <a:schemeClr val="accent1"/>
+            </a:fillRef>
+            <a:effectRef idx="0">
+              <a:schemeClr val="accent1"/>
+            </a:effectRef>
+            <a:fontRef idx="minor">
+              <a:schemeClr val="tx1"/>
+            </a:fontRef>
+          </p:style>
+        </p:cxnSp>
+        <p:cxnSp>
+          <p:nvCxnSpPr>
+            <p:cNvPr id="53" name="Verbinder: gewinkelt 52">
+              <a:extLst>
+                <a:ext uri="{FF2B5EF4-FFF2-40B4-BE49-F238E27FC236}">
+                  <a16:creationId xmlns:a16="http://schemas.microsoft.com/office/drawing/2014/main" id="{7F910D18-E29D-F4C7-D314-1D7C4F76D624}"/>
+                </a:ext>
+              </a:extLst>
+            </p:cNvPr>
+            <p:cNvCxnSpPr>
+              <a:cxnSpLocks/>
+              <a:stCxn id="42" idx="3"/>
+            </p:cNvCxnSpPr>
+            <p:nvPr/>
+          </p:nvCxnSpPr>
+          <p:spPr>
+            <a:xfrm flipV="1">
+              <a:off x="8900498" y="2278070"/>
+              <a:ext cx="1257381" cy="798118"/>
+            </a:xfrm>
+            <a:prstGeom prst="bentConnector3">
+              <a:avLst/>
+            </a:prstGeom>
+            <a:ln w="15875"/>
+          </p:spPr>
+          <p:style>
+            <a:lnRef idx="1">
+              <a:schemeClr val="accent1"/>
+            </a:lnRef>
+            <a:fillRef idx="0">
+              <a:schemeClr val="accent1"/>
+            </a:fillRef>
+            <a:effectRef idx="0">
+              <a:schemeClr val="accent1"/>
+            </a:effectRef>
+            <a:fontRef idx="minor">
+              <a:schemeClr val="tx1"/>
+            </a:fontRef>
+          </p:style>
+        </p:cxnSp>
+        <p:cxnSp>
+          <p:nvCxnSpPr>
+            <p:cNvPr id="56" name="Gerader Verbinder 55">
+              <a:extLst>
+                <a:ext uri="{FF2B5EF4-FFF2-40B4-BE49-F238E27FC236}">
+                  <a16:creationId xmlns:a16="http://schemas.microsoft.com/office/drawing/2014/main" id="{B020478A-D9F8-7296-E2E0-53C7844F7AD6}"/>
+                </a:ext>
+              </a:extLst>
+            </p:cNvPr>
+            <p:cNvCxnSpPr>
+              <a:cxnSpLocks/>
+            </p:cNvCxnSpPr>
+            <p:nvPr/>
+          </p:nvCxnSpPr>
+          <p:spPr>
+            <a:xfrm>
+              <a:off x="10734003" y="2129836"/>
+              <a:ext cx="821969" cy="0"/>
+            </a:xfrm>
+            <a:prstGeom prst="line">
+              <a:avLst/>
+            </a:prstGeom>
+            <a:ln w="15875"/>
+          </p:spPr>
+          <p:style>
+            <a:lnRef idx="1">
+              <a:schemeClr val="accent1"/>
+            </a:lnRef>
+            <a:fillRef idx="0">
+              <a:schemeClr val="accent1"/>
+            </a:fillRef>
+            <a:effectRef idx="0">
+              <a:schemeClr val="accent1"/>
+            </a:effectRef>
+            <a:fontRef idx="minor">
+              <a:schemeClr val="tx1"/>
+            </a:fontRef>
+          </p:style>
+        </p:cxnSp>
+        <p:sp>
+          <p:nvSpPr>
+            <p:cNvPr id="57" name="Rechteck 56">
+              <a:extLst>
+                <a:ext uri="{FF2B5EF4-FFF2-40B4-BE49-F238E27FC236}">
+                  <a16:creationId xmlns:a16="http://schemas.microsoft.com/office/drawing/2014/main" id="{CC6D1C5C-4D35-F285-2967-7EB80FF6E585}"/>
+                </a:ext>
+              </a:extLst>
+            </p:cNvPr>
+            <p:cNvSpPr/>
+            <p:nvPr/>
+          </p:nvSpPr>
+          <p:spPr>
+            <a:xfrm>
+              <a:off x="6096000" y="332989"/>
+              <a:ext cx="5132268" cy="3670327"/>
+            </a:xfrm>
+            <a:prstGeom prst="rect">
+              <a:avLst/>
+            </a:prstGeom>
+            <a:noFill/>
+            <a:ln w="25400"/>
+          </p:spPr>
+          <p:style>
+            <a:lnRef idx="2">
+              <a:schemeClr val="accent1">
+                <a:shade val="50000"/>
+              </a:schemeClr>
+            </a:lnRef>
+            <a:fillRef idx="1">
+              <a:schemeClr val="accent1"/>
+            </a:fillRef>
+            <a:effectRef idx="0">
+              <a:schemeClr val="accent1"/>
+            </a:effectRef>
+            <a:fontRef idx="minor">
+              <a:schemeClr val="lt1"/>
+            </a:fontRef>
+          </p:style>
+          <p:txBody>
+            <a:bodyPr rtlCol="0" anchor="ctr"/>
+            <a:lstStyle/>
+            <a:p>
+              <a:pPr algn="ctr"/>
+              <a:endParaRPr lang="de-DE"/>
+            </a:p>
+          </p:txBody>
+        </p:sp>
+        <p:sp>
+          <p:nvSpPr>
+            <p:cNvPr id="60" name="Textfeld 59">
+              <a:extLst>
+                <a:ext uri="{FF2B5EF4-FFF2-40B4-BE49-F238E27FC236}">
+                  <a16:creationId xmlns:a16="http://schemas.microsoft.com/office/drawing/2014/main" id="{456CC708-5416-AD84-1A1E-0F0AAF60487C}"/>
+                </a:ext>
+              </a:extLst>
+            </p:cNvPr>
+            <p:cNvSpPr txBox="1"/>
+            <p:nvPr/>
+          </p:nvSpPr>
+          <p:spPr>
+            <a:xfrm>
+              <a:off x="11555972" y="1982079"/>
+              <a:ext cx="378630" cy="261610"/>
+            </a:xfrm>
+            <a:prstGeom prst="rect">
+              <a:avLst/>
+            </a:prstGeom>
+            <a:noFill/>
+          </p:spPr>
+          <p:txBody>
+            <a:bodyPr wrap="none" rtlCol="0">
+              <a:spAutoFit/>
+            </a:bodyPr>
+            <a:lstStyle/>
+            <a:p>
+              <a:r>
+                <a:rPr lang="de-DE" sz="1100" dirty="0"/>
+                <a:t>out</a:t>
+              </a:r>
+            </a:p>
+          </p:txBody>
+        </p:sp>
+      </p:grpSp>
+    </p:spTree>
+    <p:extLst>
+      <p:ext uri="{BB962C8B-B14F-4D97-AF65-F5344CB8AC3E}">
+        <p14:creationId xmlns:p14="http://schemas.microsoft.com/office/powerpoint/2010/main" val="4165525084"/>
+      </p:ext>
+    </p:extLst>
+  </p:cSld>
+  <p:clrMapOvr>
+    <a:masterClrMapping/>
+  </p:clrMapOvr>
+</p:sld>
+</file>
+
+<file path=ppt/slides/slide9.xml><?xml version="1.0" encoding="utf-8"?>
+<p:sld xmlns:a="http://schemas.openxmlformats.org/drawingml/2006/main" xmlns:r="http://schemas.openxmlformats.org/officeDocument/2006/relationships" xmlns:p="http://schemas.openxmlformats.org/presentationml/2006/main">
+  <p:cSld>
+    <p:spTree>
+      <p:nvGrpSpPr>
+        <p:cNvPr id="1" name=""/>
+        <p:cNvGrpSpPr/>
+        <p:nvPr/>
+      </p:nvGrpSpPr>
+      <p:grpSpPr>
+        <a:xfrm>
+          <a:off x="0" y="0"/>
+          <a:ext cx="0" cy="0"/>
+          <a:chOff x="0" y="0"/>
+          <a:chExt cx="0" cy="0"/>
+        </a:xfrm>
+      </p:grpSpPr>
+      <p:sp>
+        <p:nvSpPr>
+          <p:cNvPr id="7" name="Titel 6">
+            <a:extLst>
+              <a:ext uri="{FF2B5EF4-FFF2-40B4-BE49-F238E27FC236}">
+                <a16:creationId xmlns:a16="http://schemas.microsoft.com/office/drawing/2014/main" id="{5DD9D229-1352-FFE0-FB2F-89AADE91D431}"/>
+              </a:ext>
+            </a:extLst>
+          </p:cNvPr>
+          <p:cNvSpPr>
+            <a:spLocks noGrp="1"/>
+          </p:cNvSpPr>
+          <p:nvPr>
+            <p:ph type="title"/>
+          </p:nvPr>
+        </p:nvSpPr>
+        <p:spPr>
+          <a:xfrm>
+            <a:off x="838200" y="840824"/>
+            <a:ext cx="6107012" cy="3694177"/>
+          </a:xfrm>
+        </p:spPr>
+        <p:txBody>
+          <a:bodyPr>
+            <a:normAutofit/>
+          </a:bodyPr>
+          <a:lstStyle/>
+          <a:p>
+            <a:pPr>
+              <a:spcBef>
+                <a:spcPts val="1000"/>
+              </a:spcBef>
+            </a:pPr>
+            <a:r>
+              <a:rPr lang="en-US" sz="2400" dirty="0">
+                <a:latin typeface="+mn-lt"/>
+                <a:ea typeface="+mn-ea"/>
+                <a:cs typeface="+mn-cs"/>
+              </a:rPr>
+              <a:t>…sounds like: Objects!</a:t>
+            </a:r>
+            <a:br>
+              <a:rPr lang="en-US" sz="2400" dirty="0">
+                <a:latin typeface="+mn-lt"/>
+                <a:ea typeface="+mn-ea"/>
+                <a:cs typeface="+mn-cs"/>
+              </a:rPr>
+            </a:br>
+            <a:br>
+              <a:rPr lang="en-US" sz="2400" dirty="0">
+                <a:latin typeface="+mn-lt"/>
+                <a:ea typeface="+mn-ea"/>
+                <a:cs typeface="+mn-cs"/>
+              </a:rPr>
+            </a:br>
+            <a:br>
+              <a:rPr lang="en-US" sz="2400" dirty="0">
+                <a:latin typeface="+mn-lt"/>
+                <a:ea typeface="+mn-ea"/>
+                <a:cs typeface="+mn-cs"/>
+              </a:rPr>
+            </a:br>
+            <a:br>
+              <a:rPr lang="en-US" sz="2400" dirty="0">
+                <a:latin typeface="+mn-lt"/>
+                <a:ea typeface="+mn-ea"/>
+                <a:cs typeface="+mn-cs"/>
+              </a:rPr>
+            </a:br>
+            <a:r>
+              <a:rPr lang="en-US" sz="2400" dirty="0">
+                <a:latin typeface="+mn-lt"/>
+                <a:ea typeface="+mn-ea"/>
+                <a:cs typeface="+mn-cs"/>
+              </a:rPr>
+              <a:t>Values Changing over Time: </a:t>
+            </a:r>
+            <a:r>
+              <a:rPr lang="en-US" sz="2400" b="1" dirty="0">
+                <a:solidFill>
+                  <a:srgbClr val="00B050"/>
+                </a:solidFill>
+                <a:latin typeface="+mn-lt"/>
+                <a:ea typeface="+mn-ea"/>
+                <a:cs typeface="+mn-cs"/>
+              </a:rPr>
+              <a:t>YES</a:t>
+            </a:r>
+            <a:br>
+              <a:rPr lang="en-US" sz="2400" dirty="0">
+                <a:latin typeface="+mn-lt"/>
+                <a:ea typeface="+mn-ea"/>
+                <a:cs typeface="+mn-cs"/>
+              </a:rPr>
+            </a:br>
+            <a:br>
+              <a:rPr lang="en-US" sz="2400" dirty="0">
+                <a:latin typeface="+mn-lt"/>
+                <a:ea typeface="+mn-ea"/>
+                <a:cs typeface="+mn-cs"/>
+              </a:rPr>
+            </a:br>
+            <a:r>
+              <a:rPr lang="en-US" sz="2400" dirty="0">
+                <a:latin typeface="+mn-lt"/>
+                <a:ea typeface="+mn-ea"/>
+                <a:cs typeface="+mn-cs"/>
+              </a:rPr>
+              <a:t>Identifiable “thing”: </a:t>
+            </a:r>
+            <a:r>
+              <a:rPr lang="en-US" sz="2400" b="1" dirty="0">
+                <a:solidFill>
+                  <a:srgbClr val="00B050"/>
+                </a:solidFill>
+                <a:latin typeface="+mn-lt"/>
+                <a:ea typeface="+mn-ea"/>
+                <a:cs typeface="+mn-cs"/>
+              </a:rPr>
+              <a:t>YES</a:t>
+            </a:r>
+            <a:br>
+              <a:rPr lang="en-US" sz="2400" dirty="0">
+                <a:latin typeface="+mn-lt"/>
+                <a:ea typeface="+mn-ea"/>
+                <a:cs typeface="+mn-cs"/>
+              </a:rPr>
+            </a:br>
+            <a:br>
+              <a:rPr lang="en-US" sz="2400" dirty="0">
+                <a:latin typeface="+mn-lt"/>
+                <a:ea typeface="+mn-ea"/>
+                <a:cs typeface="+mn-cs"/>
+              </a:rPr>
+            </a:br>
+            <a:r>
+              <a:rPr lang="en-US" sz="2400" dirty="0">
+                <a:latin typeface="+mn-lt"/>
+                <a:ea typeface="+mn-ea"/>
+                <a:cs typeface="+mn-cs"/>
+              </a:rPr>
+              <a:t>Sharable / </a:t>
+            </a:r>
+            <a:r>
+              <a:rPr lang="en-US" sz="2400" dirty="0" err="1">
+                <a:latin typeface="+mn-lt"/>
+                <a:ea typeface="+mn-ea"/>
+                <a:cs typeface="+mn-cs"/>
+              </a:rPr>
+              <a:t>Revisitable</a:t>
+            </a:r>
+            <a:r>
+              <a:rPr lang="en-US" sz="2400" dirty="0">
+                <a:latin typeface="+mn-lt"/>
+                <a:ea typeface="+mn-ea"/>
+                <a:cs typeface="+mn-cs"/>
+              </a:rPr>
+              <a:t>: </a:t>
+            </a:r>
+            <a:r>
+              <a:rPr lang="en-US" sz="2400" b="1" dirty="0">
+                <a:solidFill>
+                  <a:srgbClr val="00B050"/>
+                </a:solidFill>
+                <a:latin typeface="+mn-lt"/>
+                <a:ea typeface="+mn-ea"/>
+                <a:cs typeface="+mn-cs"/>
+              </a:rPr>
+              <a:t>YES</a:t>
+            </a:r>
+            <a:br>
+              <a:rPr lang="en-US" sz="2400" dirty="0">
+                <a:latin typeface="+mn-lt"/>
+                <a:ea typeface="+mn-ea"/>
+                <a:cs typeface="+mn-cs"/>
+              </a:rPr>
+            </a:br>
+            <a:endParaRPr lang="de-DE" sz="2400" dirty="0">
+              <a:latin typeface="+mn-lt"/>
+              <a:ea typeface="+mn-ea"/>
+              <a:cs typeface="+mn-cs"/>
+            </a:endParaRPr>
+          </a:p>
+        </p:txBody>
+      </p:sp>
+      <p:pic>
+        <p:nvPicPr>
+          <p:cNvPr id="4" name="Grafik 3">
+            <a:extLst>
+              <a:ext uri="{FF2B5EF4-FFF2-40B4-BE49-F238E27FC236}">
+                <a16:creationId xmlns:a16="http://schemas.microsoft.com/office/drawing/2014/main" id="{B985FC45-E737-D2A0-248A-DDF224DCE856}"/>
+              </a:ext>
+            </a:extLst>
+          </p:cNvPr>
+          <p:cNvPicPr>
+            <a:picLocks noChangeAspect="1"/>
+          </p:cNvPicPr>
+          <p:nvPr/>
+        </p:nvPicPr>
+        <p:blipFill>
+          <a:blip r:embed="rId2"/>
+          <a:stretch>
+            <a:fillRect/>
+          </a:stretch>
+        </p:blipFill>
+        <p:spPr>
+          <a:xfrm>
+            <a:off x="6418909" y="782473"/>
+            <a:ext cx="4045569" cy="3185654"/>
+          </a:xfrm>
+          <a:prstGeom prst="rect">
+            <a:avLst/>
+          </a:prstGeom>
+        </p:spPr>
+      </p:pic>
+      <p:pic>
+        <p:nvPicPr>
+          <p:cNvPr id="6" name="Grafik 5">
+            <a:extLst>
+              <a:ext uri="{FF2B5EF4-FFF2-40B4-BE49-F238E27FC236}">
+                <a16:creationId xmlns:a16="http://schemas.microsoft.com/office/drawing/2014/main" id="{09F9038B-9903-B2CC-F18C-40E13F8A6438}"/>
+              </a:ext>
+            </a:extLst>
+          </p:cNvPr>
+          <p:cNvPicPr>
+            <a:picLocks noChangeAspect="1"/>
+          </p:cNvPicPr>
+          <p:nvPr/>
+        </p:nvPicPr>
+        <p:blipFill>
+          <a:blip r:embed="rId3"/>
+          <a:stretch>
+            <a:fillRect/>
+          </a:stretch>
+        </p:blipFill>
+        <p:spPr>
+          <a:xfrm>
+            <a:off x="6442723" y="4884411"/>
+            <a:ext cx="4021755" cy="1285903"/>
+          </a:xfrm>
+          <a:prstGeom prst="rect">
+            <a:avLst/>
+          </a:prstGeom>
+        </p:spPr>
+      </p:pic>
+    </p:spTree>
+    <p:extLst>
+      <p:ext uri="{BB962C8B-B14F-4D97-AF65-F5344CB8AC3E}">
+        <p14:creationId xmlns:p14="http://schemas.microsoft.com/office/powerpoint/2010/main" val="1928597190"/>
       </p:ext>
     </p:extLst>
   </p:cSld>

--- a/Vortrag/Presentation.pptx
+++ b/Vortrag/Presentation.pptx
@@ -118,6 +118,11 @@
       </a:defRPr>
     </a:lvl9pPr>
   </p:defaultTextStyle>
+  <p:extLst>
+    <p:ext uri="{EFAFB233-063F-42B5-8137-9DF3F51BA10A}">
+      <p15:sldGuideLst xmlns:p15="http://schemas.microsoft.com/office/powerpoint/2012/main"/>
+    </p:ext>
+  </p:extLst>
 </p:presentation>
 </file>
 
@@ -203,7 +208,7 @@
           <a:p>
             <a:fld id="{8B5EA7EE-0ED9-4313-A603-EA42AFE913A8}" type="datetimeFigureOut">
               <a:rPr lang="de-DE" smtClean="0"/>
-              <a:t>14.05.2023</a:t>
+              <a:t>15.05.2023</a:t>
             </a:fld>
             <a:endParaRPr lang="de-DE"/>
           </a:p>
@@ -1526,7 +1531,7 @@
           <a:p>
             <a:fld id="{A7A723F4-8CD4-4E43-B924-4DEB8FA5321E}" type="datetimeFigureOut">
               <a:rPr lang="de-DE" smtClean="0"/>
-              <a:t>14.05.2023</a:t>
+              <a:t>15.05.2023</a:t>
             </a:fld>
             <a:endParaRPr lang="de-DE"/>
           </a:p>
@@ -1724,7 +1729,7 @@
           <a:p>
             <a:fld id="{A7A723F4-8CD4-4E43-B924-4DEB8FA5321E}" type="datetimeFigureOut">
               <a:rPr lang="de-DE" smtClean="0"/>
-              <a:t>14.05.2023</a:t>
+              <a:t>15.05.2023</a:t>
             </a:fld>
             <a:endParaRPr lang="de-DE"/>
           </a:p>
@@ -1932,7 +1937,7 @@
           <a:p>
             <a:fld id="{A7A723F4-8CD4-4E43-B924-4DEB8FA5321E}" type="datetimeFigureOut">
               <a:rPr lang="de-DE" smtClean="0"/>
-              <a:t>14.05.2023</a:t>
+              <a:t>15.05.2023</a:t>
             </a:fld>
             <a:endParaRPr lang="de-DE"/>
           </a:p>
@@ -2130,7 +2135,7 @@
           <a:p>
             <a:fld id="{A7A723F4-8CD4-4E43-B924-4DEB8FA5321E}" type="datetimeFigureOut">
               <a:rPr lang="de-DE" smtClean="0"/>
-              <a:t>14.05.2023</a:t>
+              <a:t>15.05.2023</a:t>
             </a:fld>
             <a:endParaRPr lang="de-DE"/>
           </a:p>
@@ -2405,7 +2410,7 @@
           <a:p>
             <a:fld id="{A7A723F4-8CD4-4E43-B924-4DEB8FA5321E}" type="datetimeFigureOut">
               <a:rPr lang="de-DE" smtClean="0"/>
-              <a:t>14.05.2023</a:t>
+              <a:t>15.05.2023</a:t>
             </a:fld>
             <a:endParaRPr lang="de-DE"/>
           </a:p>
@@ -2670,7 +2675,7 @@
           <a:p>
             <a:fld id="{A7A723F4-8CD4-4E43-B924-4DEB8FA5321E}" type="datetimeFigureOut">
               <a:rPr lang="de-DE" smtClean="0"/>
-              <a:t>14.05.2023</a:t>
+              <a:t>15.05.2023</a:t>
             </a:fld>
             <a:endParaRPr lang="de-DE"/>
           </a:p>
@@ -3082,7 +3087,7 @@
           <a:p>
             <a:fld id="{A7A723F4-8CD4-4E43-B924-4DEB8FA5321E}" type="datetimeFigureOut">
               <a:rPr lang="de-DE" smtClean="0"/>
-              <a:t>14.05.2023</a:t>
+              <a:t>15.05.2023</a:t>
             </a:fld>
             <a:endParaRPr lang="de-DE"/>
           </a:p>
@@ -3223,7 +3228,7 @@
           <a:p>
             <a:fld id="{A7A723F4-8CD4-4E43-B924-4DEB8FA5321E}" type="datetimeFigureOut">
               <a:rPr lang="de-DE" smtClean="0"/>
-              <a:t>14.05.2023</a:t>
+              <a:t>15.05.2023</a:t>
             </a:fld>
             <a:endParaRPr lang="de-DE"/>
           </a:p>
@@ -3336,7 +3341,7 @@
           <a:p>
             <a:fld id="{A7A723F4-8CD4-4E43-B924-4DEB8FA5321E}" type="datetimeFigureOut">
               <a:rPr lang="de-DE" smtClean="0"/>
-              <a:t>14.05.2023</a:t>
+              <a:t>15.05.2023</a:t>
             </a:fld>
             <a:endParaRPr lang="de-DE"/>
           </a:p>
@@ -3647,7 +3652,7 @@
           <a:p>
             <a:fld id="{A7A723F4-8CD4-4E43-B924-4DEB8FA5321E}" type="datetimeFigureOut">
               <a:rPr lang="de-DE" smtClean="0"/>
-              <a:t>14.05.2023</a:t>
+              <a:t>15.05.2023</a:t>
             </a:fld>
             <a:endParaRPr lang="de-DE"/>
           </a:p>
@@ -3935,7 +3940,7 @@
           <a:p>
             <a:fld id="{A7A723F4-8CD4-4E43-B924-4DEB8FA5321E}" type="datetimeFigureOut">
               <a:rPr lang="de-DE" smtClean="0"/>
-              <a:t>14.05.2023</a:t>
+              <a:t>15.05.2023</a:t>
             </a:fld>
             <a:endParaRPr lang="de-DE"/>
           </a:p>
@@ -4176,7 +4181,7 @@
           <a:p>
             <a:fld id="{A7A723F4-8CD4-4E43-B924-4DEB8FA5321E}" type="datetimeFigureOut">
               <a:rPr lang="de-DE" smtClean="0"/>
-              <a:t>14.05.2023</a:t>
+              <a:t>15.05.2023</a:t>
             </a:fld>
             <a:endParaRPr lang="de-DE"/>
           </a:p>
@@ -5751,7 +5756,7 @@
         </p:nvSpPr>
         <p:spPr>
           <a:xfrm>
-            <a:off x="6854743" y="975894"/>
+            <a:off x="6867933" y="285470"/>
             <a:ext cx="4686860" cy="2862322"/>
           </a:xfrm>
           <a:prstGeom prst="rect">
@@ -5996,7 +6001,7 @@
         </p:blipFill>
         <p:spPr>
           <a:xfrm>
-            <a:off x="6927952" y="4931665"/>
+            <a:off x="7261802" y="4269646"/>
             <a:ext cx="4028904" cy="1349363"/>
           </a:xfrm>
           <a:prstGeom prst="rect">
@@ -6018,8 +6023,8 @@
         </p:nvSpPr>
         <p:spPr>
           <a:xfrm>
-            <a:off x="6872767" y="4418141"/>
-            <a:ext cx="1366336" cy="400110"/>
+            <a:off x="6867933" y="3820944"/>
+            <a:ext cx="4546541" cy="2246769"/>
           </a:xfrm>
           <a:prstGeom prst="rect">
             <a:avLst/>
@@ -6027,15 +6032,81 @@
           <a:noFill/>
         </p:spPr>
         <p:txBody>
-          <a:bodyPr wrap="none" rtlCol="0">
+          <a:bodyPr wrap="square" rtlCol="0">
             <a:spAutoFit/>
           </a:bodyPr>
           <a:lstStyle/>
           <a:p>
+            <a:pPr marL="285750" indent="-285750">
+              <a:buFont typeface="Arial" panose="020B0604020202020204" pitchFamily="34" charset="0"/>
+              <a:buChar char="•"/>
+            </a:pPr>
             <a:r>
               <a:rPr lang="de-DE" sz="2000" b="1" u="sng" dirty="0"/>
               <a:t>Motivation</a:t>
             </a:r>
+            <a:r>
+              <a:rPr lang="de-DE" sz="2000" dirty="0"/>
+              <a:t> </a:t>
+            </a:r>
+          </a:p>
+          <a:p>
+            <a:pPr marL="285750" indent="-285750">
+              <a:buFont typeface="Arial" panose="020B0604020202020204" pitchFamily="34" charset="0"/>
+              <a:buChar char="•"/>
+            </a:pPr>
+            <a:endParaRPr lang="de-DE" sz="2000" dirty="0"/>
+          </a:p>
+          <a:p>
+            <a:endParaRPr lang="de-DE" sz="2000" dirty="0"/>
+          </a:p>
+          <a:p>
+            <a:endParaRPr lang="de-DE" sz="2000" dirty="0"/>
+          </a:p>
+          <a:p>
+            <a:endParaRPr lang="de-DE" sz="2000" dirty="0"/>
+          </a:p>
+          <a:p>
+            <a:endParaRPr lang="de-DE" sz="2000" dirty="0"/>
+          </a:p>
+          <a:p>
+            <a:pPr marL="742950" lvl="1" indent="-285750">
+              <a:buFont typeface="Arial" panose="020B0604020202020204" pitchFamily="34" charset="0"/>
+              <a:buChar char="•"/>
+            </a:pPr>
+            <a:r>
+              <a:rPr lang="de-DE" sz="2000" dirty="0" err="1"/>
+              <a:t>How</a:t>
+            </a:r>
+            <a:r>
+              <a:rPr lang="de-DE" sz="2000" dirty="0"/>
+              <a:t> </a:t>
+            </a:r>
+            <a:r>
+              <a:rPr lang="de-DE" sz="2000" dirty="0" err="1"/>
+              <a:t>must</a:t>
+            </a:r>
+            <a:r>
+              <a:rPr lang="de-DE" sz="2000" dirty="0"/>
+              <a:t> „</a:t>
+            </a:r>
+            <a:r>
+              <a:rPr lang="de-DE" sz="2000" dirty="0" err="1"/>
+              <a:t>counter</a:t>
+            </a:r>
+            <a:r>
+              <a:rPr lang="de-DE" sz="2000" dirty="0"/>
+              <a:t>“ </a:t>
+            </a:r>
+            <a:r>
+              <a:rPr lang="de-DE" sz="2000" dirty="0" err="1"/>
+              <a:t>look</a:t>
+            </a:r>
+            <a:r>
+              <a:rPr lang="de-DE" sz="2000" dirty="0"/>
+              <a:t> like?</a:t>
+            </a:r>
+            <a:endParaRPr lang="de-DE" sz="2000" b="1" u="sng" dirty="0"/>
           </a:p>
         </p:txBody>
       </p:sp>
@@ -6053,7 +6124,7 @@
 </file>
 
 <file path=ppt/slides/slide12.xml><?xml version="1.0" encoding="utf-8"?>
-<p:sld xmlns:a="http://schemas.openxmlformats.org/drawingml/2006/main" xmlns:r="http://schemas.openxmlformats.org/officeDocument/2006/relationships" xmlns:p="http://schemas.openxmlformats.org/presentationml/2006/main">
+<p:sld xmlns:a="http://schemas.openxmlformats.org/drawingml/2006/main" xmlns:r="http://schemas.openxmlformats.org/officeDocument/2006/relationships" xmlns:p="http://schemas.openxmlformats.org/presentationml/2006/main" show="0">
   <p:cSld>
     <p:spTree>
       <p:nvGrpSpPr>

--- a/Vortrag/Presentation.pptx
+++ b/Vortrag/Presentation.pptx
@@ -7485,7 +7485,29 @@
                 <a:ea typeface="+mn-ea"/>
                 <a:cs typeface="+mn-cs"/>
               </a:rPr>
-              <a:t>cartng</a:t>
+              <a:t>caring</a:t>
+            </a:r>
+            <a:r>
+              <a:rPr lang="de-DE" sz="2000" kern="1200" dirty="0">
+                <a:solidFill>
+                  <a:schemeClr val="tx1"/>
+                </a:solidFill>
+                <a:latin typeface="+mn-lt"/>
+                <a:ea typeface="+mn-ea"/>
+                <a:cs typeface="+mn-cs"/>
+              </a:rPr>
+              <a:t> </a:t>
+            </a:r>
+            <a:r>
+              <a:rPr lang="de-DE" sz="2000" kern="1200" dirty="0" err="1">
+                <a:solidFill>
+                  <a:schemeClr val="tx1"/>
+                </a:solidFill>
+                <a:latin typeface="+mn-lt"/>
+                <a:ea typeface="+mn-ea"/>
+                <a:cs typeface="+mn-cs"/>
+              </a:rPr>
+              <a:t>too</a:t>
             </a:r>
             <a:r>
               <a:rPr lang="de-DE" sz="2000" kern="1200" dirty="0">
@@ -9406,7 +9428,7 @@
             </a:pPr>
             <a:r>
               <a:rPr lang="en-US" sz="2400" dirty="0"/>
-              <a:t>A: " Can I drive now? "</a:t>
+              <a:t>A: "Can I drive now? "</a:t>
             </a:r>
           </a:p>
           <a:p>
